--- a/BD0020_001.pptx
+++ b/BD0020_001.pptx
@@ -5,22 +5,24 @@
     <p:sldMasterId id="2147483747" r:id="rId4"/>
   </p:sldMasterIdLst>
   <p:notesMasterIdLst>
-    <p:notesMasterId r:id="rId15"/>
+    <p:notesMasterId r:id="rId17"/>
   </p:notesMasterIdLst>
   <p:handoutMasterIdLst>
-    <p:handoutMasterId r:id="rId16"/>
+    <p:handoutMasterId r:id="rId18"/>
   </p:handoutMasterIdLst>
   <p:sldIdLst>
     <p:sldId id="257" r:id="rId5"/>
-    <p:sldId id="258" r:id="rId6"/>
-    <p:sldId id="260" r:id="rId7"/>
-    <p:sldId id="261" r:id="rId8"/>
-    <p:sldId id="259" r:id="rId9"/>
-    <p:sldId id="263" r:id="rId10"/>
-    <p:sldId id="262" r:id="rId11"/>
-    <p:sldId id="264" r:id="rId12"/>
-    <p:sldId id="265" r:id="rId13"/>
-    <p:sldId id="266" r:id="rId14"/>
+    <p:sldId id="267" r:id="rId6"/>
+    <p:sldId id="268" r:id="rId7"/>
+    <p:sldId id="258" r:id="rId8"/>
+    <p:sldId id="260" r:id="rId9"/>
+    <p:sldId id="261" r:id="rId10"/>
+    <p:sldId id="259" r:id="rId11"/>
+    <p:sldId id="263" r:id="rId12"/>
+    <p:sldId id="262" r:id="rId13"/>
+    <p:sldId id="264" r:id="rId14"/>
+    <p:sldId id="265" r:id="rId15"/>
+    <p:sldId id="266" r:id="rId16"/>
   </p:sldIdLst>
   <p:sldSz cx="9144000" cy="6858000" type="screen4x3"/>
   <p:notesSz cx="6797675" cy="9926638"/>
@@ -209,7 +211,7 @@
                 <a:latin typeface="Century Gothic" pitchFamily="34" charset="0"/>
               </a:rPr>
               <a:pPr/>
-              <a:t>03/08/15</a:t>
+              <a:t>10/08/15</a:t>
             </a:fld>
             <a:endParaRPr lang="de-CH" dirty="0">
               <a:latin typeface="Century Gothic" pitchFamily="34" charset="0"/>
@@ -388,7 +390,7 @@
             <a:fld id="{FDCDEFE6-5B54-4838-86E6-97123BEF1300}" type="datetimeFigureOut">
               <a:rPr lang="de-CH" smtClean="0"/>
               <a:pPr/>
-              <a:t>03/08/15</a:t>
+              <a:t>10/08/15</a:t>
             </a:fld>
             <a:endParaRPr lang="de-CH" dirty="0"/>
           </a:p>
@@ -6930,8 +6932,13 @@
                     <a:schemeClr val="tx2"/>
                   </a:solidFill>
                 </a:rPr>
-                <a:t>RF0051_001</a:t>
-              </a:r>
+                <a:t>RF0053_001</a:t>
+              </a:r>
+              <a:endParaRPr lang="de-CH" sz="1100" dirty="0" smtClean="0">
+                <a:solidFill>
+                  <a:schemeClr val="tx2"/>
+                </a:solidFill>
+              </a:endParaRPr>
             </a:p>
             <a:p>
               <a:pPr algn="ctr"/>
@@ -7256,6 +7263,3949 @@
           <a:chExt cx="0" cy="0"/>
         </a:xfrm>
       </p:grpSpPr>
+      <p:sp>
+        <p:nvSpPr>
+          <p:cNvPr id="55" name="Achteck 54"/>
+          <p:cNvSpPr>
+            <a:spLocks/>
+          </p:cNvSpPr>
+          <p:nvPr/>
+        </p:nvSpPr>
+        <p:spPr>
+          <a:xfrm>
+            <a:off x="4636209" y="93837"/>
+            <a:ext cx="1223026" cy="1224000"/>
+          </a:xfrm>
+          <a:prstGeom prst="octagon">
+            <a:avLst>
+              <a:gd name="adj" fmla="val 28913"/>
+            </a:avLst>
+          </a:prstGeom>
+          <a:solidFill>
+            <a:srgbClr val="CDFFFF"/>
+          </a:solidFill>
+          <a:ln w="12700">
+            <a:solidFill>
+              <a:srgbClr val="5C859D"/>
+            </a:solidFill>
+          </a:ln>
+        </p:spPr>
+        <p:style>
+          <a:lnRef idx="2">
+            <a:schemeClr val="accent1">
+              <a:shade val="50000"/>
+            </a:schemeClr>
+          </a:lnRef>
+          <a:fillRef idx="1">
+            <a:schemeClr val="accent1"/>
+          </a:fillRef>
+          <a:effectRef idx="0">
+            <a:schemeClr val="accent1"/>
+          </a:effectRef>
+          <a:fontRef idx="minor">
+            <a:schemeClr val="lt1"/>
+          </a:fontRef>
+        </p:style>
+        <p:txBody>
+          <a:bodyPr lIns="0" tIns="36000" rIns="0" bIns="36000" rtlCol="0" anchor="ctr">
+            <a:normAutofit/>
+          </a:bodyPr>
+          <a:lstStyle/>
+          <a:p>
+            <a:pPr algn="ctr"/>
+            <a:r>
+              <a:rPr lang="de-CH" sz="1050" dirty="0" smtClean="0">
+                <a:solidFill>
+                  <a:schemeClr val="tx2"/>
+                </a:solidFill>
+              </a:rPr>
+              <a:t>&lt;</a:t>
+            </a:r>
+            <a:r>
+              <a:rPr lang="de-CH" sz="1050" dirty="0" err="1" smtClean="0">
+                <a:solidFill>
+                  <a:schemeClr val="tx2"/>
+                </a:solidFill>
+              </a:rPr>
+              <a:t>id</a:t>
+            </a:r>
+            <a:r>
+              <a:rPr lang="de-CH" sz="1050" dirty="0" smtClean="0">
+                <a:solidFill>
+                  <a:schemeClr val="tx2"/>
+                </a:solidFill>
+              </a:rPr>
+              <a:t>&gt;</a:t>
+            </a:r>
+          </a:p>
+          <a:p>
+            <a:pPr algn="ctr"/>
+            <a:r>
+              <a:rPr lang="de-CH" sz="1050" dirty="0" smtClean="0">
+                <a:solidFill>
+                  <a:schemeClr val="tx2"/>
+                </a:solidFill>
+              </a:rPr>
+              <a:t>&lt;</a:t>
+            </a:r>
+            <a:r>
+              <a:rPr lang="de-CH" sz="1050" dirty="0" err="1" smtClean="0">
+                <a:solidFill>
+                  <a:schemeClr val="tx2"/>
+                </a:solidFill>
+              </a:rPr>
+              <a:t>name</a:t>
+            </a:r>
+            <a:r>
+              <a:rPr lang="de-CH" sz="1050" dirty="0" smtClean="0">
+                <a:solidFill>
+                  <a:schemeClr val="tx2"/>
+                </a:solidFill>
+              </a:rPr>
+              <a:t>&gt;</a:t>
+            </a:r>
+          </a:p>
+        </p:txBody>
+      </p:sp>
+      <p:grpSp>
+        <p:nvGrpSpPr>
+          <p:cNvPr id="61" name="Gruppieren 13"/>
+          <p:cNvGrpSpPr/>
+          <p:nvPr/>
+        </p:nvGrpSpPr>
+        <p:grpSpPr>
+          <a:xfrm>
+            <a:off x="1142910" y="2932194"/>
+            <a:ext cx="1996771" cy="994366"/>
+            <a:chOff x="3245794" y="2600325"/>
+            <a:chExt cx="2125903" cy="994366"/>
+          </a:xfrm>
+        </p:grpSpPr>
+        <p:sp>
+          <p:nvSpPr>
+            <p:cNvPr id="62" name="Ecken des Rechtecks auf der gleichen Seite schneiden 61"/>
+            <p:cNvSpPr/>
+            <p:nvPr/>
+          </p:nvSpPr>
+          <p:spPr>
+            <a:xfrm>
+              <a:off x="3245794" y="2600325"/>
+              <a:ext cx="2125903" cy="994366"/>
+            </a:xfrm>
+            <a:prstGeom prst="snip2SameRect">
+              <a:avLst/>
+            </a:prstGeom>
+            <a:solidFill>
+              <a:srgbClr val="CDFFCD"/>
+            </a:solidFill>
+            <a:ln w="12700">
+              <a:solidFill>
+                <a:srgbClr val="5C859D"/>
+              </a:solidFill>
+            </a:ln>
+          </p:spPr>
+          <p:style>
+            <a:lnRef idx="2">
+              <a:schemeClr val="accent1">
+                <a:shade val="50000"/>
+              </a:schemeClr>
+            </a:lnRef>
+            <a:fillRef idx="1">
+              <a:schemeClr val="accent1"/>
+            </a:fillRef>
+            <a:effectRef idx="0">
+              <a:schemeClr val="accent1"/>
+            </a:effectRef>
+            <a:fontRef idx="minor">
+              <a:schemeClr val="lt1"/>
+            </a:fontRef>
+          </p:style>
+          <p:txBody>
+            <a:bodyPr lIns="36000" tIns="36000" rIns="36000" bIns="36000" rtlCol="0" anchor="t">
+              <a:normAutofit/>
+            </a:bodyPr>
+            <a:lstStyle/>
+            <a:p>
+              <a:pPr algn="ctr"/>
+              <a:endParaRPr lang="de-CH" sz="1100" dirty="0" smtClean="0">
+                <a:solidFill>
+                  <a:schemeClr val="tx2"/>
+                </a:solidFill>
+              </a:endParaRPr>
+            </a:p>
+          </p:txBody>
+        </p:sp>
+        <p:sp>
+          <p:nvSpPr>
+            <p:cNvPr id="63" name="Textfeld 62"/>
+            <p:cNvSpPr txBox="1"/>
+            <p:nvPr/>
+          </p:nvSpPr>
+          <p:spPr>
+            <a:xfrm>
+              <a:off x="3353952" y="2600325"/>
+              <a:ext cx="1909603" cy="769441"/>
+            </a:xfrm>
+            <a:prstGeom prst="rect">
+              <a:avLst/>
+            </a:prstGeom>
+            <a:noFill/>
+          </p:spPr>
+          <p:txBody>
+            <a:bodyPr wrap="none" rtlCol="0">
+              <a:spAutoFit/>
+            </a:bodyPr>
+            <a:lstStyle/>
+            <a:p>
+              <a:pPr algn="ctr"/>
+              <a:r>
+                <a:rPr lang="de-CH" sz="1100" u="dashLong" dirty="0" smtClean="0">
+                  <a:solidFill>
+                    <a:schemeClr val="tx2"/>
+                  </a:solidFill>
+                </a:rPr>
+                <a:t>&lt;</a:t>
+              </a:r>
+              <a:r>
+                <a:rPr lang="de-CH" sz="1100" u="dashLong" dirty="0" err="1" smtClean="0">
+                  <a:solidFill>
+                    <a:schemeClr val="tx2"/>
+                  </a:solidFill>
+                </a:rPr>
+                <a:t>id</a:t>
+              </a:r>
+              <a:r>
+                <a:rPr lang="de-CH" sz="1100" u="dashLong" dirty="0" smtClean="0">
+                  <a:solidFill>
+                    <a:schemeClr val="tx2"/>
+                  </a:solidFill>
+                </a:rPr>
+                <a:t>&gt;</a:t>
+              </a:r>
+            </a:p>
+            <a:p>
+              <a:pPr algn="ctr"/>
+              <a:r>
+                <a:rPr lang="de-CH" sz="1100" u="dashLong" dirty="0" smtClean="0">
+                  <a:solidFill>
+                    <a:schemeClr val="tx2"/>
+                  </a:solidFill>
+                </a:rPr>
+                <a:t>&lt;</a:t>
+              </a:r>
+              <a:r>
+                <a:rPr lang="de-CH" sz="1100" u="dashLong" dirty="0" err="1" smtClean="0">
+                  <a:solidFill>
+                    <a:schemeClr val="tx2"/>
+                  </a:solidFill>
+                </a:rPr>
+                <a:t>conclusion</a:t>
+              </a:r>
+              <a:r>
+                <a:rPr lang="de-CH" sz="1100" u="dashLong" dirty="0" smtClean="0">
+                  <a:solidFill>
+                    <a:schemeClr val="tx2"/>
+                  </a:solidFill>
+                </a:rPr>
+                <a:t>&gt;</a:t>
+              </a:r>
+            </a:p>
+            <a:p>
+              <a:pPr algn="ctr"/>
+              <a:endParaRPr lang="de-CH" sz="1100" u="dashLong" dirty="0">
+                <a:solidFill>
+                  <a:schemeClr val="tx2"/>
+                </a:solidFill>
+              </a:endParaRPr>
+            </a:p>
+            <a:p>
+              <a:pPr algn="ctr"/>
+              <a:r>
+                <a:rPr lang="de-CH" sz="1100" u="dashLong" dirty="0" smtClean="0">
+                  <a:solidFill>
+                    <a:schemeClr val="tx2"/>
+                  </a:solidFill>
+                </a:rPr>
+                <a:t>&lt;</a:t>
+              </a:r>
+              <a:r>
+                <a:rPr lang="de-CH" sz="1100" u="dashLong" dirty="0" err="1" smtClean="0">
+                  <a:solidFill>
+                    <a:schemeClr val="tx2"/>
+                  </a:solidFill>
+                </a:rPr>
+                <a:t>list</a:t>
+              </a:r>
+              <a:r>
+                <a:rPr lang="de-CH" sz="1100" u="dashLong" dirty="0" smtClean="0">
+                  <a:solidFill>
+                    <a:schemeClr val="tx2"/>
+                  </a:solidFill>
+                </a:rPr>
+                <a:t> </a:t>
+              </a:r>
+              <a:r>
+                <a:rPr lang="de-CH" sz="1100" u="dashLong" dirty="0" err="1" smtClean="0">
+                  <a:solidFill>
+                    <a:schemeClr val="tx2"/>
+                  </a:solidFill>
+                </a:rPr>
+                <a:t>of</a:t>
+              </a:r>
+              <a:r>
+                <a:rPr lang="de-CH" sz="1100" u="dashLong" dirty="0" smtClean="0">
+                  <a:solidFill>
+                    <a:schemeClr val="tx2"/>
+                  </a:solidFill>
+                </a:rPr>
+                <a:t> </a:t>
+              </a:r>
+              <a:r>
+                <a:rPr lang="de-CH" sz="1100" u="dashLong" dirty="0" err="1" smtClean="0">
+                  <a:solidFill>
+                    <a:schemeClr val="tx2"/>
+                  </a:solidFill>
+                </a:rPr>
+                <a:t>conditions</a:t>
+              </a:r>
+              <a:r>
+                <a:rPr lang="de-CH" sz="1100" u="dashLong" dirty="0" smtClean="0">
+                  <a:solidFill>
+                    <a:schemeClr val="tx2"/>
+                  </a:solidFill>
+                </a:rPr>
+                <a:t> in </a:t>
+              </a:r>
+              <a:r>
+                <a:rPr lang="de-CH" sz="1100" u="dashLong" dirty="0" err="1" smtClean="0">
+                  <a:solidFill>
+                    <a:schemeClr val="tx2"/>
+                  </a:solidFill>
+                </a:rPr>
+                <a:t>family</a:t>
+              </a:r>
+              <a:r>
+                <a:rPr lang="de-CH" sz="1100" u="dashLong" dirty="0" smtClean="0">
+                  <a:solidFill>
+                    <a:schemeClr val="tx2"/>
+                  </a:solidFill>
+                </a:rPr>
+                <a:t>&gt;</a:t>
+              </a:r>
+              <a:endParaRPr lang="de-CH" sz="1100" u="dashLong" dirty="0">
+                <a:solidFill>
+                  <a:schemeClr val="tx2"/>
+                </a:solidFill>
+              </a:endParaRPr>
+            </a:p>
+          </p:txBody>
+        </p:sp>
+      </p:grpSp>
+      <p:cxnSp>
+        <p:nvCxnSpPr>
+          <p:cNvPr id="67" name="Gewinkelte Verbindung 66"/>
+          <p:cNvCxnSpPr>
+            <a:stCxn id="70" idx="2"/>
+            <a:endCxn id="62" idx="3"/>
+          </p:cNvCxnSpPr>
+          <p:nvPr/>
+        </p:nvCxnSpPr>
+        <p:spPr>
+          <a:xfrm rot="10800000" flipV="1">
+            <a:off x="2141297" y="2150074"/>
+            <a:ext cx="2035619" cy="782120"/>
+          </a:xfrm>
+          <a:prstGeom prst="bentConnector2">
+            <a:avLst/>
+          </a:prstGeom>
+          <a:ln>
+            <a:tailEnd type="arrow"/>
+          </a:ln>
+        </p:spPr>
+        <p:style>
+          <a:lnRef idx="2">
+            <a:schemeClr val="accent1"/>
+          </a:lnRef>
+          <a:fillRef idx="0">
+            <a:schemeClr val="accent1"/>
+          </a:fillRef>
+          <a:effectRef idx="1">
+            <a:schemeClr val="accent1"/>
+          </a:effectRef>
+          <a:fontRef idx="minor">
+            <a:schemeClr val="tx1"/>
+          </a:fontRef>
+        </p:style>
+      </p:cxnSp>
+      <p:cxnSp>
+        <p:nvCxnSpPr>
+          <p:cNvPr id="68" name="Gewinkelte Verbindung 67"/>
+          <p:cNvCxnSpPr>
+            <a:stCxn id="70" idx="0"/>
+            <a:endCxn id="32" idx="3"/>
+          </p:cNvCxnSpPr>
+          <p:nvPr/>
+        </p:nvCxnSpPr>
+        <p:spPr>
+          <a:xfrm>
+            <a:off x="6302818" y="2150074"/>
+            <a:ext cx="649516" cy="811288"/>
+          </a:xfrm>
+          <a:prstGeom prst="bentConnector2">
+            <a:avLst/>
+          </a:prstGeom>
+          <a:ln>
+            <a:tailEnd type="arrow"/>
+          </a:ln>
+        </p:spPr>
+        <p:style>
+          <a:lnRef idx="2">
+            <a:schemeClr val="accent1"/>
+          </a:lnRef>
+          <a:fillRef idx="0">
+            <a:schemeClr val="accent1"/>
+          </a:fillRef>
+          <a:effectRef idx="1">
+            <a:schemeClr val="accent1"/>
+          </a:effectRef>
+          <a:fontRef idx="minor">
+            <a:schemeClr val="tx1"/>
+          </a:fontRef>
+        </p:style>
+      </p:cxnSp>
+      <p:grpSp>
+        <p:nvGrpSpPr>
+          <p:cNvPr id="69" name="Gruppieren 13"/>
+          <p:cNvGrpSpPr/>
+          <p:nvPr/>
+        </p:nvGrpSpPr>
+        <p:grpSpPr>
+          <a:xfrm>
+            <a:off x="4176915" y="1652891"/>
+            <a:ext cx="2125903" cy="994366"/>
+            <a:chOff x="3245794" y="2600325"/>
+            <a:chExt cx="2125903" cy="994366"/>
+          </a:xfrm>
+        </p:grpSpPr>
+        <p:sp>
+          <p:nvSpPr>
+            <p:cNvPr id="70" name="Ecken des Rechtecks auf der gleichen Seite schneiden 69"/>
+            <p:cNvSpPr/>
+            <p:nvPr/>
+          </p:nvSpPr>
+          <p:spPr>
+            <a:xfrm>
+              <a:off x="3245794" y="2600325"/>
+              <a:ext cx="2125903" cy="994366"/>
+            </a:xfrm>
+            <a:prstGeom prst="snip2SameRect">
+              <a:avLst/>
+            </a:prstGeom>
+            <a:solidFill>
+              <a:srgbClr val="CDFFCD"/>
+            </a:solidFill>
+            <a:ln w="12700">
+              <a:solidFill>
+                <a:srgbClr val="5C859D"/>
+              </a:solidFill>
+            </a:ln>
+          </p:spPr>
+          <p:style>
+            <a:lnRef idx="2">
+              <a:schemeClr val="accent1">
+                <a:shade val="50000"/>
+              </a:schemeClr>
+            </a:lnRef>
+            <a:fillRef idx="1">
+              <a:schemeClr val="accent1"/>
+            </a:fillRef>
+            <a:effectRef idx="0">
+              <a:schemeClr val="accent1"/>
+            </a:effectRef>
+            <a:fontRef idx="minor">
+              <a:schemeClr val="lt1"/>
+            </a:fontRef>
+          </p:style>
+          <p:txBody>
+            <a:bodyPr lIns="36000" tIns="36000" rIns="36000" bIns="36000" rtlCol="0" anchor="t">
+              <a:normAutofit/>
+            </a:bodyPr>
+            <a:lstStyle/>
+            <a:p>
+              <a:pPr algn="ctr"/>
+              <a:endParaRPr lang="de-CH" sz="1100" dirty="0" smtClean="0">
+                <a:solidFill>
+                  <a:schemeClr val="tx2"/>
+                </a:solidFill>
+              </a:endParaRPr>
+            </a:p>
+          </p:txBody>
+        </p:sp>
+        <p:sp>
+          <p:nvSpPr>
+            <p:cNvPr id="71" name="Textfeld 70"/>
+            <p:cNvSpPr txBox="1"/>
+            <p:nvPr/>
+          </p:nvSpPr>
+          <p:spPr>
+            <a:xfrm>
+              <a:off x="3353952" y="2600325"/>
+              <a:ext cx="1909603" cy="769441"/>
+            </a:xfrm>
+            <a:prstGeom prst="rect">
+              <a:avLst/>
+            </a:prstGeom>
+            <a:noFill/>
+          </p:spPr>
+          <p:txBody>
+            <a:bodyPr wrap="none" rtlCol="0">
+              <a:spAutoFit/>
+            </a:bodyPr>
+            <a:lstStyle/>
+            <a:p>
+              <a:pPr algn="ctr"/>
+              <a:r>
+                <a:rPr lang="de-CH" sz="1100" u="dashLong" dirty="0" smtClean="0">
+                  <a:solidFill>
+                    <a:schemeClr val="tx2"/>
+                  </a:solidFill>
+                </a:rPr>
+                <a:t>&lt;</a:t>
+              </a:r>
+              <a:r>
+                <a:rPr lang="de-CH" sz="1100" u="dashLong" dirty="0" err="1" smtClean="0">
+                  <a:solidFill>
+                    <a:schemeClr val="tx2"/>
+                  </a:solidFill>
+                </a:rPr>
+                <a:t>id</a:t>
+              </a:r>
+              <a:r>
+                <a:rPr lang="de-CH" sz="1100" u="dashLong" dirty="0" smtClean="0">
+                  <a:solidFill>
+                    <a:schemeClr val="tx2"/>
+                  </a:solidFill>
+                </a:rPr>
+                <a:t>&gt;</a:t>
+              </a:r>
+            </a:p>
+            <a:p>
+              <a:pPr algn="ctr"/>
+              <a:r>
+                <a:rPr lang="de-CH" sz="1100" u="dashLong" dirty="0" smtClean="0">
+                  <a:solidFill>
+                    <a:schemeClr val="tx2"/>
+                  </a:solidFill>
+                </a:rPr>
+                <a:t>&lt;</a:t>
+              </a:r>
+              <a:r>
+                <a:rPr lang="de-CH" sz="1100" u="dashLong" dirty="0" err="1" smtClean="0">
+                  <a:solidFill>
+                    <a:schemeClr val="tx2"/>
+                  </a:solidFill>
+                </a:rPr>
+                <a:t>conclusion</a:t>
+              </a:r>
+              <a:r>
+                <a:rPr lang="de-CH" sz="1100" u="dashLong" dirty="0" smtClean="0">
+                  <a:solidFill>
+                    <a:schemeClr val="tx2"/>
+                  </a:solidFill>
+                </a:rPr>
+                <a:t>&gt;</a:t>
+              </a:r>
+            </a:p>
+            <a:p>
+              <a:pPr algn="ctr"/>
+              <a:endParaRPr lang="de-CH" sz="1100" u="dashLong" dirty="0">
+                <a:solidFill>
+                  <a:schemeClr val="tx2"/>
+                </a:solidFill>
+              </a:endParaRPr>
+            </a:p>
+            <a:p>
+              <a:pPr algn="ctr"/>
+              <a:r>
+                <a:rPr lang="de-CH" sz="1100" u="dashLong" dirty="0" smtClean="0">
+                  <a:solidFill>
+                    <a:schemeClr val="tx2"/>
+                  </a:solidFill>
+                </a:rPr>
+                <a:t>&lt;</a:t>
+              </a:r>
+              <a:r>
+                <a:rPr lang="de-CH" sz="1100" u="dashLong" dirty="0" err="1" smtClean="0">
+                  <a:solidFill>
+                    <a:schemeClr val="tx2"/>
+                  </a:solidFill>
+                </a:rPr>
+                <a:t>list</a:t>
+              </a:r>
+              <a:r>
+                <a:rPr lang="de-CH" sz="1100" u="dashLong" dirty="0" smtClean="0">
+                  <a:solidFill>
+                    <a:schemeClr val="tx2"/>
+                  </a:solidFill>
+                </a:rPr>
+                <a:t> </a:t>
+              </a:r>
+              <a:r>
+                <a:rPr lang="de-CH" sz="1100" u="dashLong" dirty="0" err="1" smtClean="0">
+                  <a:solidFill>
+                    <a:schemeClr val="tx2"/>
+                  </a:solidFill>
+                </a:rPr>
+                <a:t>of</a:t>
+              </a:r>
+              <a:r>
+                <a:rPr lang="de-CH" sz="1100" u="dashLong" dirty="0" smtClean="0">
+                  <a:solidFill>
+                    <a:schemeClr val="tx2"/>
+                  </a:solidFill>
+                </a:rPr>
+                <a:t> </a:t>
+              </a:r>
+              <a:r>
+                <a:rPr lang="de-CH" sz="1100" u="dashLong" dirty="0" err="1" smtClean="0">
+                  <a:solidFill>
+                    <a:schemeClr val="tx2"/>
+                  </a:solidFill>
+                </a:rPr>
+                <a:t>conditions</a:t>
+              </a:r>
+              <a:r>
+                <a:rPr lang="de-CH" sz="1100" u="dashLong" dirty="0" smtClean="0">
+                  <a:solidFill>
+                    <a:schemeClr val="tx2"/>
+                  </a:solidFill>
+                </a:rPr>
+                <a:t> in </a:t>
+              </a:r>
+              <a:r>
+                <a:rPr lang="de-CH" sz="1100" u="dashLong" dirty="0" err="1" smtClean="0">
+                  <a:solidFill>
+                    <a:schemeClr val="tx2"/>
+                  </a:solidFill>
+                </a:rPr>
+                <a:t>family</a:t>
+              </a:r>
+              <a:r>
+                <a:rPr lang="de-CH" sz="1100" u="dashLong" dirty="0" smtClean="0">
+                  <a:solidFill>
+                    <a:schemeClr val="tx2"/>
+                  </a:solidFill>
+                </a:rPr>
+                <a:t>&gt;</a:t>
+              </a:r>
+              <a:endParaRPr lang="de-CH" sz="1100" u="dashLong" dirty="0">
+                <a:solidFill>
+                  <a:schemeClr val="tx2"/>
+                </a:solidFill>
+              </a:endParaRPr>
+            </a:p>
+          </p:txBody>
+        </p:sp>
+      </p:grpSp>
+      <p:cxnSp>
+        <p:nvCxnSpPr>
+          <p:cNvPr id="72" name="Gerade Verbindung mit Pfeil 71"/>
+          <p:cNvCxnSpPr>
+            <a:endCxn id="71" idx="0"/>
+          </p:cNvCxnSpPr>
+          <p:nvPr/>
+        </p:nvCxnSpPr>
+        <p:spPr>
+          <a:xfrm flipH="1">
+            <a:off x="5239875" y="1305777"/>
+            <a:ext cx="864" cy="347114"/>
+          </a:xfrm>
+          <a:prstGeom prst="straightConnector1">
+            <a:avLst/>
+          </a:prstGeom>
+          <a:ln>
+            <a:tailEnd type="arrow"/>
+          </a:ln>
+        </p:spPr>
+        <p:style>
+          <a:lnRef idx="2">
+            <a:schemeClr val="accent1"/>
+          </a:lnRef>
+          <a:fillRef idx="0">
+            <a:schemeClr val="accent1"/>
+          </a:fillRef>
+          <a:effectRef idx="1">
+            <a:schemeClr val="accent1"/>
+          </a:effectRef>
+          <a:fontRef idx="minor">
+            <a:schemeClr val="tx1"/>
+          </a:fontRef>
+        </p:style>
+      </p:cxnSp>
+      <p:grpSp>
+        <p:nvGrpSpPr>
+          <p:cNvPr id="23" name="Gruppieren 13"/>
+          <p:cNvGrpSpPr/>
+          <p:nvPr/>
+        </p:nvGrpSpPr>
+        <p:grpSpPr>
+          <a:xfrm>
+            <a:off x="4642089" y="4225922"/>
+            <a:ext cx="2125903" cy="994366"/>
+            <a:chOff x="3245794" y="2600325"/>
+            <a:chExt cx="2125903" cy="994366"/>
+          </a:xfrm>
+        </p:grpSpPr>
+        <p:sp>
+          <p:nvSpPr>
+            <p:cNvPr id="24" name="Ecken des Rechtecks auf der gleichen Seite schneiden 23"/>
+            <p:cNvSpPr/>
+            <p:nvPr/>
+          </p:nvSpPr>
+          <p:spPr>
+            <a:xfrm>
+              <a:off x="3245794" y="2600325"/>
+              <a:ext cx="2125903" cy="994366"/>
+            </a:xfrm>
+            <a:prstGeom prst="snip2SameRect">
+              <a:avLst/>
+            </a:prstGeom>
+            <a:solidFill>
+              <a:srgbClr val="CDFFCD"/>
+            </a:solidFill>
+            <a:ln w="12700">
+              <a:solidFill>
+                <a:srgbClr val="5C859D"/>
+              </a:solidFill>
+            </a:ln>
+          </p:spPr>
+          <p:style>
+            <a:lnRef idx="2">
+              <a:schemeClr val="accent1">
+                <a:shade val="50000"/>
+              </a:schemeClr>
+            </a:lnRef>
+            <a:fillRef idx="1">
+              <a:schemeClr val="accent1"/>
+            </a:fillRef>
+            <a:effectRef idx="0">
+              <a:schemeClr val="accent1"/>
+            </a:effectRef>
+            <a:fontRef idx="minor">
+              <a:schemeClr val="lt1"/>
+            </a:fontRef>
+          </p:style>
+          <p:txBody>
+            <a:bodyPr lIns="36000" tIns="36000" rIns="36000" bIns="36000" rtlCol="0" anchor="t">
+              <a:normAutofit/>
+            </a:bodyPr>
+            <a:lstStyle/>
+            <a:p>
+              <a:pPr algn="ctr"/>
+              <a:endParaRPr lang="de-CH" sz="1100" dirty="0" smtClean="0">
+                <a:solidFill>
+                  <a:schemeClr val="tx2"/>
+                </a:solidFill>
+              </a:endParaRPr>
+            </a:p>
+          </p:txBody>
+        </p:sp>
+        <p:sp>
+          <p:nvSpPr>
+            <p:cNvPr id="25" name="Textfeld 24"/>
+            <p:cNvSpPr txBox="1"/>
+            <p:nvPr/>
+          </p:nvSpPr>
+          <p:spPr>
+            <a:xfrm>
+              <a:off x="3353952" y="2600325"/>
+              <a:ext cx="1909603" cy="769441"/>
+            </a:xfrm>
+            <a:prstGeom prst="rect">
+              <a:avLst/>
+            </a:prstGeom>
+            <a:noFill/>
+          </p:spPr>
+          <p:txBody>
+            <a:bodyPr wrap="none" rtlCol="0">
+              <a:spAutoFit/>
+            </a:bodyPr>
+            <a:lstStyle/>
+            <a:p>
+              <a:pPr algn="ctr"/>
+              <a:r>
+                <a:rPr lang="de-CH" sz="1100" u="dashLong" dirty="0" smtClean="0">
+                  <a:solidFill>
+                    <a:schemeClr val="tx2"/>
+                  </a:solidFill>
+                </a:rPr>
+                <a:t>&lt;</a:t>
+              </a:r>
+              <a:r>
+                <a:rPr lang="de-CH" sz="1100" u="dashLong" dirty="0" err="1" smtClean="0">
+                  <a:solidFill>
+                    <a:schemeClr val="tx2"/>
+                  </a:solidFill>
+                </a:rPr>
+                <a:t>id</a:t>
+              </a:r>
+              <a:r>
+                <a:rPr lang="de-CH" sz="1100" u="dashLong" dirty="0" smtClean="0">
+                  <a:solidFill>
+                    <a:schemeClr val="tx2"/>
+                  </a:solidFill>
+                </a:rPr>
+                <a:t>&gt;</a:t>
+              </a:r>
+            </a:p>
+            <a:p>
+              <a:pPr algn="ctr"/>
+              <a:r>
+                <a:rPr lang="de-CH" sz="1100" u="dashLong" dirty="0" smtClean="0">
+                  <a:solidFill>
+                    <a:schemeClr val="tx2"/>
+                  </a:solidFill>
+                </a:rPr>
+                <a:t>&lt;</a:t>
+              </a:r>
+              <a:r>
+                <a:rPr lang="de-CH" sz="1100" u="dashLong" dirty="0" err="1" smtClean="0">
+                  <a:solidFill>
+                    <a:schemeClr val="tx2"/>
+                  </a:solidFill>
+                </a:rPr>
+                <a:t>conclusion</a:t>
+              </a:r>
+              <a:r>
+                <a:rPr lang="de-CH" sz="1100" u="dashLong" dirty="0" smtClean="0">
+                  <a:solidFill>
+                    <a:schemeClr val="tx2"/>
+                  </a:solidFill>
+                </a:rPr>
+                <a:t>&gt;</a:t>
+              </a:r>
+            </a:p>
+            <a:p>
+              <a:pPr algn="ctr"/>
+              <a:endParaRPr lang="de-CH" sz="1100" u="dashLong" dirty="0">
+                <a:solidFill>
+                  <a:schemeClr val="tx2"/>
+                </a:solidFill>
+              </a:endParaRPr>
+            </a:p>
+            <a:p>
+              <a:pPr algn="ctr"/>
+              <a:r>
+                <a:rPr lang="de-CH" sz="1100" u="dashLong" dirty="0" smtClean="0">
+                  <a:solidFill>
+                    <a:schemeClr val="tx2"/>
+                  </a:solidFill>
+                </a:rPr>
+                <a:t>&lt;</a:t>
+              </a:r>
+              <a:r>
+                <a:rPr lang="de-CH" sz="1100" u="dashLong" dirty="0" err="1" smtClean="0">
+                  <a:solidFill>
+                    <a:schemeClr val="tx2"/>
+                  </a:solidFill>
+                </a:rPr>
+                <a:t>list</a:t>
+              </a:r>
+              <a:r>
+                <a:rPr lang="de-CH" sz="1100" u="dashLong" dirty="0" smtClean="0">
+                  <a:solidFill>
+                    <a:schemeClr val="tx2"/>
+                  </a:solidFill>
+                </a:rPr>
+                <a:t> </a:t>
+              </a:r>
+              <a:r>
+                <a:rPr lang="de-CH" sz="1100" u="dashLong" dirty="0" err="1" smtClean="0">
+                  <a:solidFill>
+                    <a:schemeClr val="tx2"/>
+                  </a:solidFill>
+                </a:rPr>
+                <a:t>of</a:t>
+              </a:r>
+              <a:r>
+                <a:rPr lang="de-CH" sz="1100" u="dashLong" dirty="0" smtClean="0">
+                  <a:solidFill>
+                    <a:schemeClr val="tx2"/>
+                  </a:solidFill>
+                </a:rPr>
+                <a:t> </a:t>
+              </a:r>
+              <a:r>
+                <a:rPr lang="de-CH" sz="1100" u="dashLong" dirty="0" err="1" smtClean="0">
+                  <a:solidFill>
+                    <a:schemeClr val="tx2"/>
+                  </a:solidFill>
+                </a:rPr>
+                <a:t>conditions</a:t>
+              </a:r>
+              <a:r>
+                <a:rPr lang="de-CH" sz="1100" u="dashLong" dirty="0" smtClean="0">
+                  <a:solidFill>
+                    <a:schemeClr val="tx2"/>
+                  </a:solidFill>
+                </a:rPr>
+                <a:t> in </a:t>
+              </a:r>
+              <a:r>
+                <a:rPr lang="de-CH" sz="1100" u="dashLong" dirty="0" err="1" smtClean="0">
+                  <a:solidFill>
+                    <a:schemeClr val="tx2"/>
+                  </a:solidFill>
+                </a:rPr>
+                <a:t>family</a:t>
+              </a:r>
+              <a:r>
+                <a:rPr lang="de-CH" sz="1100" u="dashLong" dirty="0" smtClean="0">
+                  <a:solidFill>
+                    <a:schemeClr val="tx2"/>
+                  </a:solidFill>
+                </a:rPr>
+                <a:t>&gt;</a:t>
+              </a:r>
+              <a:endParaRPr lang="de-CH" sz="1100" u="dashLong" dirty="0">
+                <a:solidFill>
+                  <a:schemeClr val="tx2"/>
+                </a:solidFill>
+              </a:endParaRPr>
+            </a:p>
+          </p:txBody>
+        </p:sp>
+      </p:grpSp>
+      <p:grpSp>
+        <p:nvGrpSpPr>
+          <p:cNvPr id="26" name="Gruppieren 13"/>
+          <p:cNvGrpSpPr/>
+          <p:nvPr/>
+        </p:nvGrpSpPr>
+        <p:grpSpPr>
+          <a:xfrm>
+            <a:off x="7145176" y="4197317"/>
+            <a:ext cx="2125903" cy="994366"/>
+            <a:chOff x="3245794" y="2600325"/>
+            <a:chExt cx="2125903" cy="994366"/>
+          </a:xfrm>
+        </p:grpSpPr>
+        <p:sp>
+          <p:nvSpPr>
+            <p:cNvPr id="27" name="Ecken des Rechtecks auf der gleichen Seite schneiden 26"/>
+            <p:cNvSpPr/>
+            <p:nvPr/>
+          </p:nvSpPr>
+          <p:spPr>
+            <a:xfrm>
+              <a:off x="3245794" y="2600325"/>
+              <a:ext cx="2125903" cy="994366"/>
+            </a:xfrm>
+            <a:prstGeom prst="snip2SameRect">
+              <a:avLst/>
+            </a:prstGeom>
+            <a:solidFill>
+              <a:srgbClr val="CDFFCD"/>
+            </a:solidFill>
+            <a:ln w="12700">
+              <a:solidFill>
+                <a:srgbClr val="5C859D"/>
+              </a:solidFill>
+            </a:ln>
+          </p:spPr>
+          <p:style>
+            <a:lnRef idx="2">
+              <a:schemeClr val="accent1">
+                <a:shade val="50000"/>
+              </a:schemeClr>
+            </a:lnRef>
+            <a:fillRef idx="1">
+              <a:schemeClr val="accent1"/>
+            </a:fillRef>
+            <a:effectRef idx="0">
+              <a:schemeClr val="accent1"/>
+            </a:effectRef>
+            <a:fontRef idx="minor">
+              <a:schemeClr val="lt1"/>
+            </a:fontRef>
+          </p:style>
+          <p:txBody>
+            <a:bodyPr lIns="36000" tIns="36000" rIns="36000" bIns="36000" rtlCol="0" anchor="t">
+              <a:normAutofit/>
+            </a:bodyPr>
+            <a:lstStyle/>
+            <a:p>
+              <a:pPr algn="ctr"/>
+              <a:endParaRPr lang="de-CH" sz="1100" dirty="0" smtClean="0">
+                <a:solidFill>
+                  <a:schemeClr val="tx2"/>
+                </a:solidFill>
+              </a:endParaRPr>
+            </a:p>
+          </p:txBody>
+        </p:sp>
+        <p:sp>
+          <p:nvSpPr>
+            <p:cNvPr id="28" name="Textfeld 27"/>
+            <p:cNvSpPr txBox="1"/>
+            <p:nvPr/>
+          </p:nvSpPr>
+          <p:spPr>
+            <a:xfrm>
+              <a:off x="3353952" y="2600325"/>
+              <a:ext cx="1909603" cy="769441"/>
+            </a:xfrm>
+            <a:prstGeom prst="rect">
+              <a:avLst/>
+            </a:prstGeom>
+            <a:noFill/>
+          </p:spPr>
+          <p:txBody>
+            <a:bodyPr wrap="none" rtlCol="0">
+              <a:spAutoFit/>
+            </a:bodyPr>
+            <a:lstStyle/>
+            <a:p>
+              <a:pPr algn="ctr"/>
+              <a:r>
+                <a:rPr lang="de-CH" sz="1100" u="dashLong" dirty="0" smtClean="0">
+                  <a:solidFill>
+                    <a:schemeClr val="tx2"/>
+                  </a:solidFill>
+                </a:rPr>
+                <a:t>&lt;</a:t>
+              </a:r>
+              <a:r>
+                <a:rPr lang="de-CH" sz="1100" u="dashLong" dirty="0" err="1" smtClean="0">
+                  <a:solidFill>
+                    <a:schemeClr val="tx2"/>
+                  </a:solidFill>
+                </a:rPr>
+                <a:t>id</a:t>
+              </a:r>
+              <a:r>
+                <a:rPr lang="de-CH" sz="1100" u="dashLong" dirty="0" smtClean="0">
+                  <a:solidFill>
+                    <a:schemeClr val="tx2"/>
+                  </a:solidFill>
+                </a:rPr>
+                <a:t>&gt;</a:t>
+              </a:r>
+            </a:p>
+            <a:p>
+              <a:pPr algn="ctr"/>
+              <a:r>
+                <a:rPr lang="de-CH" sz="1100" u="dashLong" dirty="0" smtClean="0">
+                  <a:solidFill>
+                    <a:schemeClr val="tx2"/>
+                  </a:solidFill>
+                </a:rPr>
+                <a:t>&lt;</a:t>
+              </a:r>
+              <a:r>
+                <a:rPr lang="de-CH" sz="1100" u="dashLong" dirty="0" err="1" smtClean="0">
+                  <a:solidFill>
+                    <a:schemeClr val="tx2"/>
+                  </a:solidFill>
+                </a:rPr>
+                <a:t>conclusion</a:t>
+              </a:r>
+              <a:r>
+                <a:rPr lang="de-CH" sz="1100" u="dashLong" dirty="0" smtClean="0">
+                  <a:solidFill>
+                    <a:schemeClr val="tx2"/>
+                  </a:solidFill>
+                </a:rPr>
+                <a:t>&gt;</a:t>
+              </a:r>
+            </a:p>
+            <a:p>
+              <a:pPr algn="ctr"/>
+              <a:endParaRPr lang="de-CH" sz="1100" u="dashLong" dirty="0">
+                <a:solidFill>
+                  <a:schemeClr val="tx2"/>
+                </a:solidFill>
+              </a:endParaRPr>
+            </a:p>
+            <a:p>
+              <a:pPr algn="ctr"/>
+              <a:r>
+                <a:rPr lang="de-CH" sz="1100" u="dashLong" dirty="0" smtClean="0">
+                  <a:solidFill>
+                    <a:schemeClr val="tx2"/>
+                  </a:solidFill>
+                </a:rPr>
+                <a:t>&lt;</a:t>
+              </a:r>
+              <a:r>
+                <a:rPr lang="de-CH" sz="1100" u="dashLong" dirty="0" err="1" smtClean="0">
+                  <a:solidFill>
+                    <a:schemeClr val="tx2"/>
+                  </a:solidFill>
+                </a:rPr>
+                <a:t>list</a:t>
+              </a:r>
+              <a:r>
+                <a:rPr lang="de-CH" sz="1100" u="dashLong" dirty="0" smtClean="0">
+                  <a:solidFill>
+                    <a:schemeClr val="tx2"/>
+                  </a:solidFill>
+                </a:rPr>
+                <a:t> </a:t>
+              </a:r>
+              <a:r>
+                <a:rPr lang="de-CH" sz="1100" u="dashLong" dirty="0" err="1" smtClean="0">
+                  <a:solidFill>
+                    <a:schemeClr val="tx2"/>
+                  </a:solidFill>
+                </a:rPr>
+                <a:t>of</a:t>
+              </a:r>
+              <a:r>
+                <a:rPr lang="de-CH" sz="1100" u="dashLong" dirty="0" smtClean="0">
+                  <a:solidFill>
+                    <a:schemeClr val="tx2"/>
+                  </a:solidFill>
+                </a:rPr>
+                <a:t> </a:t>
+              </a:r>
+              <a:r>
+                <a:rPr lang="de-CH" sz="1100" u="dashLong" dirty="0" err="1" smtClean="0">
+                  <a:solidFill>
+                    <a:schemeClr val="tx2"/>
+                  </a:solidFill>
+                </a:rPr>
+                <a:t>conditions</a:t>
+              </a:r>
+              <a:r>
+                <a:rPr lang="de-CH" sz="1100" u="dashLong" dirty="0" smtClean="0">
+                  <a:solidFill>
+                    <a:schemeClr val="tx2"/>
+                  </a:solidFill>
+                </a:rPr>
+                <a:t> in </a:t>
+              </a:r>
+              <a:r>
+                <a:rPr lang="de-CH" sz="1100" u="dashLong" dirty="0" err="1" smtClean="0">
+                  <a:solidFill>
+                    <a:schemeClr val="tx2"/>
+                  </a:solidFill>
+                </a:rPr>
+                <a:t>family</a:t>
+              </a:r>
+              <a:r>
+                <a:rPr lang="de-CH" sz="1100" u="dashLong" dirty="0" smtClean="0">
+                  <a:solidFill>
+                    <a:schemeClr val="tx2"/>
+                  </a:solidFill>
+                </a:rPr>
+                <a:t>&gt;</a:t>
+              </a:r>
+              <a:endParaRPr lang="de-CH" sz="1100" u="dashLong" dirty="0">
+                <a:solidFill>
+                  <a:schemeClr val="tx2"/>
+                </a:solidFill>
+              </a:endParaRPr>
+            </a:p>
+          </p:txBody>
+        </p:sp>
+      </p:grpSp>
+      <p:cxnSp>
+        <p:nvCxnSpPr>
+          <p:cNvPr id="29" name="Gewinkelte Verbindung 28"/>
+          <p:cNvCxnSpPr>
+            <a:stCxn id="32" idx="0"/>
+            <a:endCxn id="28" idx="0"/>
+          </p:cNvCxnSpPr>
+          <p:nvPr/>
+        </p:nvCxnSpPr>
+        <p:spPr>
+          <a:xfrm>
+            <a:off x="8015285" y="3458545"/>
+            <a:ext cx="192851" cy="738772"/>
+          </a:xfrm>
+          <a:prstGeom prst="bentConnector2">
+            <a:avLst/>
+          </a:prstGeom>
+          <a:ln>
+            <a:tailEnd type="arrow"/>
+          </a:ln>
+        </p:spPr>
+        <p:style>
+          <a:lnRef idx="2">
+            <a:schemeClr val="accent1"/>
+          </a:lnRef>
+          <a:fillRef idx="0">
+            <a:schemeClr val="accent1"/>
+          </a:fillRef>
+          <a:effectRef idx="1">
+            <a:schemeClr val="accent1"/>
+          </a:effectRef>
+          <a:fontRef idx="minor">
+            <a:schemeClr val="tx1"/>
+          </a:fontRef>
+        </p:style>
+      </p:cxnSp>
+      <p:cxnSp>
+        <p:nvCxnSpPr>
+          <p:cNvPr id="30" name="Gewinkelte Verbindung 29"/>
+          <p:cNvCxnSpPr>
+            <a:stCxn id="32" idx="2"/>
+            <a:endCxn id="25" idx="0"/>
+          </p:cNvCxnSpPr>
+          <p:nvPr/>
+        </p:nvCxnSpPr>
+        <p:spPr>
+          <a:xfrm rot="10800000" flipV="1">
+            <a:off x="5705050" y="3458544"/>
+            <a:ext cx="184333" cy="767377"/>
+          </a:xfrm>
+          <a:prstGeom prst="bentConnector2">
+            <a:avLst/>
+          </a:prstGeom>
+          <a:ln>
+            <a:tailEnd type="arrow"/>
+          </a:ln>
+        </p:spPr>
+        <p:style>
+          <a:lnRef idx="2">
+            <a:schemeClr val="accent1"/>
+          </a:lnRef>
+          <a:fillRef idx="0">
+            <a:schemeClr val="accent1"/>
+          </a:fillRef>
+          <a:effectRef idx="1">
+            <a:schemeClr val="accent1"/>
+          </a:effectRef>
+          <a:fontRef idx="minor">
+            <a:schemeClr val="tx1"/>
+          </a:fontRef>
+        </p:style>
+      </p:cxnSp>
+      <p:grpSp>
+        <p:nvGrpSpPr>
+          <p:cNvPr id="31" name="Gruppieren 13"/>
+          <p:cNvGrpSpPr/>
+          <p:nvPr/>
+        </p:nvGrpSpPr>
+        <p:grpSpPr>
+          <a:xfrm>
+            <a:off x="5889382" y="2961362"/>
+            <a:ext cx="2125903" cy="994366"/>
+            <a:chOff x="3245794" y="2600325"/>
+            <a:chExt cx="2125903" cy="994366"/>
+          </a:xfrm>
+        </p:grpSpPr>
+        <p:sp>
+          <p:nvSpPr>
+            <p:cNvPr id="32" name="Ecken des Rechtecks auf der gleichen Seite schneiden 31"/>
+            <p:cNvSpPr/>
+            <p:nvPr/>
+          </p:nvSpPr>
+          <p:spPr>
+            <a:xfrm>
+              <a:off x="3245794" y="2600325"/>
+              <a:ext cx="2125903" cy="994366"/>
+            </a:xfrm>
+            <a:prstGeom prst="snip2SameRect">
+              <a:avLst/>
+            </a:prstGeom>
+            <a:solidFill>
+              <a:srgbClr val="CDFFCD"/>
+            </a:solidFill>
+            <a:ln w="12700">
+              <a:solidFill>
+                <a:srgbClr val="5C859D"/>
+              </a:solidFill>
+            </a:ln>
+          </p:spPr>
+          <p:style>
+            <a:lnRef idx="2">
+              <a:schemeClr val="accent1">
+                <a:shade val="50000"/>
+              </a:schemeClr>
+            </a:lnRef>
+            <a:fillRef idx="1">
+              <a:schemeClr val="accent1"/>
+            </a:fillRef>
+            <a:effectRef idx="0">
+              <a:schemeClr val="accent1"/>
+            </a:effectRef>
+            <a:fontRef idx="minor">
+              <a:schemeClr val="lt1"/>
+            </a:fontRef>
+          </p:style>
+          <p:txBody>
+            <a:bodyPr lIns="36000" tIns="36000" rIns="36000" bIns="36000" rtlCol="0" anchor="t">
+              <a:normAutofit/>
+            </a:bodyPr>
+            <a:lstStyle/>
+            <a:p>
+              <a:pPr algn="ctr"/>
+              <a:endParaRPr lang="de-CH" sz="1100" dirty="0" smtClean="0">
+                <a:solidFill>
+                  <a:schemeClr val="tx2"/>
+                </a:solidFill>
+              </a:endParaRPr>
+            </a:p>
+          </p:txBody>
+        </p:sp>
+        <p:sp>
+          <p:nvSpPr>
+            <p:cNvPr id="33" name="Textfeld 32"/>
+            <p:cNvSpPr txBox="1"/>
+            <p:nvPr/>
+          </p:nvSpPr>
+          <p:spPr>
+            <a:xfrm>
+              <a:off x="3353952" y="2600325"/>
+              <a:ext cx="1909603" cy="769441"/>
+            </a:xfrm>
+            <a:prstGeom prst="rect">
+              <a:avLst/>
+            </a:prstGeom>
+            <a:noFill/>
+          </p:spPr>
+          <p:txBody>
+            <a:bodyPr wrap="none" rtlCol="0">
+              <a:spAutoFit/>
+            </a:bodyPr>
+            <a:lstStyle/>
+            <a:p>
+              <a:pPr algn="ctr"/>
+              <a:r>
+                <a:rPr lang="de-CH" sz="1100" u="dashLong" dirty="0" smtClean="0">
+                  <a:solidFill>
+                    <a:schemeClr val="tx2"/>
+                  </a:solidFill>
+                </a:rPr>
+                <a:t>&lt;</a:t>
+              </a:r>
+              <a:r>
+                <a:rPr lang="de-CH" sz="1100" u="dashLong" dirty="0" err="1" smtClean="0">
+                  <a:solidFill>
+                    <a:schemeClr val="tx2"/>
+                  </a:solidFill>
+                </a:rPr>
+                <a:t>id</a:t>
+              </a:r>
+              <a:r>
+                <a:rPr lang="de-CH" sz="1100" u="dashLong" dirty="0" smtClean="0">
+                  <a:solidFill>
+                    <a:schemeClr val="tx2"/>
+                  </a:solidFill>
+                </a:rPr>
+                <a:t>&gt;</a:t>
+              </a:r>
+            </a:p>
+            <a:p>
+              <a:pPr algn="ctr"/>
+              <a:r>
+                <a:rPr lang="de-CH" sz="1100" u="dashLong" dirty="0" smtClean="0">
+                  <a:solidFill>
+                    <a:schemeClr val="tx2"/>
+                  </a:solidFill>
+                </a:rPr>
+                <a:t>&lt;</a:t>
+              </a:r>
+              <a:r>
+                <a:rPr lang="de-CH" sz="1100" u="dashLong" dirty="0" err="1" smtClean="0">
+                  <a:solidFill>
+                    <a:schemeClr val="tx2"/>
+                  </a:solidFill>
+                </a:rPr>
+                <a:t>conclusion</a:t>
+              </a:r>
+              <a:r>
+                <a:rPr lang="de-CH" sz="1100" u="dashLong" dirty="0" smtClean="0">
+                  <a:solidFill>
+                    <a:schemeClr val="tx2"/>
+                  </a:solidFill>
+                </a:rPr>
+                <a:t>&gt;</a:t>
+              </a:r>
+            </a:p>
+            <a:p>
+              <a:pPr algn="ctr"/>
+              <a:endParaRPr lang="de-CH" sz="1100" u="dashLong" dirty="0">
+                <a:solidFill>
+                  <a:schemeClr val="tx2"/>
+                </a:solidFill>
+              </a:endParaRPr>
+            </a:p>
+            <a:p>
+              <a:pPr algn="ctr"/>
+              <a:r>
+                <a:rPr lang="de-CH" sz="1100" u="dashLong" dirty="0" smtClean="0">
+                  <a:solidFill>
+                    <a:schemeClr val="tx2"/>
+                  </a:solidFill>
+                </a:rPr>
+                <a:t>&lt;</a:t>
+              </a:r>
+              <a:r>
+                <a:rPr lang="de-CH" sz="1100" u="dashLong" dirty="0" err="1" smtClean="0">
+                  <a:solidFill>
+                    <a:schemeClr val="tx2"/>
+                  </a:solidFill>
+                </a:rPr>
+                <a:t>list</a:t>
+              </a:r>
+              <a:r>
+                <a:rPr lang="de-CH" sz="1100" u="dashLong" dirty="0" smtClean="0">
+                  <a:solidFill>
+                    <a:schemeClr val="tx2"/>
+                  </a:solidFill>
+                </a:rPr>
+                <a:t> </a:t>
+              </a:r>
+              <a:r>
+                <a:rPr lang="de-CH" sz="1100" u="dashLong" dirty="0" err="1" smtClean="0">
+                  <a:solidFill>
+                    <a:schemeClr val="tx2"/>
+                  </a:solidFill>
+                </a:rPr>
+                <a:t>of</a:t>
+              </a:r>
+              <a:r>
+                <a:rPr lang="de-CH" sz="1100" u="dashLong" dirty="0" smtClean="0">
+                  <a:solidFill>
+                    <a:schemeClr val="tx2"/>
+                  </a:solidFill>
+                </a:rPr>
+                <a:t> </a:t>
+              </a:r>
+              <a:r>
+                <a:rPr lang="de-CH" sz="1100" u="dashLong" dirty="0" err="1" smtClean="0">
+                  <a:solidFill>
+                    <a:schemeClr val="tx2"/>
+                  </a:solidFill>
+                </a:rPr>
+                <a:t>conditions</a:t>
+              </a:r>
+              <a:r>
+                <a:rPr lang="de-CH" sz="1100" u="dashLong" dirty="0" smtClean="0">
+                  <a:solidFill>
+                    <a:schemeClr val="tx2"/>
+                  </a:solidFill>
+                </a:rPr>
+                <a:t> in </a:t>
+              </a:r>
+              <a:r>
+                <a:rPr lang="de-CH" sz="1100" u="dashLong" dirty="0" err="1" smtClean="0">
+                  <a:solidFill>
+                    <a:schemeClr val="tx2"/>
+                  </a:solidFill>
+                </a:rPr>
+                <a:t>family</a:t>
+              </a:r>
+              <a:r>
+                <a:rPr lang="de-CH" sz="1100" u="dashLong" dirty="0" smtClean="0">
+                  <a:solidFill>
+                    <a:schemeClr val="tx2"/>
+                  </a:solidFill>
+                </a:rPr>
+                <a:t>&gt;</a:t>
+              </a:r>
+              <a:endParaRPr lang="de-CH" sz="1100" u="dashLong" dirty="0">
+                <a:solidFill>
+                  <a:schemeClr val="tx2"/>
+                </a:solidFill>
+              </a:endParaRPr>
+            </a:p>
+          </p:txBody>
+        </p:sp>
+      </p:grpSp>
+      <p:grpSp>
+        <p:nvGrpSpPr>
+          <p:cNvPr id="46" name="Gruppieren 13"/>
+          <p:cNvGrpSpPr/>
+          <p:nvPr/>
+        </p:nvGrpSpPr>
+        <p:grpSpPr>
+          <a:xfrm>
+            <a:off x="-107801" y="4228114"/>
+            <a:ext cx="2125903" cy="994366"/>
+            <a:chOff x="3245794" y="2600325"/>
+            <a:chExt cx="2125903" cy="994366"/>
+          </a:xfrm>
+        </p:grpSpPr>
+        <p:sp>
+          <p:nvSpPr>
+            <p:cNvPr id="47" name="Ecken des Rechtecks auf der gleichen Seite schneiden 46"/>
+            <p:cNvSpPr/>
+            <p:nvPr/>
+          </p:nvSpPr>
+          <p:spPr>
+            <a:xfrm>
+              <a:off x="3245794" y="2600325"/>
+              <a:ext cx="2125903" cy="994366"/>
+            </a:xfrm>
+            <a:prstGeom prst="snip2SameRect">
+              <a:avLst/>
+            </a:prstGeom>
+            <a:solidFill>
+              <a:srgbClr val="CDFFCD"/>
+            </a:solidFill>
+            <a:ln w="12700">
+              <a:solidFill>
+                <a:srgbClr val="5C859D"/>
+              </a:solidFill>
+            </a:ln>
+          </p:spPr>
+          <p:style>
+            <a:lnRef idx="2">
+              <a:schemeClr val="accent1">
+                <a:shade val="50000"/>
+              </a:schemeClr>
+            </a:lnRef>
+            <a:fillRef idx="1">
+              <a:schemeClr val="accent1"/>
+            </a:fillRef>
+            <a:effectRef idx="0">
+              <a:schemeClr val="accent1"/>
+            </a:effectRef>
+            <a:fontRef idx="minor">
+              <a:schemeClr val="lt1"/>
+            </a:fontRef>
+          </p:style>
+          <p:txBody>
+            <a:bodyPr lIns="36000" tIns="36000" rIns="36000" bIns="36000" rtlCol="0" anchor="t">
+              <a:normAutofit/>
+            </a:bodyPr>
+            <a:lstStyle/>
+            <a:p>
+              <a:pPr algn="ctr"/>
+              <a:endParaRPr lang="de-CH" sz="1100" dirty="0" smtClean="0">
+                <a:solidFill>
+                  <a:schemeClr val="tx2"/>
+                </a:solidFill>
+              </a:endParaRPr>
+            </a:p>
+          </p:txBody>
+        </p:sp>
+        <p:sp>
+          <p:nvSpPr>
+            <p:cNvPr id="48" name="Textfeld 47"/>
+            <p:cNvSpPr txBox="1"/>
+            <p:nvPr/>
+          </p:nvSpPr>
+          <p:spPr>
+            <a:xfrm>
+              <a:off x="3353952" y="2600325"/>
+              <a:ext cx="1909603" cy="769441"/>
+            </a:xfrm>
+            <a:prstGeom prst="rect">
+              <a:avLst/>
+            </a:prstGeom>
+            <a:noFill/>
+          </p:spPr>
+          <p:txBody>
+            <a:bodyPr wrap="none" rtlCol="0">
+              <a:spAutoFit/>
+            </a:bodyPr>
+            <a:lstStyle/>
+            <a:p>
+              <a:pPr algn="ctr"/>
+              <a:r>
+                <a:rPr lang="de-CH" sz="1100" u="dashLong" dirty="0" smtClean="0">
+                  <a:solidFill>
+                    <a:schemeClr val="tx2"/>
+                  </a:solidFill>
+                </a:rPr>
+                <a:t>&lt;</a:t>
+              </a:r>
+              <a:r>
+                <a:rPr lang="de-CH" sz="1100" u="dashLong" dirty="0" err="1" smtClean="0">
+                  <a:solidFill>
+                    <a:schemeClr val="tx2"/>
+                  </a:solidFill>
+                </a:rPr>
+                <a:t>id</a:t>
+              </a:r>
+              <a:r>
+                <a:rPr lang="de-CH" sz="1100" u="dashLong" dirty="0" smtClean="0">
+                  <a:solidFill>
+                    <a:schemeClr val="tx2"/>
+                  </a:solidFill>
+                </a:rPr>
+                <a:t>&gt;</a:t>
+              </a:r>
+            </a:p>
+            <a:p>
+              <a:pPr algn="ctr"/>
+              <a:r>
+                <a:rPr lang="de-CH" sz="1100" u="dashLong" dirty="0" smtClean="0">
+                  <a:solidFill>
+                    <a:schemeClr val="tx2"/>
+                  </a:solidFill>
+                </a:rPr>
+                <a:t>&lt;</a:t>
+              </a:r>
+              <a:r>
+                <a:rPr lang="de-CH" sz="1100" u="dashLong" dirty="0" err="1" smtClean="0">
+                  <a:solidFill>
+                    <a:schemeClr val="tx2"/>
+                  </a:solidFill>
+                </a:rPr>
+                <a:t>conclusion</a:t>
+              </a:r>
+              <a:r>
+                <a:rPr lang="de-CH" sz="1100" u="dashLong" dirty="0" smtClean="0">
+                  <a:solidFill>
+                    <a:schemeClr val="tx2"/>
+                  </a:solidFill>
+                </a:rPr>
+                <a:t>&gt;</a:t>
+              </a:r>
+            </a:p>
+            <a:p>
+              <a:pPr algn="ctr"/>
+              <a:endParaRPr lang="de-CH" sz="1100" u="dashLong" dirty="0">
+                <a:solidFill>
+                  <a:schemeClr val="tx2"/>
+                </a:solidFill>
+              </a:endParaRPr>
+            </a:p>
+            <a:p>
+              <a:pPr algn="ctr"/>
+              <a:r>
+                <a:rPr lang="de-CH" sz="1100" u="dashLong" dirty="0" smtClean="0">
+                  <a:solidFill>
+                    <a:schemeClr val="tx2"/>
+                  </a:solidFill>
+                </a:rPr>
+                <a:t>&lt;</a:t>
+              </a:r>
+              <a:r>
+                <a:rPr lang="de-CH" sz="1100" u="dashLong" dirty="0" err="1" smtClean="0">
+                  <a:solidFill>
+                    <a:schemeClr val="tx2"/>
+                  </a:solidFill>
+                </a:rPr>
+                <a:t>list</a:t>
+              </a:r>
+              <a:r>
+                <a:rPr lang="de-CH" sz="1100" u="dashLong" dirty="0" smtClean="0">
+                  <a:solidFill>
+                    <a:schemeClr val="tx2"/>
+                  </a:solidFill>
+                </a:rPr>
+                <a:t> </a:t>
+              </a:r>
+              <a:r>
+                <a:rPr lang="de-CH" sz="1100" u="dashLong" dirty="0" err="1" smtClean="0">
+                  <a:solidFill>
+                    <a:schemeClr val="tx2"/>
+                  </a:solidFill>
+                </a:rPr>
+                <a:t>of</a:t>
+              </a:r>
+              <a:r>
+                <a:rPr lang="de-CH" sz="1100" u="dashLong" dirty="0" smtClean="0">
+                  <a:solidFill>
+                    <a:schemeClr val="tx2"/>
+                  </a:solidFill>
+                </a:rPr>
+                <a:t> </a:t>
+              </a:r>
+              <a:r>
+                <a:rPr lang="de-CH" sz="1100" u="dashLong" dirty="0" err="1" smtClean="0">
+                  <a:solidFill>
+                    <a:schemeClr val="tx2"/>
+                  </a:solidFill>
+                </a:rPr>
+                <a:t>conditions</a:t>
+              </a:r>
+              <a:r>
+                <a:rPr lang="de-CH" sz="1100" u="dashLong" dirty="0" smtClean="0">
+                  <a:solidFill>
+                    <a:schemeClr val="tx2"/>
+                  </a:solidFill>
+                </a:rPr>
+                <a:t> in </a:t>
+              </a:r>
+              <a:r>
+                <a:rPr lang="de-CH" sz="1100" u="dashLong" dirty="0" err="1" smtClean="0">
+                  <a:solidFill>
+                    <a:schemeClr val="tx2"/>
+                  </a:solidFill>
+                </a:rPr>
+                <a:t>family</a:t>
+              </a:r>
+              <a:r>
+                <a:rPr lang="de-CH" sz="1100" u="dashLong" dirty="0" smtClean="0">
+                  <a:solidFill>
+                    <a:schemeClr val="tx2"/>
+                  </a:solidFill>
+                </a:rPr>
+                <a:t>&gt;</a:t>
+              </a:r>
+              <a:endParaRPr lang="de-CH" sz="1100" u="dashLong" dirty="0">
+                <a:solidFill>
+                  <a:schemeClr val="tx2"/>
+                </a:solidFill>
+              </a:endParaRPr>
+            </a:p>
+          </p:txBody>
+        </p:sp>
+      </p:grpSp>
+      <p:grpSp>
+        <p:nvGrpSpPr>
+          <p:cNvPr id="49" name="Gruppieren 13"/>
+          <p:cNvGrpSpPr/>
+          <p:nvPr/>
+        </p:nvGrpSpPr>
+        <p:grpSpPr>
+          <a:xfrm>
+            <a:off x="2395286" y="4199509"/>
+            <a:ext cx="2125903" cy="994366"/>
+            <a:chOff x="3245794" y="2600325"/>
+            <a:chExt cx="2125903" cy="994366"/>
+          </a:xfrm>
+        </p:grpSpPr>
+        <p:sp>
+          <p:nvSpPr>
+            <p:cNvPr id="50" name="Ecken des Rechtecks auf der gleichen Seite schneiden 49"/>
+            <p:cNvSpPr/>
+            <p:nvPr/>
+          </p:nvSpPr>
+          <p:spPr>
+            <a:xfrm>
+              <a:off x="3245794" y="2600325"/>
+              <a:ext cx="2125903" cy="994366"/>
+            </a:xfrm>
+            <a:prstGeom prst="snip2SameRect">
+              <a:avLst/>
+            </a:prstGeom>
+            <a:solidFill>
+              <a:srgbClr val="CDFFCD"/>
+            </a:solidFill>
+            <a:ln w="12700">
+              <a:solidFill>
+                <a:srgbClr val="5C859D"/>
+              </a:solidFill>
+            </a:ln>
+          </p:spPr>
+          <p:style>
+            <a:lnRef idx="2">
+              <a:schemeClr val="accent1">
+                <a:shade val="50000"/>
+              </a:schemeClr>
+            </a:lnRef>
+            <a:fillRef idx="1">
+              <a:schemeClr val="accent1"/>
+            </a:fillRef>
+            <a:effectRef idx="0">
+              <a:schemeClr val="accent1"/>
+            </a:effectRef>
+            <a:fontRef idx="minor">
+              <a:schemeClr val="lt1"/>
+            </a:fontRef>
+          </p:style>
+          <p:txBody>
+            <a:bodyPr lIns="36000" tIns="36000" rIns="36000" bIns="36000" rtlCol="0" anchor="t">
+              <a:normAutofit/>
+            </a:bodyPr>
+            <a:lstStyle/>
+            <a:p>
+              <a:pPr algn="ctr"/>
+              <a:endParaRPr lang="de-CH" sz="1100" dirty="0" smtClean="0">
+                <a:solidFill>
+                  <a:schemeClr val="tx2"/>
+                </a:solidFill>
+              </a:endParaRPr>
+            </a:p>
+          </p:txBody>
+        </p:sp>
+        <p:sp>
+          <p:nvSpPr>
+            <p:cNvPr id="51" name="Textfeld 50"/>
+            <p:cNvSpPr txBox="1"/>
+            <p:nvPr/>
+          </p:nvSpPr>
+          <p:spPr>
+            <a:xfrm>
+              <a:off x="3353952" y="2600325"/>
+              <a:ext cx="1909603" cy="769441"/>
+            </a:xfrm>
+            <a:prstGeom prst="rect">
+              <a:avLst/>
+            </a:prstGeom>
+            <a:noFill/>
+          </p:spPr>
+          <p:txBody>
+            <a:bodyPr wrap="none" rtlCol="0">
+              <a:spAutoFit/>
+            </a:bodyPr>
+            <a:lstStyle/>
+            <a:p>
+              <a:pPr algn="ctr"/>
+              <a:r>
+                <a:rPr lang="de-CH" sz="1100" u="dashLong" dirty="0" smtClean="0">
+                  <a:solidFill>
+                    <a:schemeClr val="tx2"/>
+                  </a:solidFill>
+                </a:rPr>
+                <a:t>&lt;</a:t>
+              </a:r>
+              <a:r>
+                <a:rPr lang="de-CH" sz="1100" u="dashLong" dirty="0" err="1" smtClean="0">
+                  <a:solidFill>
+                    <a:schemeClr val="tx2"/>
+                  </a:solidFill>
+                </a:rPr>
+                <a:t>id</a:t>
+              </a:r>
+              <a:r>
+                <a:rPr lang="de-CH" sz="1100" u="dashLong" dirty="0" smtClean="0">
+                  <a:solidFill>
+                    <a:schemeClr val="tx2"/>
+                  </a:solidFill>
+                </a:rPr>
+                <a:t>&gt;</a:t>
+              </a:r>
+            </a:p>
+            <a:p>
+              <a:pPr algn="ctr"/>
+              <a:r>
+                <a:rPr lang="de-CH" sz="1100" u="dashLong" dirty="0" smtClean="0">
+                  <a:solidFill>
+                    <a:schemeClr val="tx2"/>
+                  </a:solidFill>
+                </a:rPr>
+                <a:t>&lt;</a:t>
+              </a:r>
+              <a:r>
+                <a:rPr lang="de-CH" sz="1100" u="dashLong" dirty="0" err="1" smtClean="0">
+                  <a:solidFill>
+                    <a:schemeClr val="tx2"/>
+                  </a:solidFill>
+                </a:rPr>
+                <a:t>conclusion</a:t>
+              </a:r>
+              <a:r>
+                <a:rPr lang="de-CH" sz="1100" u="dashLong" dirty="0" smtClean="0">
+                  <a:solidFill>
+                    <a:schemeClr val="tx2"/>
+                  </a:solidFill>
+                </a:rPr>
+                <a:t>&gt;</a:t>
+              </a:r>
+            </a:p>
+            <a:p>
+              <a:pPr algn="ctr"/>
+              <a:endParaRPr lang="de-CH" sz="1100" u="dashLong" dirty="0">
+                <a:solidFill>
+                  <a:schemeClr val="tx2"/>
+                </a:solidFill>
+              </a:endParaRPr>
+            </a:p>
+            <a:p>
+              <a:pPr algn="ctr"/>
+              <a:r>
+                <a:rPr lang="de-CH" sz="1100" u="dashLong" dirty="0" smtClean="0">
+                  <a:solidFill>
+                    <a:schemeClr val="tx2"/>
+                  </a:solidFill>
+                </a:rPr>
+                <a:t>&lt;</a:t>
+              </a:r>
+              <a:r>
+                <a:rPr lang="de-CH" sz="1100" u="dashLong" dirty="0" err="1" smtClean="0">
+                  <a:solidFill>
+                    <a:schemeClr val="tx2"/>
+                  </a:solidFill>
+                </a:rPr>
+                <a:t>list</a:t>
+              </a:r>
+              <a:r>
+                <a:rPr lang="de-CH" sz="1100" u="dashLong" dirty="0" smtClean="0">
+                  <a:solidFill>
+                    <a:schemeClr val="tx2"/>
+                  </a:solidFill>
+                </a:rPr>
+                <a:t> </a:t>
+              </a:r>
+              <a:r>
+                <a:rPr lang="de-CH" sz="1100" u="dashLong" dirty="0" err="1" smtClean="0">
+                  <a:solidFill>
+                    <a:schemeClr val="tx2"/>
+                  </a:solidFill>
+                </a:rPr>
+                <a:t>of</a:t>
+              </a:r>
+              <a:r>
+                <a:rPr lang="de-CH" sz="1100" u="dashLong" dirty="0" smtClean="0">
+                  <a:solidFill>
+                    <a:schemeClr val="tx2"/>
+                  </a:solidFill>
+                </a:rPr>
+                <a:t> </a:t>
+              </a:r>
+              <a:r>
+                <a:rPr lang="de-CH" sz="1100" u="dashLong" dirty="0" err="1" smtClean="0">
+                  <a:solidFill>
+                    <a:schemeClr val="tx2"/>
+                  </a:solidFill>
+                </a:rPr>
+                <a:t>conditions</a:t>
+              </a:r>
+              <a:r>
+                <a:rPr lang="de-CH" sz="1100" u="dashLong" dirty="0" smtClean="0">
+                  <a:solidFill>
+                    <a:schemeClr val="tx2"/>
+                  </a:solidFill>
+                </a:rPr>
+                <a:t> in </a:t>
+              </a:r>
+              <a:r>
+                <a:rPr lang="de-CH" sz="1100" u="dashLong" dirty="0" err="1" smtClean="0">
+                  <a:solidFill>
+                    <a:schemeClr val="tx2"/>
+                  </a:solidFill>
+                </a:rPr>
+                <a:t>family</a:t>
+              </a:r>
+              <a:r>
+                <a:rPr lang="de-CH" sz="1100" u="dashLong" dirty="0" smtClean="0">
+                  <a:solidFill>
+                    <a:schemeClr val="tx2"/>
+                  </a:solidFill>
+                </a:rPr>
+                <a:t>&gt;</a:t>
+              </a:r>
+              <a:endParaRPr lang="de-CH" sz="1100" u="dashLong" dirty="0">
+                <a:solidFill>
+                  <a:schemeClr val="tx2"/>
+                </a:solidFill>
+              </a:endParaRPr>
+            </a:p>
+          </p:txBody>
+        </p:sp>
+      </p:grpSp>
+      <p:cxnSp>
+        <p:nvCxnSpPr>
+          <p:cNvPr id="52" name="Gewinkelte Verbindung 51"/>
+          <p:cNvCxnSpPr>
+            <a:stCxn id="62" idx="0"/>
+            <a:endCxn id="51" idx="0"/>
+          </p:cNvCxnSpPr>
+          <p:nvPr/>
+        </p:nvCxnSpPr>
+        <p:spPr>
+          <a:xfrm>
+            <a:off x="3139681" y="3429377"/>
+            <a:ext cx="318565" cy="770132"/>
+          </a:xfrm>
+          <a:prstGeom prst="bentConnector2">
+            <a:avLst/>
+          </a:prstGeom>
+          <a:ln>
+            <a:tailEnd type="arrow"/>
+          </a:ln>
+        </p:spPr>
+        <p:style>
+          <a:lnRef idx="2">
+            <a:schemeClr val="accent1"/>
+          </a:lnRef>
+          <a:fillRef idx="0">
+            <a:schemeClr val="accent1"/>
+          </a:fillRef>
+          <a:effectRef idx="1">
+            <a:schemeClr val="accent1"/>
+          </a:effectRef>
+          <a:fontRef idx="minor">
+            <a:schemeClr val="tx1"/>
+          </a:fontRef>
+        </p:style>
+      </p:cxnSp>
+      <p:cxnSp>
+        <p:nvCxnSpPr>
+          <p:cNvPr id="53" name="Gewinkelte Verbindung 52"/>
+          <p:cNvCxnSpPr>
+            <a:stCxn id="62" idx="2"/>
+            <a:endCxn id="48" idx="0"/>
+          </p:cNvCxnSpPr>
+          <p:nvPr/>
+        </p:nvCxnSpPr>
+        <p:spPr>
+          <a:xfrm rot="10800000" flipV="1">
+            <a:off x="955160" y="3429376"/>
+            <a:ext cx="187751" cy="798737"/>
+          </a:xfrm>
+          <a:prstGeom prst="bentConnector2">
+            <a:avLst/>
+          </a:prstGeom>
+          <a:ln>
+            <a:tailEnd type="arrow"/>
+          </a:ln>
+        </p:spPr>
+        <p:style>
+          <a:lnRef idx="2">
+            <a:schemeClr val="accent1"/>
+          </a:lnRef>
+          <a:fillRef idx="0">
+            <a:schemeClr val="accent1"/>
+          </a:fillRef>
+          <a:effectRef idx="1">
+            <a:schemeClr val="accent1"/>
+          </a:effectRef>
+          <a:fontRef idx="minor">
+            <a:schemeClr val="tx1"/>
+          </a:fontRef>
+        </p:style>
+      </p:cxnSp>
+    </p:spTree>
+    <p:extLst>
+      <p:ext uri="{BB962C8B-B14F-4D97-AF65-F5344CB8AC3E}">
+        <p14:creationId xmlns:p14="http://schemas.microsoft.com/office/powerpoint/2010/main" val="4071459216"/>
+      </p:ext>
+    </p:extLst>
+  </p:cSld>
+  <p:clrMapOvr>
+    <a:masterClrMapping/>
+  </p:clrMapOvr>
+  <p:transition xmlns:p14="http://schemas.microsoft.com/office/powerpoint/2010/main">
+    <p:fade/>
+  </p:transition>
+</p:sld>
+</file>
+
+<file path=ppt/slides/slide11.xml><?xml version="1.0" encoding="utf-8"?>
+<p:sld xmlns:a="http://schemas.openxmlformats.org/drawingml/2006/main" xmlns:r="http://schemas.openxmlformats.org/officeDocument/2006/relationships" xmlns:p="http://schemas.openxmlformats.org/presentationml/2006/main">
+  <p:cSld>
+    <p:spTree>
+      <p:nvGrpSpPr>
+        <p:cNvPr id="1" name=""/>
+        <p:cNvGrpSpPr/>
+        <p:nvPr/>
+      </p:nvGrpSpPr>
+      <p:grpSpPr>
+        <a:xfrm>
+          <a:off x="0" y="0"/>
+          <a:ext cx="0" cy="0"/>
+          <a:chOff x="0" y="0"/>
+          <a:chExt cx="0" cy="0"/>
+        </a:xfrm>
+      </p:grpSpPr>
+      <p:sp>
+        <p:nvSpPr>
+          <p:cNvPr id="8" name="Achteck 7"/>
+          <p:cNvSpPr>
+            <a:spLocks/>
+          </p:cNvSpPr>
+          <p:nvPr/>
+        </p:nvSpPr>
+        <p:spPr>
+          <a:xfrm>
+            <a:off x="2313643" y="499631"/>
+            <a:ext cx="747714" cy="748309"/>
+          </a:xfrm>
+          <a:prstGeom prst="octagon">
+            <a:avLst>
+              <a:gd name="adj" fmla="val 28913"/>
+            </a:avLst>
+          </a:prstGeom>
+          <a:solidFill>
+            <a:srgbClr val="CDFFFF"/>
+          </a:solidFill>
+          <a:ln w="12700">
+            <a:solidFill>
+              <a:srgbClr val="5C859D"/>
+            </a:solidFill>
+          </a:ln>
+        </p:spPr>
+        <p:style>
+          <a:lnRef idx="2">
+            <a:schemeClr val="accent1">
+              <a:shade val="50000"/>
+            </a:schemeClr>
+          </a:lnRef>
+          <a:fillRef idx="1">
+            <a:schemeClr val="accent1"/>
+          </a:fillRef>
+          <a:effectRef idx="0">
+            <a:schemeClr val="accent1"/>
+          </a:effectRef>
+          <a:fontRef idx="minor">
+            <a:schemeClr val="lt1"/>
+          </a:fontRef>
+        </p:style>
+        <p:txBody>
+          <a:bodyPr lIns="0" tIns="36000" rIns="0" bIns="36000" rtlCol="0" anchor="ctr">
+            <a:normAutofit/>
+          </a:bodyPr>
+          <a:lstStyle/>
+          <a:p>
+            <a:pPr algn="ctr"/>
+            <a:r>
+              <a:rPr lang="de-CH" sz="1050" dirty="0" smtClean="0">
+                <a:solidFill>
+                  <a:schemeClr val="tx2"/>
+                </a:solidFill>
+              </a:rPr>
+              <a:t>&lt;</a:t>
+            </a:r>
+            <a:r>
+              <a:rPr lang="de-CH" sz="1050" dirty="0" err="1" smtClean="0">
+                <a:solidFill>
+                  <a:schemeClr val="tx2"/>
+                </a:solidFill>
+              </a:rPr>
+              <a:t>id</a:t>
+            </a:r>
+            <a:r>
+              <a:rPr lang="de-CH" sz="1050" dirty="0" smtClean="0">
+                <a:solidFill>
+                  <a:schemeClr val="tx2"/>
+                </a:solidFill>
+              </a:rPr>
+              <a:t>&gt;</a:t>
+            </a:r>
+          </a:p>
+          <a:p>
+            <a:pPr algn="ctr"/>
+            <a:r>
+              <a:rPr lang="de-CH" sz="1050" dirty="0" smtClean="0">
+                <a:solidFill>
+                  <a:schemeClr val="tx2"/>
+                </a:solidFill>
+              </a:rPr>
+              <a:t>&lt;</a:t>
+            </a:r>
+            <a:r>
+              <a:rPr lang="de-CH" sz="1050" dirty="0" err="1" smtClean="0">
+                <a:solidFill>
+                  <a:schemeClr val="tx2"/>
+                </a:solidFill>
+              </a:rPr>
+              <a:t>name</a:t>
+            </a:r>
+            <a:r>
+              <a:rPr lang="de-CH" sz="1050" dirty="0" smtClean="0">
+                <a:solidFill>
+                  <a:schemeClr val="tx2"/>
+                </a:solidFill>
+              </a:rPr>
+              <a:t>&gt;</a:t>
+            </a:r>
+          </a:p>
+        </p:txBody>
+      </p:sp>
+      <p:sp>
+        <p:nvSpPr>
+          <p:cNvPr id="9" name="Rechteck 8"/>
+          <p:cNvSpPr/>
+          <p:nvPr/>
+        </p:nvSpPr>
+        <p:spPr>
+          <a:xfrm>
+            <a:off x="314076" y="450600"/>
+            <a:ext cx="8384416" cy="5830495"/>
+          </a:xfrm>
+          <a:prstGeom prst="rect">
+            <a:avLst/>
+          </a:prstGeom>
+          <a:noFill/>
+          <a:effectLst/>
+        </p:spPr>
+        <p:style>
+          <a:lnRef idx="1">
+            <a:schemeClr val="accent1"/>
+          </a:lnRef>
+          <a:fillRef idx="3">
+            <a:schemeClr val="accent1"/>
+          </a:fillRef>
+          <a:effectRef idx="2">
+            <a:schemeClr val="accent1"/>
+          </a:effectRef>
+          <a:fontRef idx="minor">
+            <a:schemeClr val="lt1"/>
+          </a:fontRef>
+        </p:style>
+        <p:txBody>
+          <a:bodyPr rtlCol="0" anchor="ctr"/>
+          <a:lstStyle/>
+          <a:p>
+            <a:pPr algn="ctr"/>
+            <a:endParaRPr lang="de-DE"/>
+          </a:p>
+        </p:txBody>
+      </p:sp>
+      <p:sp>
+        <p:nvSpPr>
+          <p:cNvPr id="11" name="Rechteck 10"/>
+          <p:cNvSpPr/>
+          <p:nvPr/>
+        </p:nvSpPr>
+        <p:spPr>
+          <a:xfrm>
+            <a:off x="487604" y="1304777"/>
+            <a:ext cx="6860481" cy="4457445"/>
+          </a:xfrm>
+          <a:prstGeom prst="rect">
+            <a:avLst/>
+          </a:prstGeom>
+          <a:solidFill>
+            <a:srgbClr val="FFFF00"/>
+          </a:solidFill>
+          <a:effectLst/>
+        </p:spPr>
+        <p:style>
+          <a:lnRef idx="1">
+            <a:schemeClr val="accent1"/>
+          </a:lnRef>
+          <a:fillRef idx="3">
+            <a:schemeClr val="accent1"/>
+          </a:fillRef>
+          <a:effectRef idx="2">
+            <a:schemeClr val="accent1"/>
+          </a:effectRef>
+          <a:fontRef idx="minor">
+            <a:schemeClr val="lt1"/>
+          </a:fontRef>
+        </p:style>
+        <p:txBody>
+          <a:bodyPr rtlCol="0" anchor="ctr"/>
+          <a:lstStyle/>
+          <a:p>
+            <a:pPr algn="ctr"/>
+            <a:endParaRPr lang="de-DE"/>
+          </a:p>
+        </p:txBody>
+      </p:sp>
+      <p:grpSp>
+        <p:nvGrpSpPr>
+          <p:cNvPr id="39" name="Gruppierung 38"/>
+          <p:cNvGrpSpPr/>
+          <p:nvPr/>
+        </p:nvGrpSpPr>
+        <p:grpSpPr>
+          <a:xfrm>
+            <a:off x="1877363" y="1380392"/>
+            <a:ext cx="1508933" cy="758313"/>
+            <a:chOff x="863781" y="1971450"/>
+            <a:chExt cx="2468144" cy="1240363"/>
+          </a:xfrm>
+        </p:grpSpPr>
+        <p:sp>
+          <p:nvSpPr>
+            <p:cNvPr id="10" name="Rechteck 9"/>
+            <p:cNvSpPr/>
+            <p:nvPr/>
+          </p:nvSpPr>
+          <p:spPr>
+            <a:xfrm>
+              <a:off x="863781" y="1971450"/>
+              <a:ext cx="2468144" cy="1240363"/>
+            </a:xfrm>
+            <a:prstGeom prst="rect">
+              <a:avLst/>
+            </a:prstGeom>
+            <a:solidFill>
+              <a:srgbClr val="FFD1D3"/>
+            </a:solidFill>
+            <a:effectLst/>
+          </p:spPr>
+          <p:style>
+            <a:lnRef idx="1">
+              <a:schemeClr val="accent1"/>
+            </a:lnRef>
+            <a:fillRef idx="3">
+              <a:schemeClr val="accent1"/>
+            </a:fillRef>
+            <a:effectRef idx="2">
+              <a:schemeClr val="accent1"/>
+            </a:effectRef>
+            <a:fontRef idx="minor">
+              <a:schemeClr val="lt1"/>
+            </a:fontRef>
+          </p:style>
+          <p:txBody>
+            <a:bodyPr rtlCol="0" anchor="ctr"/>
+            <a:lstStyle/>
+            <a:p>
+              <a:pPr algn="ctr"/>
+              <a:endParaRPr lang="de-DE"/>
+            </a:p>
+          </p:txBody>
+        </p:sp>
+        <p:sp>
+          <p:nvSpPr>
+            <p:cNvPr id="3" name="Ecken des Rechtecks auf der gleichen Seite schneiden 2"/>
+            <p:cNvSpPr/>
+            <p:nvPr/>
+          </p:nvSpPr>
+          <p:spPr>
+            <a:xfrm>
+              <a:off x="1008891" y="2076198"/>
+              <a:ext cx="2125903" cy="994366"/>
+            </a:xfrm>
+            <a:prstGeom prst="snip2SameRect">
+              <a:avLst/>
+            </a:prstGeom>
+            <a:solidFill>
+              <a:srgbClr val="CDFFCD"/>
+            </a:solidFill>
+            <a:ln w="12700">
+              <a:solidFill>
+                <a:srgbClr val="5C859D"/>
+              </a:solidFill>
+            </a:ln>
+          </p:spPr>
+          <p:style>
+            <a:lnRef idx="2">
+              <a:schemeClr val="accent1">
+                <a:shade val="50000"/>
+              </a:schemeClr>
+            </a:lnRef>
+            <a:fillRef idx="1">
+              <a:schemeClr val="accent1"/>
+            </a:fillRef>
+            <a:effectRef idx="0">
+              <a:schemeClr val="accent1"/>
+            </a:effectRef>
+            <a:fontRef idx="minor">
+              <a:schemeClr val="lt1"/>
+            </a:fontRef>
+          </p:style>
+          <p:txBody>
+            <a:bodyPr lIns="36000" tIns="36000" rIns="36000" bIns="36000" rtlCol="0" anchor="t">
+              <a:normAutofit/>
+            </a:bodyPr>
+            <a:lstStyle/>
+            <a:p>
+              <a:pPr algn="ctr"/>
+              <a:endParaRPr lang="de-CH" sz="1100" dirty="0" smtClean="0">
+                <a:solidFill>
+                  <a:schemeClr val="tx2"/>
+                </a:solidFill>
+              </a:endParaRPr>
+            </a:p>
+          </p:txBody>
+        </p:sp>
+        <p:sp>
+          <p:nvSpPr>
+            <p:cNvPr id="4" name="Textfeld 3"/>
+            <p:cNvSpPr txBox="1"/>
+            <p:nvPr/>
+          </p:nvSpPr>
+          <p:spPr>
+            <a:xfrm>
+              <a:off x="933205" y="2076198"/>
+              <a:ext cx="2277292" cy="981681"/>
+            </a:xfrm>
+            <a:prstGeom prst="rect">
+              <a:avLst/>
+            </a:prstGeom>
+            <a:noFill/>
+          </p:spPr>
+          <p:txBody>
+            <a:bodyPr wrap="none" rtlCol="0">
+              <a:spAutoFit/>
+            </a:bodyPr>
+            <a:lstStyle/>
+            <a:p>
+              <a:pPr algn="ctr"/>
+              <a:r>
+                <a:rPr lang="de-CH" sz="1100" u="dashLong" dirty="0" smtClean="0">
+                  <a:solidFill>
+                    <a:schemeClr val="tx2"/>
+                  </a:solidFill>
+                </a:rPr>
+                <a:t>&lt;</a:t>
+              </a:r>
+              <a:r>
+                <a:rPr lang="de-CH" sz="1100" u="dashLong" dirty="0" err="1" smtClean="0">
+                  <a:solidFill>
+                    <a:schemeClr val="tx2"/>
+                  </a:solidFill>
+                </a:rPr>
+                <a:t>id</a:t>
+              </a:r>
+              <a:r>
+                <a:rPr lang="de-CH" sz="1100" u="dashLong" dirty="0" smtClean="0">
+                  <a:solidFill>
+                    <a:schemeClr val="tx2"/>
+                  </a:solidFill>
+                </a:rPr>
+                <a:t>&gt;</a:t>
+              </a:r>
+            </a:p>
+            <a:p>
+              <a:pPr algn="ctr"/>
+              <a:r>
+                <a:rPr lang="de-CH" sz="1100" u="dashLong" dirty="0" smtClean="0">
+                  <a:solidFill>
+                    <a:schemeClr val="tx2"/>
+                  </a:solidFill>
+                </a:rPr>
+                <a:t>&lt;</a:t>
+              </a:r>
+              <a:r>
+                <a:rPr lang="de-CH" sz="1100" u="dashLong" dirty="0" err="1" smtClean="0">
+                  <a:solidFill>
+                    <a:schemeClr val="tx2"/>
+                  </a:solidFill>
+                </a:rPr>
+                <a:t>conclusion</a:t>
+              </a:r>
+              <a:r>
+                <a:rPr lang="de-CH" sz="1100" u="dashLong" dirty="0" smtClean="0">
+                  <a:solidFill>
+                    <a:schemeClr val="tx2"/>
+                  </a:solidFill>
+                </a:rPr>
+                <a:t>&gt;</a:t>
+              </a:r>
+              <a:endParaRPr lang="de-CH" sz="1100" u="dashLong" dirty="0">
+                <a:solidFill>
+                  <a:schemeClr val="tx2"/>
+                </a:solidFill>
+              </a:endParaRPr>
+            </a:p>
+            <a:p>
+              <a:pPr algn="ctr"/>
+              <a:r>
+                <a:rPr lang="de-CH" sz="1100" u="dashLong" dirty="0" smtClean="0">
+                  <a:solidFill>
+                    <a:schemeClr val="tx2"/>
+                  </a:solidFill>
+                </a:rPr>
+                <a:t>&lt;</a:t>
+              </a:r>
+              <a:r>
+                <a:rPr lang="de-CH" sz="1100" u="dashLong" dirty="0" err="1" smtClean="0">
+                  <a:solidFill>
+                    <a:schemeClr val="tx2"/>
+                  </a:solidFill>
+                </a:rPr>
+                <a:t>list</a:t>
+              </a:r>
+              <a:r>
+                <a:rPr lang="de-CH" sz="1100" u="dashLong" dirty="0" smtClean="0">
+                  <a:solidFill>
+                    <a:schemeClr val="tx2"/>
+                  </a:solidFill>
+                </a:rPr>
+                <a:t> </a:t>
+              </a:r>
+              <a:r>
+                <a:rPr lang="de-CH" sz="1100" u="dashLong" dirty="0" err="1" smtClean="0">
+                  <a:solidFill>
+                    <a:schemeClr val="tx2"/>
+                  </a:solidFill>
+                </a:rPr>
+                <a:t>of</a:t>
+              </a:r>
+              <a:r>
+                <a:rPr lang="de-CH" sz="1100" u="dashLong" dirty="0" smtClean="0">
+                  <a:solidFill>
+                    <a:schemeClr val="tx2"/>
+                  </a:solidFill>
+                </a:rPr>
+                <a:t> </a:t>
+              </a:r>
+              <a:r>
+                <a:rPr lang="de-CH" sz="1100" u="dashLong" dirty="0" err="1" smtClean="0">
+                  <a:solidFill>
+                    <a:schemeClr val="tx2"/>
+                  </a:solidFill>
+                </a:rPr>
+                <a:t>conditions</a:t>
+              </a:r>
+              <a:r>
+                <a:rPr lang="de-CH" sz="1100" u="dashLong" dirty="0" smtClean="0">
+                  <a:solidFill>
+                    <a:schemeClr val="tx2"/>
+                  </a:solidFill>
+                </a:rPr>
+                <a:t>&gt;</a:t>
+              </a:r>
+              <a:endParaRPr lang="de-CH" sz="1100" u="dashLong" dirty="0">
+                <a:solidFill>
+                  <a:schemeClr val="tx2"/>
+                </a:solidFill>
+              </a:endParaRPr>
+            </a:p>
+          </p:txBody>
+        </p:sp>
+      </p:grpSp>
+      <p:sp>
+        <p:nvSpPr>
+          <p:cNvPr id="15" name="Rechteck 14"/>
+          <p:cNvSpPr/>
+          <p:nvPr/>
+        </p:nvSpPr>
+        <p:spPr>
+          <a:xfrm>
+            <a:off x="531135" y="2216527"/>
+            <a:ext cx="6760851" cy="3381840"/>
+          </a:xfrm>
+          <a:prstGeom prst="rect">
+            <a:avLst/>
+          </a:prstGeom>
+          <a:solidFill>
+            <a:schemeClr val="accent4">
+              <a:lumMod val="10000"/>
+              <a:lumOff val="90000"/>
+            </a:schemeClr>
+          </a:solidFill>
+          <a:effectLst/>
+        </p:spPr>
+        <p:style>
+          <a:lnRef idx="1">
+            <a:schemeClr val="accent1"/>
+          </a:lnRef>
+          <a:fillRef idx="3">
+            <a:schemeClr val="accent1"/>
+          </a:fillRef>
+          <a:effectRef idx="2">
+            <a:schemeClr val="accent1"/>
+          </a:effectRef>
+          <a:fontRef idx="minor">
+            <a:schemeClr val="lt1"/>
+          </a:fontRef>
+        </p:style>
+        <p:txBody>
+          <a:bodyPr rtlCol="0" anchor="ctr"/>
+          <a:lstStyle/>
+          <a:p>
+            <a:pPr algn="ctr"/>
+            <a:endParaRPr lang="de-DE"/>
+          </a:p>
+        </p:txBody>
+      </p:sp>
+      <p:grpSp>
+        <p:nvGrpSpPr>
+          <p:cNvPr id="38" name="Gruppierung 37"/>
+          <p:cNvGrpSpPr/>
+          <p:nvPr/>
+        </p:nvGrpSpPr>
+        <p:grpSpPr>
+          <a:xfrm>
+            <a:off x="714397" y="2308354"/>
+            <a:ext cx="1576210" cy="1214272"/>
+            <a:chOff x="968877" y="3489306"/>
+            <a:chExt cx="2578188" cy="1986170"/>
+          </a:xfrm>
+        </p:grpSpPr>
+        <p:sp>
+          <p:nvSpPr>
+            <p:cNvPr id="21" name="Rechteck 20"/>
+            <p:cNvSpPr/>
+            <p:nvPr/>
+          </p:nvSpPr>
+          <p:spPr>
+            <a:xfrm>
+              <a:off x="968877" y="3489306"/>
+              <a:ext cx="2578188" cy="1986170"/>
+            </a:xfrm>
+            <a:prstGeom prst="rect">
+              <a:avLst/>
+            </a:prstGeom>
+            <a:solidFill>
+              <a:srgbClr val="FFFF00"/>
+            </a:solidFill>
+            <a:effectLst/>
+          </p:spPr>
+          <p:style>
+            <a:lnRef idx="1">
+              <a:schemeClr val="accent1"/>
+            </a:lnRef>
+            <a:fillRef idx="3">
+              <a:schemeClr val="accent1"/>
+            </a:fillRef>
+            <a:effectRef idx="2">
+              <a:schemeClr val="accent1"/>
+            </a:effectRef>
+            <a:fontRef idx="minor">
+              <a:schemeClr val="lt1"/>
+            </a:fontRef>
+          </p:style>
+          <p:txBody>
+            <a:bodyPr rtlCol="0" anchor="ctr"/>
+            <a:lstStyle/>
+            <a:p>
+              <a:pPr algn="ctr"/>
+              <a:endParaRPr lang="de-DE"/>
+            </a:p>
+          </p:txBody>
+        </p:sp>
+        <p:grpSp>
+          <p:nvGrpSpPr>
+            <p:cNvPr id="37" name="Gruppierung 36"/>
+            <p:cNvGrpSpPr/>
+            <p:nvPr/>
+          </p:nvGrpSpPr>
+          <p:grpSpPr>
+            <a:xfrm>
+              <a:off x="981103" y="3543924"/>
+              <a:ext cx="2516878" cy="1240363"/>
+              <a:chOff x="981103" y="3543924"/>
+              <a:chExt cx="2516878" cy="1240363"/>
+            </a:xfrm>
+          </p:grpSpPr>
+          <p:sp>
+            <p:nvSpPr>
+              <p:cNvPr id="30" name="Rechteck 29"/>
+              <p:cNvSpPr/>
+              <p:nvPr/>
+            </p:nvSpPr>
+            <p:spPr>
+              <a:xfrm>
+                <a:off x="1029837" y="3543924"/>
+                <a:ext cx="2468144" cy="1240363"/>
+              </a:xfrm>
+              <a:prstGeom prst="rect">
+                <a:avLst/>
+              </a:prstGeom>
+              <a:solidFill>
+                <a:srgbClr val="FFD1D3"/>
+              </a:solidFill>
+              <a:effectLst/>
+            </p:spPr>
+            <p:style>
+              <a:lnRef idx="1">
+                <a:schemeClr val="accent1"/>
+              </a:lnRef>
+              <a:fillRef idx="3">
+                <a:schemeClr val="accent1"/>
+              </a:fillRef>
+              <a:effectRef idx="2">
+                <a:schemeClr val="accent1"/>
+              </a:effectRef>
+              <a:fontRef idx="minor">
+                <a:schemeClr val="lt1"/>
+              </a:fontRef>
+            </p:style>
+            <p:txBody>
+              <a:bodyPr rtlCol="0" anchor="ctr"/>
+              <a:lstStyle/>
+              <a:p>
+                <a:pPr algn="ctr"/>
+                <a:endParaRPr lang="de-DE"/>
+              </a:p>
+            </p:txBody>
+          </p:sp>
+          <p:sp>
+            <p:nvSpPr>
+              <p:cNvPr id="19" name="Ecken des Rechtecks auf der gleichen Seite schneiden 18"/>
+              <p:cNvSpPr/>
+              <p:nvPr/>
+            </p:nvSpPr>
+            <p:spPr>
+              <a:xfrm>
+                <a:off x="1147636" y="3635018"/>
+                <a:ext cx="2125903" cy="994366"/>
+              </a:xfrm>
+              <a:prstGeom prst="snip2SameRect">
+                <a:avLst/>
+              </a:prstGeom>
+              <a:solidFill>
+                <a:srgbClr val="CDFFCD"/>
+              </a:solidFill>
+              <a:ln w="12700">
+                <a:solidFill>
+                  <a:srgbClr val="5C859D"/>
+                </a:solidFill>
+              </a:ln>
+            </p:spPr>
+            <p:style>
+              <a:lnRef idx="2">
+                <a:schemeClr val="accent1">
+                  <a:shade val="50000"/>
+                </a:schemeClr>
+              </a:lnRef>
+              <a:fillRef idx="1">
+                <a:schemeClr val="accent1"/>
+              </a:fillRef>
+              <a:effectRef idx="0">
+                <a:schemeClr val="accent1"/>
+              </a:effectRef>
+              <a:fontRef idx="minor">
+                <a:schemeClr val="lt1"/>
+              </a:fontRef>
+            </p:style>
+            <p:txBody>
+              <a:bodyPr lIns="36000" tIns="36000" rIns="36000" bIns="36000" rtlCol="0" anchor="t">
+                <a:normAutofit/>
+              </a:bodyPr>
+              <a:lstStyle/>
+              <a:p>
+                <a:pPr algn="ctr"/>
+                <a:endParaRPr lang="de-CH" sz="1100" dirty="0" smtClean="0">
+                  <a:solidFill>
+                    <a:schemeClr val="tx2"/>
+                  </a:solidFill>
+                </a:endParaRPr>
+              </a:p>
+            </p:txBody>
+          </p:sp>
+          <p:sp>
+            <p:nvSpPr>
+              <p:cNvPr id="20" name="Textfeld 19"/>
+              <p:cNvSpPr txBox="1"/>
+              <p:nvPr/>
+            </p:nvSpPr>
+            <p:spPr>
+              <a:xfrm>
+                <a:off x="981103" y="3594055"/>
+                <a:ext cx="2213186" cy="981681"/>
+              </a:xfrm>
+              <a:prstGeom prst="rect">
+                <a:avLst/>
+              </a:prstGeom>
+              <a:noFill/>
+            </p:spPr>
+            <p:txBody>
+              <a:bodyPr wrap="none" rtlCol="0">
+                <a:spAutoFit/>
+              </a:bodyPr>
+              <a:lstStyle/>
+              <a:p>
+                <a:pPr algn="ctr"/>
+                <a:r>
+                  <a:rPr lang="de-CH" sz="1100" u="dashLong" dirty="0">
+                    <a:solidFill>
+                      <a:schemeClr val="tx2"/>
+                    </a:solidFill>
+                  </a:rPr>
+                  <a:t>&lt;</a:t>
+                </a:r>
+                <a:r>
+                  <a:rPr lang="de-CH" sz="1100" u="dashLong" dirty="0" err="1">
+                    <a:solidFill>
+                      <a:schemeClr val="tx2"/>
+                    </a:solidFill>
+                  </a:rPr>
+                  <a:t>id</a:t>
+                </a:r>
+                <a:r>
+                  <a:rPr lang="de-CH" sz="1100" u="dashLong" dirty="0">
+                    <a:solidFill>
+                      <a:schemeClr val="tx2"/>
+                    </a:solidFill>
+                  </a:rPr>
+                  <a:t>&gt;</a:t>
+                </a:r>
+              </a:p>
+              <a:p>
+                <a:pPr algn="ctr"/>
+                <a:r>
+                  <a:rPr lang="de-CH" sz="1100" u="dashLong" dirty="0">
+                    <a:solidFill>
+                      <a:schemeClr val="tx2"/>
+                    </a:solidFill>
+                  </a:rPr>
+                  <a:t>&lt;</a:t>
+                </a:r>
+                <a:r>
+                  <a:rPr lang="de-CH" sz="1100" u="dashLong" dirty="0" err="1">
+                    <a:solidFill>
+                      <a:schemeClr val="tx2"/>
+                    </a:solidFill>
+                  </a:rPr>
+                  <a:t>conclusion</a:t>
+                </a:r>
+                <a:r>
+                  <a:rPr lang="de-CH" sz="1100" u="dashLong" dirty="0">
+                    <a:solidFill>
+                      <a:schemeClr val="tx2"/>
+                    </a:solidFill>
+                  </a:rPr>
+                  <a:t>&gt;</a:t>
+                </a:r>
+              </a:p>
+              <a:p>
+                <a:pPr algn="ctr"/>
+                <a:r>
+                  <a:rPr lang="de-CH" sz="1100" u="dashLong" dirty="0">
+                    <a:solidFill>
+                      <a:schemeClr val="tx2"/>
+                    </a:solidFill>
+                  </a:rPr>
+                  <a:t>&lt;</a:t>
+                </a:r>
+                <a:r>
+                  <a:rPr lang="de-CH" sz="1100" u="dashLong" dirty="0" err="1">
+                    <a:solidFill>
+                      <a:schemeClr val="tx2"/>
+                    </a:solidFill>
+                  </a:rPr>
+                  <a:t>list</a:t>
+                </a:r>
+                <a:r>
+                  <a:rPr lang="de-CH" sz="1100" u="dashLong" dirty="0">
+                    <a:solidFill>
+                      <a:schemeClr val="tx2"/>
+                    </a:solidFill>
+                  </a:rPr>
+                  <a:t> </a:t>
+                </a:r>
+                <a:r>
+                  <a:rPr lang="de-CH" sz="1100" u="dashLong" dirty="0" err="1">
+                    <a:solidFill>
+                      <a:schemeClr val="tx2"/>
+                    </a:solidFill>
+                  </a:rPr>
+                  <a:t>of</a:t>
+                </a:r>
+                <a:r>
+                  <a:rPr lang="de-CH" sz="1100" u="dashLong" dirty="0">
+                    <a:solidFill>
+                      <a:schemeClr val="tx2"/>
+                    </a:solidFill>
+                  </a:rPr>
+                  <a:t> </a:t>
+                </a:r>
+                <a:r>
+                  <a:rPr lang="de-CH" sz="1100" u="dashLong" dirty="0" err="1">
+                    <a:solidFill>
+                      <a:schemeClr val="tx2"/>
+                    </a:solidFill>
+                  </a:rPr>
+                  <a:t>conditions</a:t>
+                </a:r>
+                <a:r>
+                  <a:rPr lang="de-CH" sz="1100" u="dashLong" dirty="0">
+                    <a:solidFill>
+                      <a:schemeClr val="tx2"/>
+                    </a:solidFill>
+                  </a:rPr>
+                  <a:t>&gt;</a:t>
+                </a:r>
+              </a:p>
+            </p:txBody>
+          </p:sp>
+        </p:grpSp>
+        <p:sp>
+          <p:nvSpPr>
+            <p:cNvPr id="22" name="Rechteck 21"/>
+            <p:cNvSpPr/>
+            <p:nvPr/>
+          </p:nvSpPr>
+          <p:spPr>
+            <a:xfrm>
+              <a:off x="1043492" y="4915639"/>
+              <a:ext cx="2438636" cy="373866"/>
+            </a:xfrm>
+            <a:prstGeom prst="rect">
+              <a:avLst/>
+            </a:prstGeom>
+            <a:solidFill>
+              <a:schemeClr val="accent4">
+                <a:lumMod val="10000"/>
+                <a:lumOff val="90000"/>
+              </a:schemeClr>
+            </a:solidFill>
+            <a:effectLst/>
+          </p:spPr>
+          <p:style>
+            <a:lnRef idx="1">
+              <a:schemeClr val="accent1"/>
+            </a:lnRef>
+            <a:fillRef idx="3">
+              <a:schemeClr val="accent1"/>
+            </a:fillRef>
+            <a:effectRef idx="2">
+              <a:schemeClr val="accent1"/>
+            </a:effectRef>
+            <a:fontRef idx="minor">
+              <a:schemeClr val="lt1"/>
+            </a:fontRef>
+          </p:style>
+          <p:txBody>
+            <a:bodyPr rtlCol="0" anchor="ctr"/>
+            <a:lstStyle/>
+            <a:p>
+              <a:pPr algn="ctr"/>
+              <a:endParaRPr lang="de-DE"/>
+            </a:p>
+          </p:txBody>
+        </p:sp>
+      </p:grpSp>
+      <p:grpSp>
+        <p:nvGrpSpPr>
+          <p:cNvPr id="40" name="Gruppierung 39"/>
+          <p:cNvGrpSpPr/>
+          <p:nvPr/>
+        </p:nvGrpSpPr>
+        <p:grpSpPr>
+          <a:xfrm>
+            <a:off x="2710173" y="2309698"/>
+            <a:ext cx="4104950" cy="3056541"/>
+            <a:chOff x="981166" y="3489304"/>
+            <a:chExt cx="6714418" cy="4999547"/>
+          </a:xfrm>
+        </p:grpSpPr>
+        <p:sp>
+          <p:nvSpPr>
+            <p:cNvPr id="41" name="Rechteck 40"/>
+            <p:cNvSpPr/>
+            <p:nvPr/>
+          </p:nvSpPr>
+          <p:spPr>
+            <a:xfrm>
+              <a:off x="981166" y="3489304"/>
+              <a:ext cx="6714418" cy="4999547"/>
+            </a:xfrm>
+            <a:prstGeom prst="rect">
+              <a:avLst/>
+            </a:prstGeom>
+            <a:solidFill>
+              <a:srgbClr val="FFFF00"/>
+            </a:solidFill>
+            <a:effectLst/>
+          </p:spPr>
+          <p:style>
+            <a:lnRef idx="1">
+              <a:schemeClr val="accent1"/>
+            </a:lnRef>
+            <a:fillRef idx="3">
+              <a:schemeClr val="accent1"/>
+            </a:fillRef>
+            <a:effectRef idx="2">
+              <a:schemeClr val="accent1"/>
+            </a:effectRef>
+            <a:fontRef idx="minor">
+              <a:schemeClr val="lt1"/>
+            </a:fontRef>
+          </p:style>
+          <p:txBody>
+            <a:bodyPr rtlCol="0" anchor="ctr"/>
+            <a:lstStyle/>
+            <a:p>
+              <a:pPr algn="ctr"/>
+              <a:endParaRPr lang="de-DE"/>
+            </a:p>
+          </p:txBody>
+        </p:sp>
+        <p:sp>
+          <p:nvSpPr>
+            <p:cNvPr id="43" name="Rechteck 42"/>
+            <p:cNvSpPr/>
+            <p:nvPr/>
+          </p:nvSpPr>
+          <p:spPr>
+            <a:xfrm>
+              <a:off x="1043492" y="4915639"/>
+              <a:ext cx="6583323" cy="2791504"/>
+            </a:xfrm>
+            <a:prstGeom prst="rect">
+              <a:avLst/>
+            </a:prstGeom>
+            <a:solidFill>
+              <a:schemeClr val="accent4">
+                <a:lumMod val="10000"/>
+                <a:lumOff val="90000"/>
+              </a:schemeClr>
+            </a:solidFill>
+            <a:effectLst/>
+          </p:spPr>
+          <p:style>
+            <a:lnRef idx="1">
+              <a:schemeClr val="accent1"/>
+            </a:lnRef>
+            <a:fillRef idx="3">
+              <a:schemeClr val="accent1"/>
+            </a:fillRef>
+            <a:effectRef idx="2">
+              <a:schemeClr val="accent1"/>
+            </a:effectRef>
+            <a:fontRef idx="minor">
+              <a:schemeClr val="lt1"/>
+            </a:fontRef>
+          </p:style>
+          <p:txBody>
+            <a:bodyPr rtlCol="0" anchor="ctr"/>
+            <a:lstStyle/>
+            <a:p>
+              <a:pPr algn="ctr"/>
+              <a:endParaRPr lang="de-DE"/>
+            </a:p>
+          </p:txBody>
+        </p:sp>
+      </p:grpSp>
+      <p:grpSp>
+        <p:nvGrpSpPr>
+          <p:cNvPr id="48" name="Gruppierung 47"/>
+          <p:cNvGrpSpPr/>
+          <p:nvPr/>
+        </p:nvGrpSpPr>
+        <p:grpSpPr>
+          <a:xfrm>
+            <a:off x="2993664" y="3375610"/>
+            <a:ext cx="1587549" cy="1214272"/>
+            <a:chOff x="963355" y="3489306"/>
+            <a:chExt cx="2596735" cy="1986170"/>
+          </a:xfrm>
+        </p:grpSpPr>
+        <p:sp>
+          <p:nvSpPr>
+            <p:cNvPr id="49" name="Rechteck 48"/>
+            <p:cNvSpPr/>
+            <p:nvPr/>
+          </p:nvSpPr>
+          <p:spPr>
+            <a:xfrm>
+              <a:off x="963355" y="3489306"/>
+              <a:ext cx="2596735" cy="1986170"/>
+            </a:xfrm>
+            <a:prstGeom prst="rect">
+              <a:avLst/>
+            </a:prstGeom>
+            <a:solidFill>
+              <a:srgbClr val="FFFF00"/>
+            </a:solidFill>
+            <a:effectLst/>
+          </p:spPr>
+          <p:style>
+            <a:lnRef idx="1">
+              <a:schemeClr val="accent1"/>
+            </a:lnRef>
+            <a:fillRef idx="3">
+              <a:schemeClr val="accent1"/>
+            </a:fillRef>
+            <a:effectRef idx="2">
+              <a:schemeClr val="accent1"/>
+            </a:effectRef>
+            <a:fontRef idx="minor">
+              <a:schemeClr val="lt1"/>
+            </a:fontRef>
+          </p:style>
+          <p:txBody>
+            <a:bodyPr rtlCol="0" anchor="ctr"/>
+            <a:lstStyle/>
+            <a:p>
+              <a:pPr algn="ctr"/>
+              <a:endParaRPr lang="de-DE"/>
+            </a:p>
+          </p:txBody>
+        </p:sp>
+        <p:grpSp>
+          <p:nvGrpSpPr>
+            <p:cNvPr id="50" name="Gruppierung 49"/>
+            <p:cNvGrpSpPr/>
+            <p:nvPr/>
+          </p:nvGrpSpPr>
+          <p:grpSpPr>
+            <a:xfrm>
+              <a:off x="981103" y="3543924"/>
+              <a:ext cx="2516878" cy="1240363"/>
+              <a:chOff x="981103" y="3543924"/>
+              <a:chExt cx="2516878" cy="1240363"/>
+            </a:xfrm>
+          </p:grpSpPr>
+          <p:sp>
+            <p:nvSpPr>
+              <p:cNvPr id="52" name="Rechteck 51"/>
+              <p:cNvSpPr/>
+              <p:nvPr/>
+            </p:nvSpPr>
+            <p:spPr>
+              <a:xfrm>
+                <a:off x="1029837" y="3543924"/>
+                <a:ext cx="2468144" cy="1240363"/>
+              </a:xfrm>
+              <a:prstGeom prst="rect">
+                <a:avLst/>
+              </a:prstGeom>
+              <a:solidFill>
+                <a:srgbClr val="FFD1D3"/>
+              </a:solidFill>
+              <a:effectLst/>
+            </p:spPr>
+            <p:style>
+              <a:lnRef idx="1">
+                <a:schemeClr val="accent1"/>
+              </a:lnRef>
+              <a:fillRef idx="3">
+                <a:schemeClr val="accent1"/>
+              </a:fillRef>
+              <a:effectRef idx="2">
+                <a:schemeClr val="accent1"/>
+              </a:effectRef>
+              <a:fontRef idx="minor">
+                <a:schemeClr val="lt1"/>
+              </a:fontRef>
+            </p:style>
+            <p:txBody>
+              <a:bodyPr rtlCol="0" anchor="ctr"/>
+              <a:lstStyle/>
+              <a:p>
+                <a:pPr algn="ctr"/>
+                <a:endParaRPr lang="de-DE"/>
+              </a:p>
+            </p:txBody>
+          </p:sp>
+          <p:sp>
+            <p:nvSpPr>
+              <p:cNvPr id="53" name="Ecken des Rechtecks auf der gleichen Seite schneiden 52"/>
+              <p:cNvSpPr/>
+              <p:nvPr/>
+            </p:nvSpPr>
+            <p:spPr>
+              <a:xfrm>
+                <a:off x="1147636" y="3635018"/>
+                <a:ext cx="2125903" cy="994366"/>
+              </a:xfrm>
+              <a:prstGeom prst="snip2SameRect">
+                <a:avLst/>
+              </a:prstGeom>
+              <a:solidFill>
+                <a:srgbClr val="CDFFCD"/>
+              </a:solidFill>
+              <a:ln w="12700">
+                <a:solidFill>
+                  <a:srgbClr val="5C859D"/>
+                </a:solidFill>
+              </a:ln>
+            </p:spPr>
+            <p:style>
+              <a:lnRef idx="2">
+                <a:schemeClr val="accent1">
+                  <a:shade val="50000"/>
+                </a:schemeClr>
+              </a:lnRef>
+              <a:fillRef idx="1">
+                <a:schemeClr val="accent1"/>
+              </a:fillRef>
+              <a:effectRef idx="0">
+                <a:schemeClr val="accent1"/>
+              </a:effectRef>
+              <a:fontRef idx="minor">
+                <a:schemeClr val="lt1"/>
+              </a:fontRef>
+            </p:style>
+            <p:txBody>
+              <a:bodyPr lIns="36000" tIns="36000" rIns="36000" bIns="36000" rtlCol="0" anchor="t">
+                <a:normAutofit/>
+              </a:bodyPr>
+              <a:lstStyle/>
+              <a:p>
+                <a:pPr algn="ctr"/>
+                <a:endParaRPr lang="de-CH" sz="1100" dirty="0" smtClean="0">
+                  <a:solidFill>
+                    <a:schemeClr val="tx2"/>
+                  </a:solidFill>
+                </a:endParaRPr>
+              </a:p>
+            </p:txBody>
+          </p:sp>
+          <p:sp>
+            <p:nvSpPr>
+              <p:cNvPr id="54" name="Textfeld 53"/>
+              <p:cNvSpPr txBox="1"/>
+              <p:nvPr/>
+            </p:nvSpPr>
+            <p:spPr>
+              <a:xfrm>
+                <a:off x="981103" y="3594055"/>
+                <a:ext cx="2213186" cy="981681"/>
+              </a:xfrm>
+              <a:prstGeom prst="rect">
+                <a:avLst/>
+              </a:prstGeom>
+              <a:noFill/>
+            </p:spPr>
+            <p:txBody>
+              <a:bodyPr wrap="none" rtlCol="0">
+                <a:spAutoFit/>
+              </a:bodyPr>
+              <a:lstStyle/>
+              <a:p>
+                <a:pPr algn="ctr"/>
+                <a:r>
+                  <a:rPr lang="de-CH" sz="1100" u="dashLong" dirty="0">
+                    <a:solidFill>
+                      <a:schemeClr val="tx2"/>
+                    </a:solidFill>
+                  </a:rPr>
+                  <a:t>&lt;</a:t>
+                </a:r>
+                <a:r>
+                  <a:rPr lang="de-CH" sz="1100" u="dashLong" dirty="0" err="1">
+                    <a:solidFill>
+                      <a:schemeClr val="tx2"/>
+                    </a:solidFill>
+                  </a:rPr>
+                  <a:t>id</a:t>
+                </a:r>
+                <a:r>
+                  <a:rPr lang="de-CH" sz="1100" u="dashLong" dirty="0">
+                    <a:solidFill>
+                      <a:schemeClr val="tx2"/>
+                    </a:solidFill>
+                  </a:rPr>
+                  <a:t>&gt;</a:t>
+                </a:r>
+              </a:p>
+              <a:p>
+                <a:pPr algn="ctr"/>
+                <a:r>
+                  <a:rPr lang="de-CH" sz="1100" u="dashLong" dirty="0">
+                    <a:solidFill>
+                      <a:schemeClr val="tx2"/>
+                    </a:solidFill>
+                  </a:rPr>
+                  <a:t>&lt;</a:t>
+                </a:r>
+                <a:r>
+                  <a:rPr lang="de-CH" sz="1100" u="dashLong" dirty="0" err="1">
+                    <a:solidFill>
+                      <a:schemeClr val="tx2"/>
+                    </a:solidFill>
+                  </a:rPr>
+                  <a:t>conclusion</a:t>
+                </a:r>
+                <a:r>
+                  <a:rPr lang="de-CH" sz="1100" u="dashLong" dirty="0">
+                    <a:solidFill>
+                      <a:schemeClr val="tx2"/>
+                    </a:solidFill>
+                  </a:rPr>
+                  <a:t>&gt;</a:t>
+                </a:r>
+              </a:p>
+              <a:p>
+                <a:pPr algn="ctr"/>
+                <a:r>
+                  <a:rPr lang="de-CH" sz="1100" u="dashLong" dirty="0">
+                    <a:solidFill>
+                      <a:schemeClr val="tx2"/>
+                    </a:solidFill>
+                  </a:rPr>
+                  <a:t>&lt;</a:t>
+                </a:r>
+                <a:r>
+                  <a:rPr lang="de-CH" sz="1100" u="dashLong" dirty="0" err="1">
+                    <a:solidFill>
+                      <a:schemeClr val="tx2"/>
+                    </a:solidFill>
+                  </a:rPr>
+                  <a:t>list</a:t>
+                </a:r>
+                <a:r>
+                  <a:rPr lang="de-CH" sz="1100" u="dashLong" dirty="0">
+                    <a:solidFill>
+                      <a:schemeClr val="tx2"/>
+                    </a:solidFill>
+                  </a:rPr>
+                  <a:t> </a:t>
+                </a:r>
+                <a:r>
+                  <a:rPr lang="de-CH" sz="1100" u="dashLong" dirty="0" err="1">
+                    <a:solidFill>
+                      <a:schemeClr val="tx2"/>
+                    </a:solidFill>
+                  </a:rPr>
+                  <a:t>of</a:t>
+                </a:r>
+                <a:r>
+                  <a:rPr lang="de-CH" sz="1100" u="dashLong" dirty="0">
+                    <a:solidFill>
+                      <a:schemeClr val="tx2"/>
+                    </a:solidFill>
+                  </a:rPr>
+                  <a:t> </a:t>
+                </a:r>
+                <a:r>
+                  <a:rPr lang="de-CH" sz="1100" u="dashLong" dirty="0" err="1">
+                    <a:solidFill>
+                      <a:schemeClr val="tx2"/>
+                    </a:solidFill>
+                  </a:rPr>
+                  <a:t>conditions</a:t>
+                </a:r>
+                <a:r>
+                  <a:rPr lang="de-CH" sz="1100" u="dashLong" dirty="0">
+                    <a:solidFill>
+                      <a:schemeClr val="tx2"/>
+                    </a:solidFill>
+                  </a:rPr>
+                  <a:t>&gt;</a:t>
+                </a:r>
+              </a:p>
+            </p:txBody>
+          </p:sp>
+        </p:grpSp>
+        <p:sp>
+          <p:nvSpPr>
+            <p:cNvPr id="51" name="Rechteck 50"/>
+            <p:cNvSpPr/>
+            <p:nvPr/>
+          </p:nvSpPr>
+          <p:spPr>
+            <a:xfrm>
+              <a:off x="1043492" y="4915639"/>
+              <a:ext cx="2438636" cy="373866"/>
+            </a:xfrm>
+            <a:prstGeom prst="rect">
+              <a:avLst/>
+            </a:prstGeom>
+            <a:solidFill>
+              <a:schemeClr val="accent4">
+                <a:lumMod val="10000"/>
+                <a:lumOff val="90000"/>
+              </a:schemeClr>
+            </a:solidFill>
+            <a:effectLst/>
+          </p:spPr>
+          <p:style>
+            <a:lnRef idx="1">
+              <a:schemeClr val="accent1"/>
+            </a:lnRef>
+            <a:fillRef idx="3">
+              <a:schemeClr val="accent1"/>
+            </a:fillRef>
+            <a:effectRef idx="2">
+              <a:schemeClr val="accent1"/>
+            </a:effectRef>
+            <a:fontRef idx="minor">
+              <a:schemeClr val="lt1"/>
+            </a:fontRef>
+          </p:style>
+          <p:txBody>
+            <a:bodyPr rtlCol="0" anchor="ctr"/>
+            <a:lstStyle/>
+            <a:p>
+              <a:pPr algn="ctr"/>
+              <a:endParaRPr lang="de-DE"/>
+            </a:p>
+          </p:txBody>
+        </p:sp>
+      </p:grpSp>
+      <p:grpSp>
+        <p:nvGrpSpPr>
+          <p:cNvPr id="55" name="Gruppierung 54"/>
+          <p:cNvGrpSpPr/>
+          <p:nvPr/>
+        </p:nvGrpSpPr>
+        <p:grpSpPr>
+          <a:xfrm>
+            <a:off x="4898723" y="3375610"/>
+            <a:ext cx="1598889" cy="1214272"/>
+            <a:chOff x="952399" y="3489306"/>
+            <a:chExt cx="2615284" cy="1986170"/>
+          </a:xfrm>
+        </p:grpSpPr>
+        <p:sp>
+          <p:nvSpPr>
+            <p:cNvPr id="56" name="Rechteck 55"/>
+            <p:cNvSpPr/>
+            <p:nvPr/>
+          </p:nvSpPr>
+          <p:spPr>
+            <a:xfrm>
+              <a:off x="952399" y="3489306"/>
+              <a:ext cx="2615284" cy="1986170"/>
+            </a:xfrm>
+            <a:prstGeom prst="rect">
+              <a:avLst/>
+            </a:prstGeom>
+            <a:solidFill>
+              <a:srgbClr val="FFFF00"/>
+            </a:solidFill>
+            <a:effectLst/>
+          </p:spPr>
+          <p:style>
+            <a:lnRef idx="1">
+              <a:schemeClr val="accent1"/>
+            </a:lnRef>
+            <a:fillRef idx="3">
+              <a:schemeClr val="accent1"/>
+            </a:fillRef>
+            <a:effectRef idx="2">
+              <a:schemeClr val="accent1"/>
+            </a:effectRef>
+            <a:fontRef idx="minor">
+              <a:schemeClr val="lt1"/>
+            </a:fontRef>
+          </p:style>
+          <p:txBody>
+            <a:bodyPr rtlCol="0" anchor="ctr"/>
+            <a:lstStyle/>
+            <a:p>
+              <a:pPr algn="ctr"/>
+              <a:endParaRPr lang="de-DE"/>
+            </a:p>
+          </p:txBody>
+        </p:sp>
+        <p:grpSp>
+          <p:nvGrpSpPr>
+            <p:cNvPr id="57" name="Gruppierung 56"/>
+            <p:cNvGrpSpPr/>
+            <p:nvPr/>
+          </p:nvGrpSpPr>
+          <p:grpSpPr>
+            <a:xfrm>
+              <a:off x="981103" y="3543924"/>
+              <a:ext cx="2516878" cy="1240363"/>
+              <a:chOff x="981103" y="3543924"/>
+              <a:chExt cx="2516878" cy="1240363"/>
+            </a:xfrm>
+          </p:grpSpPr>
+          <p:sp>
+            <p:nvSpPr>
+              <p:cNvPr id="59" name="Rechteck 58"/>
+              <p:cNvSpPr/>
+              <p:nvPr/>
+            </p:nvSpPr>
+            <p:spPr>
+              <a:xfrm>
+                <a:off x="1029837" y="3543924"/>
+                <a:ext cx="2468144" cy="1240363"/>
+              </a:xfrm>
+              <a:prstGeom prst="rect">
+                <a:avLst/>
+              </a:prstGeom>
+              <a:solidFill>
+                <a:srgbClr val="FFD1D3"/>
+              </a:solidFill>
+              <a:effectLst/>
+            </p:spPr>
+            <p:style>
+              <a:lnRef idx="1">
+                <a:schemeClr val="accent1"/>
+              </a:lnRef>
+              <a:fillRef idx="3">
+                <a:schemeClr val="accent1"/>
+              </a:fillRef>
+              <a:effectRef idx="2">
+                <a:schemeClr val="accent1"/>
+              </a:effectRef>
+              <a:fontRef idx="minor">
+                <a:schemeClr val="lt1"/>
+              </a:fontRef>
+            </p:style>
+            <p:txBody>
+              <a:bodyPr rtlCol="0" anchor="ctr"/>
+              <a:lstStyle/>
+              <a:p>
+                <a:pPr algn="ctr"/>
+                <a:endParaRPr lang="de-DE"/>
+              </a:p>
+            </p:txBody>
+          </p:sp>
+          <p:sp>
+            <p:nvSpPr>
+              <p:cNvPr id="60" name="Ecken des Rechtecks auf der gleichen Seite schneiden 59"/>
+              <p:cNvSpPr/>
+              <p:nvPr/>
+            </p:nvSpPr>
+            <p:spPr>
+              <a:xfrm>
+                <a:off x="1147636" y="3635018"/>
+                <a:ext cx="2125903" cy="994366"/>
+              </a:xfrm>
+              <a:prstGeom prst="snip2SameRect">
+                <a:avLst/>
+              </a:prstGeom>
+              <a:solidFill>
+                <a:srgbClr val="CDFFCD"/>
+              </a:solidFill>
+              <a:ln w="12700">
+                <a:solidFill>
+                  <a:srgbClr val="5C859D"/>
+                </a:solidFill>
+              </a:ln>
+            </p:spPr>
+            <p:style>
+              <a:lnRef idx="2">
+                <a:schemeClr val="accent1">
+                  <a:shade val="50000"/>
+                </a:schemeClr>
+              </a:lnRef>
+              <a:fillRef idx="1">
+                <a:schemeClr val="accent1"/>
+              </a:fillRef>
+              <a:effectRef idx="0">
+                <a:schemeClr val="accent1"/>
+              </a:effectRef>
+              <a:fontRef idx="minor">
+                <a:schemeClr val="lt1"/>
+              </a:fontRef>
+            </p:style>
+            <p:txBody>
+              <a:bodyPr lIns="36000" tIns="36000" rIns="36000" bIns="36000" rtlCol="0" anchor="t">
+                <a:normAutofit/>
+              </a:bodyPr>
+              <a:lstStyle/>
+              <a:p>
+                <a:pPr algn="ctr"/>
+                <a:endParaRPr lang="de-CH" sz="1100" dirty="0" smtClean="0">
+                  <a:solidFill>
+                    <a:schemeClr val="tx2"/>
+                  </a:solidFill>
+                </a:endParaRPr>
+              </a:p>
+            </p:txBody>
+          </p:sp>
+          <p:sp>
+            <p:nvSpPr>
+              <p:cNvPr id="61" name="Textfeld 60"/>
+              <p:cNvSpPr txBox="1"/>
+              <p:nvPr/>
+            </p:nvSpPr>
+            <p:spPr>
+              <a:xfrm>
+                <a:off x="981103" y="3594055"/>
+                <a:ext cx="2213186" cy="981681"/>
+              </a:xfrm>
+              <a:prstGeom prst="rect">
+                <a:avLst/>
+              </a:prstGeom>
+              <a:noFill/>
+            </p:spPr>
+            <p:txBody>
+              <a:bodyPr wrap="none" rtlCol="0">
+                <a:spAutoFit/>
+              </a:bodyPr>
+              <a:lstStyle/>
+              <a:p>
+                <a:pPr algn="ctr"/>
+                <a:r>
+                  <a:rPr lang="de-CH" sz="1100" u="dashLong" dirty="0">
+                    <a:solidFill>
+                      <a:schemeClr val="tx2"/>
+                    </a:solidFill>
+                  </a:rPr>
+                  <a:t>&lt;</a:t>
+                </a:r>
+                <a:r>
+                  <a:rPr lang="de-CH" sz="1100" u="dashLong" dirty="0" err="1">
+                    <a:solidFill>
+                      <a:schemeClr val="tx2"/>
+                    </a:solidFill>
+                  </a:rPr>
+                  <a:t>id</a:t>
+                </a:r>
+                <a:r>
+                  <a:rPr lang="de-CH" sz="1100" u="dashLong" dirty="0">
+                    <a:solidFill>
+                      <a:schemeClr val="tx2"/>
+                    </a:solidFill>
+                  </a:rPr>
+                  <a:t>&gt;</a:t>
+                </a:r>
+              </a:p>
+              <a:p>
+                <a:pPr algn="ctr"/>
+                <a:r>
+                  <a:rPr lang="de-CH" sz="1100" u="dashLong" dirty="0">
+                    <a:solidFill>
+                      <a:schemeClr val="tx2"/>
+                    </a:solidFill>
+                  </a:rPr>
+                  <a:t>&lt;</a:t>
+                </a:r>
+                <a:r>
+                  <a:rPr lang="de-CH" sz="1100" u="dashLong" dirty="0" err="1">
+                    <a:solidFill>
+                      <a:schemeClr val="tx2"/>
+                    </a:solidFill>
+                  </a:rPr>
+                  <a:t>conclusion</a:t>
+                </a:r>
+                <a:r>
+                  <a:rPr lang="de-CH" sz="1100" u="dashLong" dirty="0">
+                    <a:solidFill>
+                      <a:schemeClr val="tx2"/>
+                    </a:solidFill>
+                  </a:rPr>
+                  <a:t>&gt;</a:t>
+                </a:r>
+              </a:p>
+              <a:p>
+                <a:pPr algn="ctr"/>
+                <a:r>
+                  <a:rPr lang="de-CH" sz="1100" u="dashLong" dirty="0">
+                    <a:solidFill>
+                      <a:schemeClr val="tx2"/>
+                    </a:solidFill>
+                  </a:rPr>
+                  <a:t>&lt;</a:t>
+                </a:r>
+                <a:r>
+                  <a:rPr lang="de-CH" sz="1100" u="dashLong" dirty="0" err="1">
+                    <a:solidFill>
+                      <a:schemeClr val="tx2"/>
+                    </a:solidFill>
+                  </a:rPr>
+                  <a:t>list</a:t>
+                </a:r>
+                <a:r>
+                  <a:rPr lang="de-CH" sz="1100" u="dashLong" dirty="0">
+                    <a:solidFill>
+                      <a:schemeClr val="tx2"/>
+                    </a:solidFill>
+                  </a:rPr>
+                  <a:t> </a:t>
+                </a:r>
+                <a:r>
+                  <a:rPr lang="de-CH" sz="1100" u="dashLong" dirty="0" err="1">
+                    <a:solidFill>
+                      <a:schemeClr val="tx2"/>
+                    </a:solidFill>
+                  </a:rPr>
+                  <a:t>of</a:t>
+                </a:r>
+                <a:r>
+                  <a:rPr lang="de-CH" sz="1100" u="dashLong" dirty="0">
+                    <a:solidFill>
+                      <a:schemeClr val="tx2"/>
+                    </a:solidFill>
+                  </a:rPr>
+                  <a:t> </a:t>
+                </a:r>
+                <a:r>
+                  <a:rPr lang="de-CH" sz="1100" u="dashLong" dirty="0" err="1">
+                    <a:solidFill>
+                      <a:schemeClr val="tx2"/>
+                    </a:solidFill>
+                  </a:rPr>
+                  <a:t>conditions</a:t>
+                </a:r>
+                <a:r>
+                  <a:rPr lang="de-CH" sz="1100" u="dashLong" dirty="0">
+                    <a:solidFill>
+                      <a:schemeClr val="tx2"/>
+                    </a:solidFill>
+                  </a:rPr>
+                  <a:t>&gt;</a:t>
+                </a:r>
+              </a:p>
+            </p:txBody>
+          </p:sp>
+        </p:grpSp>
+        <p:sp>
+          <p:nvSpPr>
+            <p:cNvPr id="58" name="Rechteck 57"/>
+            <p:cNvSpPr/>
+            <p:nvPr/>
+          </p:nvSpPr>
+          <p:spPr>
+            <a:xfrm>
+              <a:off x="1043492" y="4915639"/>
+              <a:ext cx="2438636" cy="373866"/>
+            </a:xfrm>
+            <a:prstGeom prst="rect">
+              <a:avLst/>
+            </a:prstGeom>
+            <a:solidFill>
+              <a:schemeClr val="accent4">
+                <a:lumMod val="10000"/>
+                <a:lumOff val="90000"/>
+              </a:schemeClr>
+            </a:solidFill>
+            <a:effectLst/>
+          </p:spPr>
+          <p:style>
+            <a:lnRef idx="1">
+              <a:schemeClr val="accent1"/>
+            </a:lnRef>
+            <a:fillRef idx="3">
+              <a:schemeClr val="accent1"/>
+            </a:fillRef>
+            <a:effectRef idx="2">
+              <a:schemeClr val="accent1"/>
+            </a:effectRef>
+            <a:fontRef idx="minor">
+              <a:schemeClr val="lt1"/>
+            </a:fontRef>
+          </p:style>
+          <p:txBody>
+            <a:bodyPr rtlCol="0" anchor="ctr"/>
+            <a:lstStyle/>
+            <a:p>
+              <a:pPr algn="ctr"/>
+              <a:endParaRPr lang="de-DE"/>
+            </a:p>
+          </p:txBody>
+        </p:sp>
+      </p:grpSp>
+      <p:grpSp>
+        <p:nvGrpSpPr>
+          <p:cNvPr id="62" name="Gruppierung 61"/>
+          <p:cNvGrpSpPr/>
+          <p:nvPr/>
+        </p:nvGrpSpPr>
+        <p:grpSpPr>
+          <a:xfrm>
+            <a:off x="3976368" y="2369549"/>
+            <a:ext cx="1508933" cy="758313"/>
+            <a:chOff x="863781" y="1971450"/>
+            <a:chExt cx="2468144" cy="1240363"/>
+          </a:xfrm>
+        </p:grpSpPr>
+        <p:sp>
+          <p:nvSpPr>
+            <p:cNvPr id="63" name="Rechteck 62"/>
+            <p:cNvSpPr/>
+            <p:nvPr/>
+          </p:nvSpPr>
+          <p:spPr>
+            <a:xfrm>
+              <a:off x="863781" y="1971450"/>
+              <a:ext cx="2468144" cy="1240363"/>
+            </a:xfrm>
+            <a:prstGeom prst="rect">
+              <a:avLst/>
+            </a:prstGeom>
+            <a:solidFill>
+              <a:srgbClr val="FFD1D3"/>
+            </a:solidFill>
+            <a:effectLst/>
+          </p:spPr>
+          <p:style>
+            <a:lnRef idx="1">
+              <a:schemeClr val="accent1"/>
+            </a:lnRef>
+            <a:fillRef idx="3">
+              <a:schemeClr val="accent1"/>
+            </a:fillRef>
+            <a:effectRef idx="2">
+              <a:schemeClr val="accent1"/>
+            </a:effectRef>
+            <a:fontRef idx="minor">
+              <a:schemeClr val="lt1"/>
+            </a:fontRef>
+          </p:style>
+          <p:txBody>
+            <a:bodyPr rtlCol="0" anchor="ctr"/>
+            <a:lstStyle/>
+            <a:p>
+              <a:pPr algn="ctr"/>
+              <a:endParaRPr lang="de-DE"/>
+            </a:p>
+          </p:txBody>
+        </p:sp>
+        <p:sp>
+          <p:nvSpPr>
+            <p:cNvPr id="64" name="Ecken des Rechtecks auf der gleichen Seite schneiden 63"/>
+            <p:cNvSpPr/>
+            <p:nvPr/>
+          </p:nvSpPr>
+          <p:spPr>
+            <a:xfrm>
+              <a:off x="1008891" y="2076198"/>
+              <a:ext cx="2125903" cy="994366"/>
+            </a:xfrm>
+            <a:prstGeom prst="snip2SameRect">
+              <a:avLst/>
+            </a:prstGeom>
+            <a:solidFill>
+              <a:srgbClr val="CDFFCD"/>
+            </a:solidFill>
+            <a:ln w="12700">
+              <a:solidFill>
+                <a:srgbClr val="5C859D"/>
+              </a:solidFill>
+            </a:ln>
+          </p:spPr>
+          <p:style>
+            <a:lnRef idx="2">
+              <a:schemeClr val="accent1">
+                <a:shade val="50000"/>
+              </a:schemeClr>
+            </a:lnRef>
+            <a:fillRef idx="1">
+              <a:schemeClr val="accent1"/>
+            </a:fillRef>
+            <a:effectRef idx="0">
+              <a:schemeClr val="accent1"/>
+            </a:effectRef>
+            <a:fontRef idx="minor">
+              <a:schemeClr val="lt1"/>
+            </a:fontRef>
+          </p:style>
+          <p:txBody>
+            <a:bodyPr lIns="36000" tIns="36000" rIns="36000" bIns="36000" rtlCol="0" anchor="t">
+              <a:normAutofit/>
+            </a:bodyPr>
+            <a:lstStyle/>
+            <a:p>
+              <a:pPr algn="ctr"/>
+              <a:endParaRPr lang="de-CH" sz="1100" dirty="0" smtClean="0">
+                <a:solidFill>
+                  <a:schemeClr val="tx2"/>
+                </a:solidFill>
+              </a:endParaRPr>
+            </a:p>
+          </p:txBody>
+        </p:sp>
+        <p:sp>
+          <p:nvSpPr>
+            <p:cNvPr id="65" name="Textfeld 64"/>
+            <p:cNvSpPr txBox="1"/>
+            <p:nvPr/>
+          </p:nvSpPr>
+          <p:spPr>
+            <a:xfrm>
+              <a:off x="965257" y="2076198"/>
+              <a:ext cx="2213186" cy="981681"/>
+            </a:xfrm>
+            <a:prstGeom prst="rect">
+              <a:avLst/>
+            </a:prstGeom>
+            <a:noFill/>
+          </p:spPr>
+          <p:txBody>
+            <a:bodyPr wrap="none" rtlCol="0">
+              <a:spAutoFit/>
+            </a:bodyPr>
+            <a:lstStyle/>
+            <a:p>
+              <a:pPr algn="ctr"/>
+              <a:r>
+                <a:rPr lang="de-CH" sz="1100" u="dashLong" dirty="0">
+                  <a:solidFill>
+                    <a:schemeClr val="tx2"/>
+                  </a:solidFill>
+                </a:rPr>
+                <a:t>&lt;</a:t>
+              </a:r>
+              <a:r>
+                <a:rPr lang="de-CH" sz="1100" u="dashLong" dirty="0" err="1">
+                  <a:solidFill>
+                    <a:schemeClr val="tx2"/>
+                  </a:solidFill>
+                </a:rPr>
+                <a:t>id</a:t>
+              </a:r>
+              <a:r>
+                <a:rPr lang="de-CH" sz="1100" u="dashLong" dirty="0">
+                  <a:solidFill>
+                    <a:schemeClr val="tx2"/>
+                  </a:solidFill>
+                </a:rPr>
+                <a:t>&gt;</a:t>
+              </a:r>
+            </a:p>
+            <a:p>
+              <a:pPr algn="ctr"/>
+              <a:r>
+                <a:rPr lang="de-CH" sz="1100" u="dashLong" dirty="0">
+                  <a:solidFill>
+                    <a:schemeClr val="tx2"/>
+                  </a:solidFill>
+                </a:rPr>
+                <a:t>&lt;</a:t>
+              </a:r>
+              <a:r>
+                <a:rPr lang="de-CH" sz="1100" u="dashLong" dirty="0" err="1">
+                  <a:solidFill>
+                    <a:schemeClr val="tx2"/>
+                  </a:solidFill>
+                </a:rPr>
+                <a:t>conclusion</a:t>
+              </a:r>
+              <a:r>
+                <a:rPr lang="de-CH" sz="1100" u="dashLong" dirty="0">
+                  <a:solidFill>
+                    <a:schemeClr val="tx2"/>
+                  </a:solidFill>
+                </a:rPr>
+                <a:t>&gt;</a:t>
+              </a:r>
+            </a:p>
+            <a:p>
+              <a:pPr algn="ctr"/>
+              <a:r>
+                <a:rPr lang="de-CH" sz="1100" u="dashLong" dirty="0">
+                  <a:solidFill>
+                    <a:schemeClr val="tx2"/>
+                  </a:solidFill>
+                </a:rPr>
+                <a:t>&lt;</a:t>
+              </a:r>
+              <a:r>
+                <a:rPr lang="de-CH" sz="1100" u="dashLong" dirty="0" err="1">
+                  <a:solidFill>
+                    <a:schemeClr val="tx2"/>
+                  </a:solidFill>
+                </a:rPr>
+                <a:t>list</a:t>
+              </a:r>
+              <a:r>
+                <a:rPr lang="de-CH" sz="1100" u="dashLong" dirty="0">
+                  <a:solidFill>
+                    <a:schemeClr val="tx2"/>
+                  </a:solidFill>
+                </a:rPr>
+                <a:t> </a:t>
+              </a:r>
+              <a:r>
+                <a:rPr lang="de-CH" sz="1100" u="dashLong" dirty="0" err="1">
+                  <a:solidFill>
+                    <a:schemeClr val="tx2"/>
+                  </a:solidFill>
+                </a:rPr>
+                <a:t>of</a:t>
+              </a:r>
+              <a:r>
+                <a:rPr lang="de-CH" sz="1100" u="dashLong" dirty="0">
+                  <a:solidFill>
+                    <a:schemeClr val="tx2"/>
+                  </a:solidFill>
+                </a:rPr>
+                <a:t> </a:t>
+              </a:r>
+              <a:r>
+                <a:rPr lang="de-CH" sz="1100" u="dashLong" dirty="0" err="1">
+                  <a:solidFill>
+                    <a:schemeClr val="tx2"/>
+                  </a:solidFill>
+                </a:rPr>
+                <a:t>conditions</a:t>
+              </a:r>
+              <a:r>
+                <a:rPr lang="de-CH" sz="1100" u="dashLong" dirty="0">
+                  <a:solidFill>
+                    <a:schemeClr val="tx2"/>
+                  </a:solidFill>
+                </a:rPr>
+                <a:t>&gt;</a:t>
+              </a:r>
+            </a:p>
+          </p:txBody>
+        </p:sp>
+      </p:grpSp>
+    </p:spTree>
+    <p:extLst>
+      <p:ext uri="{BB962C8B-B14F-4D97-AF65-F5344CB8AC3E}">
+        <p14:creationId xmlns:p14="http://schemas.microsoft.com/office/powerpoint/2010/main" val="2681390773"/>
+      </p:ext>
+    </p:extLst>
+  </p:cSld>
+  <p:clrMapOvr>
+    <a:masterClrMapping/>
+  </p:clrMapOvr>
+  <p:transition xmlns:p14="http://schemas.microsoft.com/office/powerpoint/2010/main">
+    <p:fade/>
+  </p:transition>
+</p:sld>
+</file>
+
+<file path=ppt/slides/slide12.xml><?xml version="1.0" encoding="utf-8"?>
+<p:sld xmlns:a="http://schemas.openxmlformats.org/drawingml/2006/main" xmlns:r="http://schemas.openxmlformats.org/officeDocument/2006/relationships" xmlns:p="http://schemas.openxmlformats.org/presentationml/2006/main">
+  <p:cSld>
+    <p:spTree>
+      <p:nvGrpSpPr>
+        <p:cNvPr id="1" name=""/>
+        <p:cNvGrpSpPr/>
+        <p:nvPr/>
+      </p:nvGrpSpPr>
+      <p:grpSpPr>
+        <a:xfrm>
+          <a:off x="0" y="0"/>
+          <a:ext cx="0" cy="0"/>
+          <a:chOff x="0" y="0"/>
+          <a:chExt cx="0" cy="0"/>
+        </a:xfrm>
+      </p:grpSpPr>
       <p:grpSp>
         <p:nvGrpSpPr>
           <p:cNvPr id="2" name="Gruppierung 1"/>
@@ -7555,11 +11505,6 @@
                   </a:rPr>
                   <a:t>&gt;</a:t>
                 </a:r>
-                <a:endParaRPr lang="de-CH" sz="1100" u="dashLong" dirty="0">
-                  <a:solidFill>
-                    <a:schemeClr val="tx2"/>
-                  </a:solidFill>
-                </a:endParaRPr>
               </a:p>
             </p:txBody>
           </p:sp>
@@ -7797,6 +11742,304 @@
           <a:chExt cx="0" cy="0"/>
         </a:xfrm>
       </p:grpSpPr>
+      <p:sp>
+        <p:nvSpPr>
+          <p:cNvPr id="2" name="Titel 1"/>
+          <p:cNvSpPr>
+            <a:spLocks noGrp="1"/>
+          </p:cNvSpPr>
+          <p:nvPr>
+            <p:ph type="title"/>
+          </p:nvPr>
+        </p:nvSpPr>
+        <p:spPr/>
+        <p:txBody>
+          <a:bodyPr/>
+          <a:lstStyle/>
+          <a:p>
+            <a:endParaRPr lang="de-DE"/>
+          </a:p>
+        </p:txBody>
+      </p:sp>
+      <p:sp>
+        <p:nvSpPr>
+          <p:cNvPr id="3" name="Foliennummernplatzhalter 2"/>
+          <p:cNvSpPr>
+            <a:spLocks noGrp="1"/>
+          </p:cNvSpPr>
+          <p:nvPr>
+            <p:ph type="sldNum" sz="quarter" idx="11"/>
+          </p:nvPr>
+        </p:nvSpPr>
+        <p:spPr/>
+        <p:txBody>
+          <a:bodyPr/>
+          <a:lstStyle/>
+          <a:p>
+            <a:fld id="{3801209A-EBCB-4229-9A21-B7869465F47A}" type="slidenum">
+              <a:rPr lang="de-CH" smtClean="0"/>
+              <a:pPr/>
+              <a:t>2</a:t>
+            </a:fld>
+            <a:r>
+              <a:rPr lang="de-CH" smtClean="0"/>
+              <a:t>   |  </a:t>
+            </a:r>
+            <a:endParaRPr lang="de-CH" dirty="0"/>
+          </a:p>
+        </p:txBody>
+      </p:sp>
+      <p:sp>
+        <p:nvSpPr>
+          <p:cNvPr id="4" name="Fußzeilenplatzhalter 3"/>
+          <p:cNvSpPr>
+            <a:spLocks noGrp="1"/>
+          </p:cNvSpPr>
+          <p:nvPr>
+            <p:ph type="ftr" sz="quarter" idx="12"/>
+          </p:nvPr>
+        </p:nvSpPr>
+        <p:spPr/>
+        <p:txBody>
+          <a:bodyPr/>
+          <a:lstStyle/>
+          <a:p>
+            <a:r>
+              <a:rPr lang="de-CH" smtClean="0"/>
+              <a:t>Geschäftsereignis, Wilfried Kurth, Enterprise Architecture</a:t>
+            </a:r>
+            <a:endParaRPr lang="de-CH" dirty="0"/>
+          </a:p>
+        </p:txBody>
+      </p:sp>
+      <p:sp>
+        <p:nvSpPr>
+          <p:cNvPr id="5" name="Textplatzhalter 4"/>
+          <p:cNvSpPr>
+            <a:spLocks noGrp="1"/>
+          </p:cNvSpPr>
+          <p:nvPr>
+            <p:ph type="body" sz="quarter" idx="13"/>
+          </p:nvPr>
+        </p:nvSpPr>
+        <p:spPr/>
+        <p:txBody>
+          <a:bodyPr/>
+          <a:lstStyle/>
+          <a:p>
+            <a:endParaRPr lang="de-DE"/>
+          </a:p>
+        </p:txBody>
+      </p:sp>
+      <p:pic>
+        <p:nvPicPr>
+          <p:cNvPr id="18" name="Inhaltsplatzhalter 17" descr="Screenshot 2015-08-11 01.34.53.png"/>
+          <p:cNvPicPr>
+            <a:picLocks noGrp="1" noChangeAspect="1"/>
+          </p:cNvPicPr>
+          <p:nvPr>
+            <p:ph sz="quarter" idx="15"/>
+          </p:nvPr>
+        </p:nvPicPr>
+        <p:blipFill>
+          <a:blip r:embed="rId2">
+            <a:extLst>
+              <a:ext uri="{28A0092B-C50C-407E-A947-70E740481C1C}">
+                <a14:useLocalDpi xmlns:a14="http://schemas.microsoft.com/office/drawing/2010/main" val="0"/>
+              </a:ext>
+            </a:extLst>
+          </a:blip>
+          <a:srcRect l="-26853" r="-26853"/>
+          <a:stretch>
+            <a:fillRect/>
+          </a:stretch>
+        </p:blipFill>
+        <p:spPr>
+          <a:prstGeom prst="rect">
+            <a:avLst/>
+          </a:prstGeom>
+        </p:spPr>
+      </p:pic>
+    </p:spTree>
+    <p:extLst>
+      <p:ext uri="{BB962C8B-B14F-4D97-AF65-F5344CB8AC3E}">
+        <p14:creationId xmlns:p14="http://schemas.microsoft.com/office/powerpoint/2010/main" val="397404469"/>
+      </p:ext>
+    </p:extLst>
+  </p:cSld>
+  <p:clrMapOvr>
+    <a:masterClrMapping/>
+  </p:clrMapOvr>
+  <p:transition xmlns:p14="http://schemas.microsoft.com/office/powerpoint/2010/main">
+    <p:fade/>
+  </p:transition>
+</p:sld>
+</file>
+
+<file path=ppt/slides/slide3.xml><?xml version="1.0" encoding="utf-8"?>
+<p:sld xmlns:a="http://schemas.openxmlformats.org/drawingml/2006/main" xmlns:r="http://schemas.openxmlformats.org/officeDocument/2006/relationships" xmlns:p="http://schemas.openxmlformats.org/presentationml/2006/main">
+  <p:cSld>
+    <p:spTree>
+      <p:nvGrpSpPr>
+        <p:cNvPr id="1" name=""/>
+        <p:cNvGrpSpPr/>
+        <p:nvPr/>
+      </p:nvGrpSpPr>
+      <p:grpSpPr>
+        <a:xfrm>
+          <a:off x="0" y="0"/>
+          <a:ext cx="0" cy="0"/>
+          <a:chOff x="0" y="0"/>
+          <a:chExt cx="0" cy="0"/>
+        </a:xfrm>
+      </p:grpSpPr>
+      <p:sp>
+        <p:nvSpPr>
+          <p:cNvPr id="2" name="Titel 1"/>
+          <p:cNvSpPr>
+            <a:spLocks noGrp="1"/>
+          </p:cNvSpPr>
+          <p:nvPr>
+            <p:ph type="title"/>
+          </p:nvPr>
+        </p:nvSpPr>
+        <p:spPr/>
+        <p:txBody>
+          <a:bodyPr/>
+          <a:lstStyle/>
+          <a:p>
+            <a:endParaRPr lang="de-DE"/>
+          </a:p>
+        </p:txBody>
+      </p:sp>
+      <p:sp>
+        <p:nvSpPr>
+          <p:cNvPr id="3" name="Foliennummernplatzhalter 2"/>
+          <p:cNvSpPr>
+            <a:spLocks noGrp="1"/>
+          </p:cNvSpPr>
+          <p:nvPr>
+            <p:ph type="sldNum" sz="quarter" idx="11"/>
+          </p:nvPr>
+        </p:nvSpPr>
+        <p:spPr/>
+        <p:txBody>
+          <a:bodyPr/>
+          <a:lstStyle/>
+          <a:p>
+            <a:fld id="{3801209A-EBCB-4229-9A21-B7869465F47A}" type="slidenum">
+              <a:rPr lang="de-CH" smtClean="0"/>
+              <a:pPr/>
+              <a:t>3</a:t>
+            </a:fld>
+            <a:r>
+              <a:rPr lang="de-CH" smtClean="0"/>
+              <a:t>   |  </a:t>
+            </a:r>
+            <a:endParaRPr lang="de-CH" dirty="0"/>
+          </a:p>
+        </p:txBody>
+      </p:sp>
+      <p:sp>
+        <p:nvSpPr>
+          <p:cNvPr id="4" name="Fußzeilenplatzhalter 3"/>
+          <p:cNvSpPr>
+            <a:spLocks noGrp="1"/>
+          </p:cNvSpPr>
+          <p:nvPr>
+            <p:ph type="ftr" sz="quarter" idx="12"/>
+          </p:nvPr>
+        </p:nvSpPr>
+        <p:spPr/>
+        <p:txBody>
+          <a:bodyPr/>
+          <a:lstStyle/>
+          <a:p>
+            <a:r>
+              <a:rPr lang="de-CH" smtClean="0"/>
+              <a:t>Geschäftsereignis, Wilfried Kurth, Enterprise Architecture</a:t>
+            </a:r>
+            <a:endParaRPr lang="de-CH" dirty="0"/>
+          </a:p>
+        </p:txBody>
+      </p:sp>
+      <p:sp>
+        <p:nvSpPr>
+          <p:cNvPr id="5" name="Textplatzhalter 4"/>
+          <p:cNvSpPr>
+            <a:spLocks noGrp="1"/>
+          </p:cNvSpPr>
+          <p:nvPr>
+            <p:ph type="body" sz="quarter" idx="13"/>
+          </p:nvPr>
+        </p:nvSpPr>
+        <p:spPr/>
+        <p:txBody>
+          <a:bodyPr/>
+          <a:lstStyle/>
+          <a:p>
+            <a:endParaRPr lang="de-DE"/>
+          </a:p>
+        </p:txBody>
+      </p:sp>
+      <p:pic>
+        <p:nvPicPr>
+          <p:cNvPr id="7" name="Inhaltsplatzhalter 6" descr="Screenshot 2015-08-11 01.13.10.png"/>
+          <p:cNvPicPr>
+            <a:picLocks noGrp="1" noChangeAspect="1"/>
+          </p:cNvPicPr>
+          <p:nvPr>
+            <p:ph sz="quarter" idx="15"/>
+          </p:nvPr>
+        </p:nvPicPr>
+        <p:blipFill>
+          <a:blip r:embed="rId2">
+            <a:extLst>
+              <a:ext uri="{28A0092B-C50C-407E-A947-70E740481C1C}">
+                <a14:useLocalDpi xmlns:a14="http://schemas.microsoft.com/office/drawing/2010/main" val="0"/>
+              </a:ext>
+            </a:extLst>
+          </a:blip>
+          <a:srcRect t="-12881" b="-12881"/>
+          <a:stretch>
+            <a:fillRect/>
+          </a:stretch>
+        </p:blipFill>
+        <p:spPr/>
+      </p:pic>
+    </p:spTree>
+    <p:extLst>
+      <p:ext uri="{BB962C8B-B14F-4D97-AF65-F5344CB8AC3E}">
+        <p14:creationId xmlns:p14="http://schemas.microsoft.com/office/powerpoint/2010/main" val="1919198532"/>
+      </p:ext>
+    </p:extLst>
+  </p:cSld>
+  <p:clrMapOvr>
+    <a:masterClrMapping/>
+  </p:clrMapOvr>
+  <p:transition xmlns:p14="http://schemas.microsoft.com/office/powerpoint/2010/main">
+    <p:fade/>
+  </p:transition>
+</p:sld>
+</file>
+
+<file path=ppt/slides/slide4.xml><?xml version="1.0" encoding="utf-8"?>
+<p:sld xmlns:a="http://schemas.openxmlformats.org/drawingml/2006/main" xmlns:r="http://schemas.openxmlformats.org/officeDocument/2006/relationships" xmlns:p="http://schemas.openxmlformats.org/presentationml/2006/main">
+  <p:cSld>
+    <p:spTree>
+      <p:nvGrpSpPr>
+        <p:cNvPr id="1" name=""/>
+        <p:cNvGrpSpPr/>
+        <p:nvPr/>
+      </p:nvGrpSpPr>
+      <p:grpSpPr>
+        <a:xfrm>
+          <a:off x="0" y="0"/>
+          <a:ext cx="0" cy="0"/>
+          <a:chOff x="0" y="0"/>
+          <a:chExt cx="0" cy="0"/>
+        </a:xfrm>
+      </p:grpSpPr>
       <p:grpSp>
         <p:nvGrpSpPr>
           <p:cNvPr id="7" name="Gruppieren 13"/>
@@ -9708,7 +13951,7 @@
 </p:sld>
 </file>
 
-<file path=ppt/slides/slide3.xml><?xml version="1.0" encoding="utf-8"?>
+<file path=ppt/slides/slide5.xml><?xml version="1.0" encoding="utf-8"?>
 <p:sld xmlns:a="http://schemas.openxmlformats.org/drawingml/2006/main" xmlns:r="http://schemas.openxmlformats.org/officeDocument/2006/relationships" xmlns:p="http://schemas.openxmlformats.org/presentationml/2006/main">
   <p:cSld>
     <p:spTree>
@@ -11294,7 +15537,7 @@
 </p:sld>
 </file>
 
-<file path=ppt/slides/slide4.xml><?xml version="1.0" encoding="utf-8"?>
+<file path=ppt/slides/slide6.xml><?xml version="1.0" encoding="utf-8"?>
 <p:sld xmlns:a="http://schemas.openxmlformats.org/drawingml/2006/main" xmlns:r="http://schemas.openxmlformats.org/officeDocument/2006/relationships" xmlns:p="http://schemas.openxmlformats.org/presentationml/2006/main">
   <p:cSld>
     <p:spTree>
@@ -12510,7 +16753,7 @@
 </p:sld>
 </file>
 
-<file path=ppt/slides/slide5.xml><?xml version="1.0" encoding="utf-8"?>
+<file path=ppt/slides/slide7.xml><?xml version="1.0" encoding="utf-8"?>
 <p:sld xmlns:a="http://schemas.openxmlformats.org/drawingml/2006/main" xmlns:r="http://schemas.openxmlformats.org/officeDocument/2006/relationships" xmlns:p="http://schemas.openxmlformats.org/presentationml/2006/main">
   <p:cSld>
     <p:spTree>
@@ -13996,7 +18239,7 @@
 </p:sld>
 </file>
 
-<file path=ppt/slides/slide6.xml><?xml version="1.0" encoding="utf-8"?>
+<file path=ppt/slides/slide8.xml><?xml version="1.0" encoding="utf-8"?>
 <p:sld xmlns:a="http://schemas.openxmlformats.org/drawingml/2006/main" xmlns:r="http://schemas.openxmlformats.org/officeDocument/2006/relationships" xmlns:p="http://schemas.openxmlformats.org/presentationml/2006/main">
   <p:cSld>
     <p:spTree>
@@ -16022,7 +20265,7 @@
 </p:sld>
 </file>
 
-<file path=ppt/slides/slide7.xml><?xml version="1.0" encoding="utf-8"?>
+<file path=ppt/slides/slide9.xml><?xml version="1.0" encoding="utf-8"?>
 <p:sld xmlns:a="http://schemas.openxmlformats.org/drawingml/2006/main" xmlns:r="http://schemas.openxmlformats.org/officeDocument/2006/relationships" xmlns:p="http://schemas.openxmlformats.org/presentationml/2006/main">
   <p:cSld>
     <p:spTree>
@@ -18301,3969 +22544,6 @@
     <p:extLst>
       <p:ext uri="{BB962C8B-B14F-4D97-AF65-F5344CB8AC3E}">
         <p14:creationId xmlns:p14="http://schemas.microsoft.com/office/powerpoint/2010/main" val="3083672795"/>
-      </p:ext>
-    </p:extLst>
-  </p:cSld>
-  <p:clrMapOvr>
-    <a:masterClrMapping/>
-  </p:clrMapOvr>
-  <p:transition xmlns:p14="http://schemas.microsoft.com/office/powerpoint/2010/main">
-    <p:fade/>
-  </p:transition>
-</p:sld>
-</file>
-
-<file path=ppt/slides/slide8.xml><?xml version="1.0" encoding="utf-8"?>
-<p:sld xmlns:a="http://schemas.openxmlformats.org/drawingml/2006/main" xmlns:r="http://schemas.openxmlformats.org/officeDocument/2006/relationships" xmlns:p="http://schemas.openxmlformats.org/presentationml/2006/main">
-  <p:cSld>
-    <p:spTree>
-      <p:nvGrpSpPr>
-        <p:cNvPr id="1" name=""/>
-        <p:cNvGrpSpPr/>
-        <p:nvPr/>
-      </p:nvGrpSpPr>
-      <p:grpSpPr>
-        <a:xfrm>
-          <a:off x="0" y="0"/>
-          <a:ext cx="0" cy="0"/>
-          <a:chOff x="0" y="0"/>
-          <a:chExt cx="0" cy="0"/>
-        </a:xfrm>
-      </p:grpSpPr>
-      <p:sp>
-        <p:nvSpPr>
-          <p:cNvPr id="55" name="Achteck 54"/>
-          <p:cNvSpPr>
-            <a:spLocks/>
-          </p:cNvSpPr>
-          <p:nvPr/>
-        </p:nvSpPr>
-        <p:spPr>
-          <a:xfrm>
-            <a:off x="4636209" y="93837"/>
-            <a:ext cx="1223026" cy="1224000"/>
-          </a:xfrm>
-          <a:prstGeom prst="octagon">
-            <a:avLst>
-              <a:gd name="adj" fmla="val 28913"/>
-            </a:avLst>
-          </a:prstGeom>
-          <a:solidFill>
-            <a:srgbClr val="CDFFFF"/>
-          </a:solidFill>
-          <a:ln w="12700">
-            <a:solidFill>
-              <a:srgbClr val="5C859D"/>
-            </a:solidFill>
-          </a:ln>
-        </p:spPr>
-        <p:style>
-          <a:lnRef idx="2">
-            <a:schemeClr val="accent1">
-              <a:shade val="50000"/>
-            </a:schemeClr>
-          </a:lnRef>
-          <a:fillRef idx="1">
-            <a:schemeClr val="accent1"/>
-          </a:fillRef>
-          <a:effectRef idx="0">
-            <a:schemeClr val="accent1"/>
-          </a:effectRef>
-          <a:fontRef idx="minor">
-            <a:schemeClr val="lt1"/>
-          </a:fontRef>
-        </p:style>
-        <p:txBody>
-          <a:bodyPr lIns="0" tIns="36000" rIns="0" bIns="36000" rtlCol="0" anchor="ctr">
-            <a:normAutofit/>
-          </a:bodyPr>
-          <a:lstStyle/>
-          <a:p>
-            <a:pPr algn="ctr"/>
-            <a:r>
-              <a:rPr lang="de-CH" sz="1050" dirty="0" smtClean="0">
-                <a:solidFill>
-                  <a:schemeClr val="tx2"/>
-                </a:solidFill>
-              </a:rPr>
-              <a:t>&lt;</a:t>
-            </a:r>
-            <a:r>
-              <a:rPr lang="de-CH" sz="1050" dirty="0" err="1" smtClean="0">
-                <a:solidFill>
-                  <a:schemeClr val="tx2"/>
-                </a:solidFill>
-              </a:rPr>
-              <a:t>id</a:t>
-            </a:r>
-            <a:r>
-              <a:rPr lang="de-CH" sz="1050" dirty="0" smtClean="0">
-                <a:solidFill>
-                  <a:schemeClr val="tx2"/>
-                </a:solidFill>
-              </a:rPr>
-              <a:t>&gt;</a:t>
-            </a:r>
-          </a:p>
-          <a:p>
-            <a:pPr algn="ctr"/>
-            <a:r>
-              <a:rPr lang="de-CH" sz="1050" dirty="0" smtClean="0">
-                <a:solidFill>
-                  <a:schemeClr val="tx2"/>
-                </a:solidFill>
-              </a:rPr>
-              <a:t>&lt;</a:t>
-            </a:r>
-            <a:r>
-              <a:rPr lang="de-CH" sz="1050" dirty="0" err="1" smtClean="0">
-                <a:solidFill>
-                  <a:schemeClr val="tx2"/>
-                </a:solidFill>
-              </a:rPr>
-              <a:t>name</a:t>
-            </a:r>
-            <a:r>
-              <a:rPr lang="de-CH" sz="1050" dirty="0" smtClean="0">
-                <a:solidFill>
-                  <a:schemeClr val="tx2"/>
-                </a:solidFill>
-              </a:rPr>
-              <a:t>&gt;</a:t>
-            </a:r>
-          </a:p>
-        </p:txBody>
-      </p:sp>
-      <p:grpSp>
-        <p:nvGrpSpPr>
-          <p:cNvPr id="61" name="Gruppieren 13"/>
-          <p:cNvGrpSpPr/>
-          <p:nvPr/>
-        </p:nvGrpSpPr>
-        <p:grpSpPr>
-          <a:xfrm>
-            <a:off x="1142910" y="2932194"/>
-            <a:ext cx="1996771" cy="994366"/>
-            <a:chOff x="3245794" y="2600325"/>
-            <a:chExt cx="2125903" cy="994366"/>
-          </a:xfrm>
-        </p:grpSpPr>
-        <p:sp>
-          <p:nvSpPr>
-            <p:cNvPr id="62" name="Ecken des Rechtecks auf der gleichen Seite schneiden 61"/>
-            <p:cNvSpPr/>
-            <p:nvPr/>
-          </p:nvSpPr>
-          <p:spPr>
-            <a:xfrm>
-              <a:off x="3245794" y="2600325"/>
-              <a:ext cx="2125903" cy="994366"/>
-            </a:xfrm>
-            <a:prstGeom prst="snip2SameRect">
-              <a:avLst/>
-            </a:prstGeom>
-            <a:solidFill>
-              <a:srgbClr val="CDFFCD"/>
-            </a:solidFill>
-            <a:ln w="12700">
-              <a:solidFill>
-                <a:srgbClr val="5C859D"/>
-              </a:solidFill>
-            </a:ln>
-          </p:spPr>
-          <p:style>
-            <a:lnRef idx="2">
-              <a:schemeClr val="accent1">
-                <a:shade val="50000"/>
-              </a:schemeClr>
-            </a:lnRef>
-            <a:fillRef idx="1">
-              <a:schemeClr val="accent1"/>
-            </a:fillRef>
-            <a:effectRef idx="0">
-              <a:schemeClr val="accent1"/>
-            </a:effectRef>
-            <a:fontRef idx="minor">
-              <a:schemeClr val="lt1"/>
-            </a:fontRef>
-          </p:style>
-          <p:txBody>
-            <a:bodyPr lIns="36000" tIns="36000" rIns="36000" bIns="36000" rtlCol="0" anchor="t">
-              <a:normAutofit/>
-            </a:bodyPr>
-            <a:lstStyle/>
-            <a:p>
-              <a:pPr algn="ctr"/>
-              <a:endParaRPr lang="de-CH" sz="1100" dirty="0" smtClean="0">
-                <a:solidFill>
-                  <a:schemeClr val="tx2"/>
-                </a:solidFill>
-              </a:endParaRPr>
-            </a:p>
-          </p:txBody>
-        </p:sp>
-        <p:sp>
-          <p:nvSpPr>
-            <p:cNvPr id="63" name="Textfeld 62"/>
-            <p:cNvSpPr txBox="1"/>
-            <p:nvPr/>
-          </p:nvSpPr>
-          <p:spPr>
-            <a:xfrm>
-              <a:off x="3353952" y="2600325"/>
-              <a:ext cx="1909603" cy="769441"/>
-            </a:xfrm>
-            <a:prstGeom prst="rect">
-              <a:avLst/>
-            </a:prstGeom>
-            <a:noFill/>
-          </p:spPr>
-          <p:txBody>
-            <a:bodyPr wrap="none" rtlCol="0">
-              <a:spAutoFit/>
-            </a:bodyPr>
-            <a:lstStyle/>
-            <a:p>
-              <a:pPr algn="ctr"/>
-              <a:r>
-                <a:rPr lang="de-CH" sz="1100" u="dashLong" dirty="0" smtClean="0">
-                  <a:solidFill>
-                    <a:schemeClr val="tx2"/>
-                  </a:solidFill>
-                </a:rPr>
-                <a:t>&lt;</a:t>
-              </a:r>
-              <a:r>
-                <a:rPr lang="de-CH" sz="1100" u="dashLong" dirty="0" err="1" smtClean="0">
-                  <a:solidFill>
-                    <a:schemeClr val="tx2"/>
-                  </a:solidFill>
-                </a:rPr>
-                <a:t>id</a:t>
-              </a:r>
-              <a:r>
-                <a:rPr lang="de-CH" sz="1100" u="dashLong" dirty="0" smtClean="0">
-                  <a:solidFill>
-                    <a:schemeClr val="tx2"/>
-                  </a:solidFill>
-                </a:rPr>
-                <a:t>&gt;</a:t>
-              </a:r>
-            </a:p>
-            <a:p>
-              <a:pPr algn="ctr"/>
-              <a:r>
-                <a:rPr lang="de-CH" sz="1100" u="dashLong" dirty="0" smtClean="0">
-                  <a:solidFill>
-                    <a:schemeClr val="tx2"/>
-                  </a:solidFill>
-                </a:rPr>
-                <a:t>&lt;</a:t>
-              </a:r>
-              <a:r>
-                <a:rPr lang="de-CH" sz="1100" u="dashLong" dirty="0" err="1" smtClean="0">
-                  <a:solidFill>
-                    <a:schemeClr val="tx2"/>
-                  </a:solidFill>
-                </a:rPr>
-                <a:t>conclusion</a:t>
-              </a:r>
-              <a:r>
-                <a:rPr lang="de-CH" sz="1100" u="dashLong" dirty="0" smtClean="0">
-                  <a:solidFill>
-                    <a:schemeClr val="tx2"/>
-                  </a:solidFill>
-                </a:rPr>
-                <a:t>&gt;</a:t>
-              </a:r>
-            </a:p>
-            <a:p>
-              <a:pPr algn="ctr"/>
-              <a:endParaRPr lang="de-CH" sz="1100" u="dashLong" dirty="0">
-                <a:solidFill>
-                  <a:schemeClr val="tx2"/>
-                </a:solidFill>
-              </a:endParaRPr>
-            </a:p>
-            <a:p>
-              <a:pPr algn="ctr"/>
-              <a:r>
-                <a:rPr lang="de-CH" sz="1100" u="dashLong" dirty="0" smtClean="0">
-                  <a:solidFill>
-                    <a:schemeClr val="tx2"/>
-                  </a:solidFill>
-                </a:rPr>
-                <a:t>&lt;</a:t>
-              </a:r>
-              <a:r>
-                <a:rPr lang="de-CH" sz="1100" u="dashLong" dirty="0" err="1" smtClean="0">
-                  <a:solidFill>
-                    <a:schemeClr val="tx2"/>
-                  </a:solidFill>
-                </a:rPr>
-                <a:t>list</a:t>
-              </a:r>
-              <a:r>
-                <a:rPr lang="de-CH" sz="1100" u="dashLong" dirty="0" smtClean="0">
-                  <a:solidFill>
-                    <a:schemeClr val="tx2"/>
-                  </a:solidFill>
-                </a:rPr>
-                <a:t> </a:t>
-              </a:r>
-              <a:r>
-                <a:rPr lang="de-CH" sz="1100" u="dashLong" dirty="0" err="1" smtClean="0">
-                  <a:solidFill>
-                    <a:schemeClr val="tx2"/>
-                  </a:solidFill>
-                </a:rPr>
-                <a:t>of</a:t>
-              </a:r>
-              <a:r>
-                <a:rPr lang="de-CH" sz="1100" u="dashLong" dirty="0" smtClean="0">
-                  <a:solidFill>
-                    <a:schemeClr val="tx2"/>
-                  </a:solidFill>
-                </a:rPr>
-                <a:t> </a:t>
-              </a:r>
-              <a:r>
-                <a:rPr lang="de-CH" sz="1100" u="dashLong" dirty="0" err="1" smtClean="0">
-                  <a:solidFill>
-                    <a:schemeClr val="tx2"/>
-                  </a:solidFill>
-                </a:rPr>
-                <a:t>conditions</a:t>
-              </a:r>
-              <a:r>
-                <a:rPr lang="de-CH" sz="1100" u="dashLong" dirty="0" smtClean="0">
-                  <a:solidFill>
-                    <a:schemeClr val="tx2"/>
-                  </a:solidFill>
-                </a:rPr>
-                <a:t> in </a:t>
-              </a:r>
-              <a:r>
-                <a:rPr lang="de-CH" sz="1100" u="dashLong" dirty="0" err="1" smtClean="0">
-                  <a:solidFill>
-                    <a:schemeClr val="tx2"/>
-                  </a:solidFill>
-                </a:rPr>
-                <a:t>family</a:t>
-              </a:r>
-              <a:r>
-                <a:rPr lang="de-CH" sz="1100" u="dashLong" dirty="0" smtClean="0">
-                  <a:solidFill>
-                    <a:schemeClr val="tx2"/>
-                  </a:solidFill>
-                </a:rPr>
-                <a:t>&gt;</a:t>
-              </a:r>
-              <a:endParaRPr lang="de-CH" sz="1100" u="dashLong" dirty="0">
-                <a:solidFill>
-                  <a:schemeClr val="tx2"/>
-                </a:solidFill>
-              </a:endParaRPr>
-            </a:p>
-          </p:txBody>
-        </p:sp>
-      </p:grpSp>
-      <p:cxnSp>
-        <p:nvCxnSpPr>
-          <p:cNvPr id="67" name="Gewinkelte Verbindung 66"/>
-          <p:cNvCxnSpPr>
-            <a:stCxn id="70" idx="2"/>
-            <a:endCxn id="62" idx="3"/>
-          </p:cNvCxnSpPr>
-          <p:nvPr/>
-        </p:nvCxnSpPr>
-        <p:spPr>
-          <a:xfrm rot="10800000" flipV="1">
-            <a:off x="2141297" y="2150074"/>
-            <a:ext cx="2035619" cy="782120"/>
-          </a:xfrm>
-          <a:prstGeom prst="bentConnector2">
-            <a:avLst/>
-          </a:prstGeom>
-          <a:ln>
-            <a:tailEnd type="arrow"/>
-          </a:ln>
-        </p:spPr>
-        <p:style>
-          <a:lnRef idx="2">
-            <a:schemeClr val="accent1"/>
-          </a:lnRef>
-          <a:fillRef idx="0">
-            <a:schemeClr val="accent1"/>
-          </a:fillRef>
-          <a:effectRef idx="1">
-            <a:schemeClr val="accent1"/>
-          </a:effectRef>
-          <a:fontRef idx="minor">
-            <a:schemeClr val="tx1"/>
-          </a:fontRef>
-        </p:style>
-      </p:cxnSp>
-      <p:cxnSp>
-        <p:nvCxnSpPr>
-          <p:cNvPr id="68" name="Gewinkelte Verbindung 67"/>
-          <p:cNvCxnSpPr>
-            <a:stCxn id="70" idx="0"/>
-            <a:endCxn id="32" idx="3"/>
-          </p:cNvCxnSpPr>
-          <p:nvPr/>
-        </p:nvCxnSpPr>
-        <p:spPr>
-          <a:xfrm>
-            <a:off x="6302818" y="2150074"/>
-            <a:ext cx="649516" cy="811288"/>
-          </a:xfrm>
-          <a:prstGeom prst="bentConnector2">
-            <a:avLst/>
-          </a:prstGeom>
-          <a:ln>
-            <a:tailEnd type="arrow"/>
-          </a:ln>
-        </p:spPr>
-        <p:style>
-          <a:lnRef idx="2">
-            <a:schemeClr val="accent1"/>
-          </a:lnRef>
-          <a:fillRef idx="0">
-            <a:schemeClr val="accent1"/>
-          </a:fillRef>
-          <a:effectRef idx="1">
-            <a:schemeClr val="accent1"/>
-          </a:effectRef>
-          <a:fontRef idx="minor">
-            <a:schemeClr val="tx1"/>
-          </a:fontRef>
-        </p:style>
-      </p:cxnSp>
-      <p:grpSp>
-        <p:nvGrpSpPr>
-          <p:cNvPr id="69" name="Gruppieren 13"/>
-          <p:cNvGrpSpPr/>
-          <p:nvPr/>
-        </p:nvGrpSpPr>
-        <p:grpSpPr>
-          <a:xfrm>
-            <a:off x="4176915" y="1652891"/>
-            <a:ext cx="2125903" cy="994366"/>
-            <a:chOff x="3245794" y="2600325"/>
-            <a:chExt cx="2125903" cy="994366"/>
-          </a:xfrm>
-        </p:grpSpPr>
-        <p:sp>
-          <p:nvSpPr>
-            <p:cNvPr id="70" name="Ecken des Rechtecks auf der gleichen Seite schneiden 69"/>
-            <p:cNvSpPr/>
-            <p:nvPr/>
-          </p:nvSpPr>
-          <p:spPr>
-            <a:xfrm>
-              <a:off x="3245794" y="2600325"/>
-              <a:ext cx="2125903" cy="994366"/>
-            </a:xfrm>
-            <a:prstGeom prst="snip2SameRect">
-              <a:avLst/>
-            </a:prstGeom>
-            <a:solidFill>
-              <a:srgbClr val="CDFFCD"/>
-            </a:solidFill>
-            <a:ln w="12700">
-              <a:solidFill>
-                <a:srgbClr val="5C859D"/>
-              </a:solidFill>
-            </a:ln>
-          </p:spPr>
-          <p:style>
-            <a:lnRef idx="2">
-              <a:schemeClr val="accent1">
-                <a:shade val="50000"/>
-              </a:schemeClr>
-            </a:lnRef>
-            <a:fillRef idx="1">
-              <a:schemeClr val="accent1"/>
-            </a:fillRef>
-            <a:effectRef idx="0">
-              <a:schemeClr val="accent1"/>
-            </a:effectRef>
-            <a:fontRef idx="minor">
-              <a:schemeClr val="lt1"/>
-            </a:fontRef>
-          </p:style>
-          <p:txBody>
-            <a:bodyPr lIns="36000" tIns="36000" rIns="36000" bIns="36000" rtlCol="0" anchor="t">
-              <a:normAutofit/>
-            </a:bodyPr>
-            <a:lstStyle/>
-            <a:p>
-              <a:pPr algn="ctr"/>
-              <a:endParaRPr lang="de-CH" sz="1100" dirty="0" smtClean="0">
-                <a:solidFill>
-                  <a:schemeClr val="tx2"/>
-                </a:solidFill>
-              </a:endParaRPr>
-            </a:p>
-          </p:txBody>
-        </p:sp>
-        <p:sp>
-          <p:nvSpPr>
-            <p:cNvPr id="71" name="Textfeld 70"/>
-            <p:cNvSpPr txBox="1"/>
-            <p:nvPr/>
-          </p:nvSpPr>
-          <p:spPr>
-            <a:xfrm>
-              <a:off x="3353952" y="2600325"/>
-              <a:ext cx="1909603" cy="769441"/>
-            </a:xfrm>
-            <a:prstGeom prst="rect">
-              <a:avLst/>
-            </a:prstGeom>
-            <a:noFill/>
-          </p:spPr>
-          <p:txBody>
-            <a:bodyPr wrap="none" rtlCol="0">
-              <a:spAutoFit/>
-            </a:bodyPr>
-            <a:lstStyle/>
-            <a:p>
-              <a:pPr algn="ctr"/>
-              <a:r>
-                <a:rPr lang="de-CH" sz="1100" u="dashLong" dirty="0" smtClean="0">
-                  <a:solidFill>
-                    <a:schemeClr val="tx2"/>
-                  </a:solidFill>
-                </a:rPr>
-                <a:t>&lt;</a:t>
-              </a:r>
-              <a:r>
-                <a:rPr lang="de-CH" sz="1100" u="dashLong" dirty="0" err="1" smtClean="0">
-                  <a:solidFill>
-                    <a:schemeClr val="tx2"/>
-                  </a:solidFill>
-                </a:rPr>
-                <a:t>id</a:t>
-              </a:r>
-              <a:r>
-                <a:rPr lang="de-CH" sz="1100" u="dashLong" dirty="0" smtClean="0">
-                  <a:solidFill>
-                    <a:schemeClr val="tx2"/>
-                  </a:solidFill>
-                </a:rPr>
-                <a:t>&gt;</a:t>
-              </a:r>
-            </a:p>
-            <a:p>
-              <a:pPr algn="ctr"/>
-              <a:r>
-                <a:rPr lang="de-CH" sz="1100" u="dashLong" dirty="0" smtClean="0">
-                  <a:solidFill>
-                    <a:schemeClr val="tx2"/>
-                  </a:solidFill>
-                </a:rPr>
-                <a:t>&lt;</a:t>
-              </a:r>
-              <a:r>
-                <a:rPr lang="de-CH" sz="1100" u="dashLong" dirty="0" err="1" smtClean="0">
-                  <a:solidFill>
-                    <a:schemeClr val="tx2"/>
-                  </a:solidFill>
-                </a:rPr>
-                <a:t>conclusion</a:t>
-              </a:r>
-              <a:r>
-                <a:rPr lang="de-CH" sz="1100" u="dashLong" dirty="0" smtClean="0">
-                  <a:solidFill>
-                    <a:schemeClr val="tx2"/>
-                  </a:solidFill>
-                </a:rPr>
-                <a:t>&gt;</a:t>
-              </a:r>
-            </a:p>
-            <a:p>
-              <a:pPr algn="ctr"/>
-              <a:endParaRPr lang="de-CH" sz="1100" u="dashLong" dirty="0">
-                <a:solidFill>
-                  <a:schemeClr val="tx2"/>
-                </a:solidFill>
-              </a:endParaRPr>
-            </a:p>
-            <a:p>
-              <a:pPr algn="ctr"/>
-              <a:r>
-                <a:rPr lang="de-CH" sz="1100" u="dashLong" dirty="0" smtClean="0">
-                  <a:solidFill>
-                    <a:schemeClr val="tx2"/>
-                  </a:solidFill>
-                </a:rPr>
-                <a:t>&lt;</a:t>
-              </a:r>
-              <a:r>
-                <a:rPr lang="de-CH" sz="1100" u="dashLong" dirty="0" err="1" smtClean="0">
-                  <a:solidFill>
-                    <a:schemeClr val="tx2"/>
-                  </a:solidFill>
-                </a:rPr>
-                <a:t>list</a:t>
-              </a:r>
-              <a:r>
-                <a:rPr lang="de-CH" sz="1100" u="dashLong" dirty="0" smtClean="0">
-                  <a:solidFill>
-                    <a:schemeClr val="tx2"/>
-                  </a:solidFill>
-                </a:rPr>
-                <a:t> </a:t>
-              </a:r>
-              <a:r>
-                <a:rPr lang="de-CH" sz="1100" u="dashLong" dirty="0" err="1" smtClean="0">
-                  <a:solidFill>
-                    <a:schemeClr val="tx2"/>
-                  </a:solidFill>
-                </a:rPr>
-                <a:t>of</a:t>
-              </a:r>
-              <a:r>
-                <a:rPr lang="de-CH" sz="1100" u="dashLong" dirty="0" smtClean="0">
-                  <a:solidFill>
-                    <a:schemeClr val="tx2"/>
-                  </a:solidFill>
-                </a:rPr>
-                <a:t> </a:t>
-              </a:r>
-              <a:r>
-                <a:rPr lang="de-CH" sz="1100" u="dashLong" dirty="0" err="1" smtClean="0">
-                  <a:solidFill>
-                    <a:schemeClr val="tx2"/>
-                  </a:solidFill>
-                </a:rPr>
-                <a:t>conditions</a:t>
-              </a:r>
-              <a:r>
-                <a:rPr lang="de-CH" sz="1100" u="dashLong" dirty="0" smtClean="0">
-                  <a:solidFill>
-                    <a:schemeClr val="tx2"/>
-                  </a:solidFill>
-                </a:rPr>
-                <a:t> in </a:t>
-              </a:r>
-              <a:r>
-                <a:rPr lang="de-CH" sz="1100" u="dashLong" dirty="0" err="1" smtClean="0">
-                  <a:solidFill>
-                    <a:schemeClr val="tx2"/>
-                  </a:solidFill>
-                </a:rPr>
-                <a:t>family</a:t>
-              </a:r>
-              <a:r>
-                <a:rPr lang="de-CH" sz="1100" u="dashLong" dirty="0" smtClean="0">
-                  <a:solidFill>
-                    <a:schemeClr val="tx2"/>
-                  </a:solidFill>
-                </a:rPr>
-                <a:t>&gt;</a:t>
-              </a:r>
-              <a:endParaRPr lang="de-CH" sz="1100" u="dashLong" dirty="0">
-                <a:solidFill>
-                  <a:schemeClr val="tx2"/>
-                </a:solidFill>
-              </a:endParaRPr>
-            </a:p>
-          </p:txBody>
-        </p:sp>
-      </p:grpSp>
-      <p:cxnSp>
-        <p:nvCxnSpPr>
-          <p:cNvPr id="72" name="Gerade Verbindung mit Pfeil 71"/>
-          <p:cNvCxnSpPr>
-            <a:endCxn id="71" idx="0"/>
-          </p:cNvCxnSpPr>
-          <p:nvPr/>
-        </p:nvCxnSpPr>
-        <p:spPr>
-          <a:xfrm flipH="1">
-            <a:off x="5239875" y="1305777"/>
-            <a:ext cx="864" cy="347114"/>
-          </a:xfrm>
-          <a:prstGeom prst="straightConnector1">
-            <a:avLst/>
-          </a:prstGeom>
-          <a:ln>
-            <a:tailEnd type="arrow"/>
-          </a:ln>
-        </p:spPr>
-        <p:style>
-          <a:lnRef idx="2">
-            <a:schemeClr val="accent1"/>
-          </a:lnRef>
-          <a:fillRef idx="0">
-            <a:schemeClr val="accent1"/>
-          </a:fillRef>
-          <a:effectRef idx="1">
-            <a:schemeClr val="accent1"/>
-          </a:effectRef>
-          <a:fontRef idx="minor">
-            <a:schemeClr val="tx1"/>
-          </a:fontRef>
-        </p:style>
-      </p:cxnSp>
-      <p:grpSp>
-        <p:nvGrpSpPr>
-          <p:cNvPr id="23" name="Gruppieren 13"/>
-          <p:cNvGrpSpPr/>
-          <p:nvPr/>
-        </p:nvGrpSpPr>
-        <p:grpSpPr>
-          <a:xfrm>
-            <a:off x="4642089" y="4225922"/>
-            <a:ext cx="2125903" cy="994366"/>
-            <a:chOff x="3245794" y="2600325"/>
-            <a:chExt cx="2125903" cy="994366"/>
-          </a:xfrm>
-        </p:grpSpPr>
-        <p:sp>
-          <p:nvSpPr>
-            <p:cNvPr id="24" name="Ecken des Rechtecks auf der gleichen Seite schneiden 23"/>
-            <p:cNvSpPr/>
-            <p:nvPr/>
-          </p:nvSpPr>
-          <p:spPr>
-            <a:xfrm>
-              <a:off x="3245794" y="2600325"/>
-              <a:ext cx="2125903" cy="994366"/>
-            </a:xfrm>
-            <a:prstGeom prst="snip2SameRect">
-              <a:avLst/>
-            </a:prstGeom>
-            <a:solidFill>
-              <a:srgbClr val="CDFFCD"/>
-            </a:solidFill>
-            <a:ln w="12700">
-              <a:solidFill>
-                <a:srgbClr val="5C859D"/>
-              </a:solidFill>
-            </a:ln>
-          </p:spPr>
-          <p:style>
-            <a:lnRef idx="2">
-              <a:schemeClr val="accent1">
-                <a:shade val="50000"/>
-              </a:schemeClr>
-            </a:lnRef>
-            <a:fillRef idx="1">
-              <a:schemeClr val="accent1"/>
-            </a:fillRef>
-            <a:effectRef idx="0">
-              <a:schemeClr val="accent1"/>
-            </a:effectRef>
-            <a:fontRef idx="minor">
-              <a:schemeClr val="lt1"/>
-            </a:fontRef>
-          </p:style>
-          <p:txBody>
-            <a:bodyPr lIns="36000" tIns="36000" rIns="36000" bIns="36000" rtlCol="0" anchor="t">
-              <a:normAutofit/>
-            </a:bodyPr>
-            <a:lstStyle/>
-            <a:p>
-              <a:pPr algn="ctr"/>
-              <a:endParaRPr lang="de-CH" sz="1100" dirty="0" smtClean="0">
-                <a:solidFill>
-                  <a:schemeClr val="tx2"/>
-                </a:solidFill>
-              </a:endParaRPr>
-            </a:p>
-          </p:txBody>
-        </p:sp>
-        <p:sp>
-          <p:nvSpPr>
-            <p:cNvPr id="25" name="Textfeld 24"/>
-            <p:cNvSpPr txBox="1"/>
-            <p:nvPr/>
-          </p:nvSpPr>
-          <p:spPr>
-            <a:xfrm>
-              <a:off x="3353952" y="2600325"/>
-              <a:ext cx="1909603" cy="769441"/>
-            </a:xfrm>
-            <a:prstGeom prst="rect">
-              <a:avLst/>
-            </a:prstGeom>
-            <a:noFill/>
-          </p:spPr>
-          <p:txBody>
-            <a:bodyPr wrap="none" rtlCol="0">
-              <a:spAutoFit/>
-            </a:bodyPr>
-            <a:lstStyle/>
-            <a:p>
-              <a:pPr algn="ctr"/>
-              <a:r>
-                <a:rPr lang="de-CH" sz="1100" u="dashLong" dirty="0" smtClean="0">
-                  <a:solidFill>
-                    <a:schemeClr val="tx2"/>
-                  </a:solidFill>
-                </a:rPr>
-                <a:t>&lt;</a:t>
-              </a:r>
-              <a:r>
-                <a:rPr lang="de-CH" sz="1100" u="dashLong" dirty="0" err="1" smtClean="0">
-                  <a:solidFill>
-                    <a:schemeClr val="tx2"/>
-                  </a:solidFill>
-                </a:rPr>
-                <a:t>id</a:t>
-              </a:r>
-              <a:r>
-                <a:rPr lang="de-CH" sz="1100" u="dashLong" dirty="0" smtClean="0">
-                  <a:solidFill>
-                    <a:schemeClr val="tx2"/>
-                  </a:solidFill>
-                </a:rPr>
-                <a:t>&gt;</a:t>
-              </a:r>
-            </a:p>
-            <a:p>
-              <a:pPr algn="ctr"/>
-              <a:r>
-                <a:rPr lang="de-CH" sz="1100" u="dashLong" dirty="0" smtClean="0">
-                  <a:solidFill>
-                    <a:schemeClr val="tx2"/>
-                  </a:solidFill>
-                </a:rPr>
-                <a:t>&lt;</a:t>
-              </a:r>
-              <a:r>
-                <a:rPr lang="de-CH" sz="1100" u="dashLong" dirty="0" err="1" smtClean="0">
-                  <a:solidFill>
-                    <a:schemeClr val="tx2"/>
-                  </a:solidFill>
-                </a:rPr>
-                <a:t>conclusion</a:t>
-              </a:r>
-              <a:r>
-                <a:rPr lang="de-CH" sz="1100" u="dashLong" dirty="0" smtClean="0">
-                  <a:solidFill>
-                    <a:schemeClr val="tx2"/>
-                  </a:solidFill>
-                </a:rPr>
-                <a:t>&gt;</a:t>
-              </a:r>
-            </a:p>
-            <a:p>
-              <a:pPr algn="ctr"/>
-              <a:endParaRPr lang="de-CH" sz="1100" u="dashLong" dirty="0">
-                <a:solidFill>
-                  <a:schemeClr val="tx2"/>
-                </a:solidFill>
-              </a:endParaRPr>
-            </a:p>
-            <a:p>
-              <a:pPr algn="ctr"/>
-              <a:r>
-                <a:rPr lang="de-CH" sz="1100" u="dashLong" dirty="0" smtClean="0">
-                  <a:solidFill>
-                    <a:schemeClr val="tx2"/>
-                  </a:solidFill>
-                </a:rPr>
-                <a:t>&lt;</a:t>
-              </a:r>
-              <a:r>
-                <a:rPr lang="de-CH" sz="1100" u="dashLong" dirty="0" err="1" smtClean="0">
-                  <a:solidFill>
-                    <a:schemeClr val="tx2"/>
-                  </a:solidFill>
-                </a:rPr>
-                <a:t>list</a:t>
-              </a:r>
-              <a:r>
-                <a:rPr lang="de-CH" sz="1100" u="dashLong" dirty="0" smtClean="0">
-                  <a:solidFill>
-                    <a:schemeClr val="tx2"/>
-                  </a:solidFill>
-                </a:rPr>
-                <a:t> </a:t>
-              </a:r>
-              <a:r>
-                <a:rPr lang="de-CH" sz="1100" u="dashLong" dirty="0" err="1" smtClean="0">
-                  <a:solidFill>
-                    <a:schemeClr val="tx2"/>
-                  </a:solidFill>
-                </a:rPr>
-                <a:t>of</a:t>
-              </a:r>
-              <a:r>
-                <a:rPr lang="de-CH" sz="1100" u="dashLong" dirty="0" smtClean="0">
-                  <a:solidFill>
-                    <a:schemeClr val="tx2"/>
-                  </a:solidFill>
-                </a:rPr>
-                <a:t> </a:t>
-              </a:r>
-              <a:r>
-                <a:rPr lang="de-CH" sz="1100" u="dashLong" dirty="0" err="1" smtClean="0">
-                  <a:solidFill>
-                    <a:schemeClr val="tx2"/>
-                  </a:solidFill>
-                </a:rPr>
-                <a:t>conditions</a:t>
-              </a:r>
-              <a:r>
-                <a:rPr lang="de-CH" sz="1100" u="dashLong" dirty="0" smtClean="0">
-                  <a:solidFill>
-                    <a:schemeClr val="tx2"/>
-                  </a:solidFill>
-                </a:rPr>
-                <a:t> in </a:t>
-              </a:r>
-              <a:r>
-                <a:rPr lang="de-CH" sz="1100" u="dashLong" dirty="0" err="1" smtClean="0">
-                  <a:solidFill>
-                    <a:schemeClr val="tx2"/>
-                  </a:solidFill>
-                </a:rPr>
-                <a:t>family</a:t>
-              </a:r>
-              <a:r>
-                <a:rPr lang="de-CH" sz="1100" u="dashLong" dirty="0" smtClean="0">
-                  <a:solidFill>
-                    <a:schemeClr val="tx2"/>
-                  </a:solidFill>
-                </a:rPr>
-                <a:t>&gt;</a:t>
-              </a:r>
-              <a:endParaRPr lang="de-CH" sz="1100" u="dashLong" dirty="0">
-                <a:solidFill>
-                  <a:schemeClr val="tx2"/>
-                </a:solidFill>
-              </a:endParaRPr>
-            </a:p>
-          </p:txBody>
-        </p:sp>
-      </p:grpSp>
-      <p:grpSp>
-        <p:nvGrpSpPr>
-          <p:cNvPr id="26" name="Gruppieren 13"/>
-          <p:cNvGrpSpPr/>
-          <p:nvPr/>
-        </p:nvGrpSpPr>
-        <p:grpSpPr>
-          <a:xfrm>
-            <a:off x="7145176" y="4197317"/>
-            <a:ext cx="2125903" cy="994366"/>
-            <a:chOff x="3245794" y="2600325"/>
-            <a:chExt cx="2125903" cy="994366"/>
-          </a:xfrm>
-        </p:grpSpPr>
-        <p:sp>
-          <p:nvSpPr>
-            <p:cNvPr id="27" name="Ecken des Rechtecks auf der gleichen Seite schneiden 26"/>
-            <p:cNvSpPr/>
-            <p:nvPr/>
-          </p:nvSpPr>
-          <p:spPr>
-            <a:xfrm>
-              <a:off x="3245794" y="2600325"/>
-              <a:ext cx="2125903" cy="994366"/>
-            </a:xfrm>
-            <a:prstGeom prst="snip2SameRect">
-              <a:avLst/>
-            </a:prstGeom>
-            <a:solidFill>
-              <a:srgbClr val="CDFFCD"/>
-            </a:solidFill>
-            <a:ln w="12700">
-              <a:solidFill>
-                <a:srgbClr val="5C859D"/>
-              </a:solidFill>
-            </a:ln>
-          </p:spPr>
-          <p:style>
-            <a:lnRef idx="2">
-              <a:schemeClr val="accent1">
-                <a:shade val="50000"/>
-              </a:schemeClr>
-            </a:lnRef>
-            <a:fillRef idx="1">
-              <a:schemeClr val="accent1"/>
-            </a:fillRef>
-            <a:effectRef idx="0">
-              <a:schemeClr val="accent1"/>
-            </a:effectRef>
-            <a:fontRef idx="minor">
-              <a:schemeClr val="lt1"/>
-            </a:fontRef>
-          </p:style>
-          <p:txBody>
-            <a:bodyPr lIns="36000" tIns="36000" rIns="36000" bIns="36000" rtlCol="0" anchor="t">
-              <a:normAutofit/>
-            </a:bodyPr>
-            <a:lstStyle/>
-            <a:p>
-              <a:pPr algn="ctr"/>
-              <a:endParaRPr lang="de-CH" sz="1100" dirty="0" smtClean="0">
-                <a:solidFill>
-                  <a:schemeClr val="tx2"/>
-                </a:solidFill>
-              </a:endParaRPr>
-            </a:p>
-          </p:txBody>
-        </p:sp>
-        <p:sp>
-          <p:nvSpPr>
-            <p:cNvPr id="28" name="Textfeld 27"/>
-            <p:cNvSpPr txBox="1"/>
-            <p:nvPr/>
-          </p:nvSpPr>
-          <p:spPr>
-            <a:xfrm>
-              <a:off x="3353952" y="2600325"/>
-              <a:ext cx="1909603" cy="769441"/>
-            </a:xfrm>
-            <a:prstGeom prst="rect">
-              <a:avLst/>
-            </a:prstGeom>
-            <a:noFill/>
-          </p:spPr>
-          <p:txBody>
-            <a:bodyPr wrap="none" rtlCol="0">
-              <a:spAutoFit/>
-            </a:bodyPr>
-            <a:lstStyle/>
-            <a:p>
-              <a:pPr algn="ctr"/>
-              <a:r>
-                <a:rPr lang="de-CH" sz="1100" u="dashLong" dirty="0" smtClean="0">
-                  <a:solidFill>
-                    <a:schemeClr val="tx2"/>
-                  </a:solidFill>
-                </a:rPr>
-                <a:t>&lt;</a:t>
-              </a:r>
-              <a:r>
-                <a:rPr lang="de-CH" sz="1100" u="dashLong" dirty="0" err="1" smtClean="0">
-                  <a:solidFill>
-                    <a:schemeClr val="tx2"/>
-                  </a:solidFill>
-                </a:rPr>
-                <a:t>id</a:t>
-              </a:r>
-              <a:r>
-                <a:rPr lang="de-CH" sz="1100" u="dashLong" dirty="0" smtClean="0">
-                  <a:solidFill>
-                    <a:schemeClr val="tx2"/>
-                  </a:solidFill>
-                </a:rPr>
-                <a:t>&gt;</a:t>
-              </a:r>
-            </a:p>
-            <a:p>
-              <a:pPr algn="ctr"/>
-              <a:r>
-                <a:rPr lang="de-CH" sz="1100" u="dashLong" dirty="0" smtClean="0">
-                  <a:solidFill>
-                    <a:schemeClr val="tx2"/>
-                  </a:solidFill>
-                </a:rPr>
-                <a:t>&lt;</a:t>
-              </a:r>
-              <a:r>
-                <a:rPr lang="de-CH" sz="1100" u="dashLong" dirty="0" err="1" smtClean="0">
-                  <a:solidFill>
-                    <a:schemeClr val="tx2"/>
-                  </a:solidFill>
-                </a:rPr>
-                <a:t>conclusion</a:t>
-              </a:r>
-              <a:r>
-                <a:rPr lang="de-CH" sz="1100" u="dashLong" dirty="0" smtClean="0">
-                  <a:solidFill>
-                    <a:schemeClr val="tx2"/>
-                  </a:solidFill>
-                </a:rPr>
-                <a:t>&gt;</a:t>
-              </a:r>
-            </a:p>
-            <a:p>
-              <a:pPr algn="ctr"/>
-              <a:endParaRPr lang="de-CH" sz="1100" u="dashLong" dirty="0">
-                <a:solidFill>
-                  <a:schemeClr val="tx2"/>
-                </a:solidFill>
-              </a:endParaRPr>
-            </a:p>
-            <a:p>
-              <a:pPr algn="ctr"/>
-              <a:r>
-                <a:rPr lang="de-CH" sz="1100" u="dashLong" dirty="0" smtClean="0">
-                  <a:solidFill>
-                    <a:schemeClr val="tx2"/>
-                  </a:solidFill>
-                </a:rPr>
-                <a:t>&lt;</a:t>
-              </a:r>
-              <a:r>
-                <a:rPr lang="de-CH" sz="1100" u="dashLong" dirty="0" err="1" smtClean="0">
-                  <a:solidFill>
-                    <a:schemeClr val="tx2"/>
-                  </a:solidFill>
-                </a:rPr>
-                <a:t>list</a:t>
-              </a:r>
-              <a:r>
-                <a:rPr lang="de-CH" sz="1100" u="dashLong" dirty="0" smtClean="0">
-                  <a:solidFill>
-                    <a:schemeClr val="tx2"/>
-                  </a:solidFill>
-                </a:rPr>
-                <a:t> </a:t>
-              </a:r>
-              <a:r>
-                <a:rPr lang="de-CH" sz="1100" u="dashLong" dirty="0" err="1" smtClean="0">
-                  <a:solidFill>
-                    <a:schemeClr val="tx2"/>
-                  </a:solidFill>
-                </a:rPr>
-                <a:t>of</a:t>
-              </a:r>
-              <a:r>
-                <a:rPr lang="de-CH" sz="1100" u="dashLong" dirty="0" smtClean="0">
-                  <a:solidFill>
-                    <a:schemeClr val="tx2"/>
-                  </a:solidFill>
-                </a:rPr>
-                <a:t> </a:t>
-              </a:r>
-              <a:r>
-                <a:rPr lang="de-CH" sz="1100" u="dashLong" dirty="0" err="1" smtClean="0">
-                  <a:solidFill>
-                    <a:schemeClr val="tx2"/>
-                  </a:solidFill>
-                </a:rPr>
-                <a:t>conditions</a:t>
-              </a:r>
-              <a:r>
-                <a:rPr lang="de-CH" sz="1100" u="dashLong" dirty="0" smtClean="0">
-                  <a:solidFill>
-                    <a:schemeClr val="tx2"/>
-                  </a:solidFill>
-                </a:rPr>
-                <a:t> in </a:t>
-              </a:r>
-              <a:r>
-                <a:rPr lang="de-CH" sz="1100" u="dashLong" dirty="0" err="1" smtClean="0">
-                  <a:solidFill>
-                    <a:schemeClr val="tx2"/>
-                  </a:solidFill>
-                </a:rPr>
-                <a:t>family</a:t>
-              </a:r>
-              <a:r>
-                <a:rPr lang="de-CH" sz="1100" u="dashLong" dirty="0" smtClean="0">
-                  <a:solidFill>
-                    <a:schemeClr val="tx2"/>
-                  </a:solidFill>
-                </a:rPr>
-                <a:t>&gt;</a:t>
-              </a:r>
-              <a:endParaRPr lang="de-CH" sz="1100" u="dashLong" dirty="0">
-                <a:solidFill>
-                  <a:schemeClr val="tx2"/>
-                </a:solidFill>
-              </a:endParaRPr>
-            </a:p>
-          </p:txBody>
-        </p:sp>
-      </p:grpSp>
-      <p:cxnSp>
-        <p:nvCxnSpPr>
-          <p:cNvPr id="29" name="Gewinkelte Verbindung 28"/>
-          <p:cNvCxnSpPr>
-            <a:stCxn id="32" idx="0"/>
-            <a:endCxn id="28" idx="0"/>
-          </p:cNvCxnSpPr>
-          <p:nvPr/>
-        </p:nvCxnSpPr>
-        <p:spPr>
-          <a:xfrm>
-            <a:off x="8015285" y="3458545"/>
-            <a:ext cx="192851" cy="738772"/>
-          </a:xfrm>
-          <a:prstGeom prst="bentConnector2">
-            <a:avLst/>
-          </a:prstGeom>
-          <a:ln>
-            <a:tailEnd type="arrow"/>
-          </a:ln>
-        </p:spPr>
-        <p:style>
-          <a:lnRef idx="2">
-            <a:schemeClr val="accent1"/>
-          </a:lnRef>
-          <a:fillRef idx="0">
-            <a:schemeClr val="accent1"/>
-          </a:fillRef>
-          <a:effectRef idx="1">
-            <a:schemeClr val="accent1"/>
-          </a:effectRef>
-          <a:fontRef idx="minor">
-            <a:schemeClr val="tx1"/>
-          </a:fontRef>
-        </p:style>
-      </p:cxnSp>
-      <p:cxnSp>
-        <p:nvCxnSpPr>
-          <p:cNvPr id="30" name="Gewinkelte Verbindung 29"/>
-          <p:cNvCxnSpPr>
-            <a:stCxn id="32" idx="2"/>
-            <a:endCxn id="25" idx="0"/>
-          </p:cNvCxnSpPr>
-          <p:nvPr/>
-        </p:nvCxnSpPr>
-        <p:spPr>
-          <a:xfrm rot="10800000" flipV="1">
-            <a:off x="5705050" y="3458544"/>
-            <a:ext cx="184333" cy="767377"/>
-          </a:xfrm>
-          <a:prstGeom prst="bentConnector2">
-            <a:avLst/>
-          </a:prstGeom>
-          <a:ln>
-            <a:tailEnd type="arrow"/>
-          </a:ln>
-        </p:spPr>
-        <p:style>
-          <a:lnRef idx="2">
-            <a:schemeClr val="accent1"/>
-          </a:lnRef>
-          <a:fillRef idx="0">
-            <a:schemeClr val="accent1"/>
-          </a:fillRef>
-          <a:effectRef idx="1">
-            <a:schemeClr val="accent1"/>
-          </a:effectRef>
-          <a:fontRef idx="minor">
-            <a:schemeClr val="tx1"/>
-          </a:fontRef>
-        </p:style>
-      </p:cxnSp>
-      <p:grpSp>
-        <p:nvGrpSpPr>
-          <p:cNvPr id="31" name="Gruppieren 13"/>
-          <p:cNvGrpSpPr/>
-          <p:nvPr/>
-        </p:nvGrpSpPr>
-        <p:grpSpPr>
-          <a:xfrm>
-            <a:off x="5889382" y="2961362"/>
-            <a:ext cx="2125903" cy="994366"/>
-            <a:chOff x="3245794" y="2600325"/>
-            <a:chExt cx="2125903" cy="994366"/>
-          </a:xfrm>
-        </p:grpSpPr>
-        <p:sp>
-          <p:nvSpPr>
-            <p:cNvPr id="32" name="Ecken des Rechtecks auf der gleichen Seite schneiden 31"/>
-            <p:cNvSpPr/>
-            <p:nvPr/>
-          </p:nvSpPr>
-          <p:spPr>
-            <a:xfrm>
-              <a:off x="3245794" y="2600325"/>
-              <a:ext cx="2125903" cy="994366"/>
-            </a:xfrm>
-            <a:prstGeom prst="snip2SameRect">
-              <a:avLst/>
-            </a:prstGeom>
-            <a:solidFill>
-              <a:srgbClr val="CDFFCD"/>
-            </a:solidFill>
-            <a:ln w="12700">
-              <a:solidFill>
-                <a:srgbClr val="5C859D"/>
-              </a:solidFill>
-            </a:ln>
-          </p:spPr>
-          <p:style>
-            <a:lnRef idx="2">
-              <a:schemeClr val="accent1">
-                <a:shade val="50000"/>
-              </a:schemeClr>
-            </a:lnRef>
-            <a:fillRef idx="1">
-              <a:schemeClr val="accent1"/>
-            </a:fillRef>
-            <a:effectRef idx="0">
-              <a:schemeClr val="accent1"/>
-            </a:effectRef>
-            <a:fontRef idx="minor">
-              <a:schemeClr val="lt1"/>
-            </a:fontRef>
-          </p:style>
-          <p:txBody>
-            <a:bodyPr lIns="36000" tIns="36000" rIns="36000" bIns="36000" rtlCol="0" anchor="t">
-              <a:normAutofit/>
-            </a:bodyPr>
-            <a:lstStyle/>
-            <a:p>
-              <a:pPr algn="ctr"/>
-              <a:endParaRPr lang="de-CH" sz="1100" dirty="0" smtClean="0">
-                <a:solidFill>
-                  <a:schemeClr val="tx2"/>
-                </a:solidFill>
-              </a:endParaRPr>
-            </a:p>
-          </p:txBody>
-        </p:sp>
-        <p:sp>
-          <p:nvSpPr>
-            <p:cNvPr id="33" name="Textfeld 32"/>
-            <p:cNvSpPr txBox="1"/>
-            <p:nvPr/>
-          </p:nvSpPr>
-          <p:spPr>
-            <a:xfrm>
-              <a:off x="3353952" y="2600325"/>
-              <a:ext cx="1909603" cy="769441"/>
-            </a:xfrm>
-            <a:prstGeom prst="rect">
-              <a:avLst/>
-            </a:prstGeom>
-            <a:noFill/>
-          </p:spPr>
-          <p:txBody>
-            <a:bodyPr wrap="none" rtlCol="0">
-              <a:spAutoFit/>
-            </a:bodyPr>
-            <a:lstStyle/>
-            <a:p>
-              <a:pPr algn="ctr"/>
-              <a:r>
-                <a:rPr lang="de-CH" sz="1100" u="dashLong" dirty="0" smtClean="0">
-                  <a:solidFill>
-                    <a:schemeClr val="tx2"/>
-                  </a:solidFill>
-                </a:rPr>
-                <a:t>&lt;</a:t>
-              </a:r>
-              <a:r>
-                <a:rPr lang="de-CH" sz="1100" u="dashLong" dirty="0" err="1" smtClean="0">
-                  <a:solidFill>
-                    <a:schemeClr val="tx2"/>
-                  </a:solidFill>
-                </a:rPr>
-                <a:t>id</a:t>
-              </a:r>
-              <a:r>
-                <a:rPr lang="de-CH" sz="1100" u="dashLong" dirty="0" smtClean="0">
-                  <a:solidFill>
-                    <a:schemeClr val="tx2"/>
-                  </a:solidFill>
-                </a:rPr>
-                <a:t>&gt;</a:t>
-              </a:r>
-            </a:p>
-            <a:p>
-              <a:pPr algn="ctr"/>
-              <a:r>
-                <a:rPr lang="de-CH" sz="1100" u="dashLong" dirty="0" smtClean="0">
-                  <a:solidFill>
-                    <a:schemeClr val="tx2"/>
-                  </a:solidFill>
-                </a:rPr>
-                <a:t>&lt;</a:t>
-              </a:r>
-              <a:r>
-                <a:rPr lang="de-CH" sz="1100" u="dashLong" dirty="0" err="1" smtClean="0">
-                  <a:solidFill>
-                    <a:schemeClr val="tx2"/>
-                  </a:solidFill>
-                </a:rPr>
-                <a:t>conclusion</a:t>
-              </a:r>
-              <a:r>
-                <a:rPr lang="de-CH" sz="1100" u="dashLong" dirty="0" smtClean="0">
-                  <a:solidFill>
-                    <a:schemeClr val="tx2"/>
-                  </a:solidFill>
-                </a:rPr>
-                <a:t>&gt;</a:t>
-              </a:r>
-            </a:p>
-            <a:p>
-              <a:pPr algn="ctr"/>
-              <a:endParaRPr lang="de-CH" sz="1100" u="dashLong" dirty="0">
-                <a:solidFill>
-                  <a:schemeClr val="tx2"/>
-                </a:solidFill>
-              </a:endParaRPr>
-            </a:p>
-            <a:p>
-              <a:pPr algn="ctr"/>
-              <a:r>
-                <a:rPr lang="de-CH" sz="1100" u="dashLong" dirty="0" smtClean="0">
-                  <a:solidFill>
-                    <a:schemeClr val="tx2"/>
-                  </a:solidFill>
-                </a:rPr>
-                <a:t>&lt;</a:t>
-              </a:r>
-              <a:r>
-                <a:rPr lang="de-CH" sz="1100" u="dashLong" dirty="0" err="1" smtClean="0">
-                  <a:solidFill>
-                    <a:schemeClr val="tx2"/>
-                  </a:solidFill>
-                </a:rPr>
-                <a:t>list</a:t>
-              </a:r>
-              <a:r>
-                <a:rPr lang="de-CH" sz="1100" u="dashLong" dirty="0" smtClean="0">
-                  <a:solidFill>
-                    <a:schemeClr val="tx2"/>
-                  </a:solidFill>
-                </a:rPr>
-                <a:t> </a:t>
-              </a:r>
-              <a:r>
-                <a:rPr lang="de-CH" sz="1100" u="dashLong" dirty="0" err="1" smtClean="0">
-                  <a:solidFill>
-                    <a:schemeClr val="tx2"/>
-                  </a:solidFill>
-                </a:rPr>
-                <a:t>of</a:t>
-              </a:r>
-              <a:r>
-                <a:rPr lang="de-CH" sz="1100" u="dashLong" dirty="0" smtClean="0">
-                  <a:solidFill>
-                    <a:schemeClr val="tx2"/>
-                  </a:solidFill>
-                </a:rPr>
-                <a:t> </a:t>
-              </a:r>
-              <a:r>
-                <a:rPr lang="de-CH" sz="1100" u="dashLong" dirty="0" err="1" smtClean="0">
-                  <a:solidFill>
-                    <a:schemeClr val="tx2"/>
-                  </a:solidFill>
-                </a:rPr>
-                <a:t>conditions</a:t>
-              </a:r>
-              <a:r>
-                <a:rPr lang="de-CH" sz="1100" u="dashLong" dirty="0" smtClean="0">
-                  <a:solidFill>
-                    <a:schemeClr val="tx2"/>
-                  </a:solidFill>
-                </a:rPr>
-                <a:t> in </a:t>
-              </a:r>
-              <a:r>
-                <a:rPr lang="de-CH" sz="1100" u="dashLong" dirty="0" err="1" smtClean="0">
-                  <a:solidFill>
-                    <a:schemeClr val="tx2"/>
-                  </a:solidFill>
-                </a:rPr>
-                <a:t>family</a:t>
-              </a:r>
-              <a:r>
-                <a:rPr lang="de-CH" sz="1100" u="dashLong" dirty="0" smtClean="0">
-                  <a:solidFill>
-                    <a:schemeClr val="tx2"/>
-                  </a:solidFill>
-                </a:rPr>
-                <a:t>&gt;</a:t>
-              </a:r>
-              <a:endParaRPr lang="de-CH" sz="1100" u="dashLong" dirty="0">
-                <a:solidFill>
-                  <a:schemeClr val="tx2"/>
-                </a:solidFill>
-              </a:endParaRPr>
-            </a:p>
-          </p:txBody>
-        </p:sp>
-      </p:grpSp>
-      <p:grpSp>
-        <p:nvGrpSpPr>
-          <p:cNvPr id="46" name="Gruppieren 13"/>
-          <p:cNvGrpSpPr/>
-          <p:nvPr/>
-        </p:nvGrpSpPr>
-        <p:grpSpPr>
-          <a:xfrm>
-            <a:off x="-107801" y="4228114"/>
-            <a:ext cx="2125903" cy="994366"/>
-            <a:chOff x="3245794" y="2600325"/>
-            <a:chExt cx="2125903" cy="994366"/>
-          </a:xfrm>
-        </p:grpSpPr>
-        <p:sp>
-          <p:nvSpPr>
-            <p:cNvPr id="47" name="Ecken des Rechtecks auf der gleichen Seite schneiden 46"/>
-            <p:cNvSpPr/>
-            <p:nvPr/>
-          </p:nvSpPr>
-          <p:spPr>
-            <a:xfrm>
-              <a:off x="3245794" y="2600325"/>
-              <a:ext cx="2125903" cy="994366"/>
-            </a:xfrm>
-            <a:prstGeom prst="snip2SameRect">
-              <a:avLst/>
-            </a:prstGeom>
-            <a:solidFill>
-              <a:srgbClr val="CDFFCD"/>
-            </a:solidFill>
-            <a:ln w="12700">
-              <a:solidFill>
-                <a:srgbClr val="5C859D"/>
-              </a:solidFill>
-            </a:ln>
-          </p:spPr>
-          <p:style>
-            <a:lnRef idx="2">
-              <a:schemeClr val="accent1">
-                <a:shade val="50000"/>
-              </a:schemeClr>
-            </a:lnRef>
-            <a:fillRef idx="1">
-              <a:schemeClr val="accent1"/>
-            </a:fillRef>
-            <a:effectRef idx="0">
-              <a:schemeClr val="accent1"/>
-            </a:effectRef>
-            <a:fontRef idx="minor">
-              <a:schemeClr val="lt1"/>
-            </a:fontRef>
-          </p:style>
-          <p:txBody>
-            <a:bodyPr lIns="36000" tIns="36000" rIns="36000" bIns="36000" rtlCol="0" anchor="t">
-              <a:normAutofit/>
-            </a:bodyPr>
-            <a:lstStyle/>
-            <a:p>
-              <a:pPr algn="ctr"/>
-              <a:endParaRPr lang="de-CH" sz="1100" dirty="0" smtClean="0">
-                <a:solidFill>
-                  <a:schemeClr val="tx2"/>
-                </a:solidFill>
-              </a:endParaRPr>
-            </a:p>
-          </p:txBody>
-        </p:sp>
-        <p:sp>
-          <p:nvSpPr>
-            <p:cNvPr id="48" name="Textfeld 47"/>
-            <p:cNvSpPr txBox="1"/>
-            <p:nvPr/>
-          </p:nvSpPr>
-          <p:spPr>
-            <a:xfrm>
-              <a:off x="3353952" y="2600325"/>
-              <a:ext cx="1909603" cy="769441"/>
-            </a:xfrm>
-            <a:prstGeom prst="rect">
-              <a:avLst/>
-            </a:prstGeom>
-            <a:noFill/>
-          </p:spPr>
-          <p:txBody>
-            <a:bodyPr wrap="none" rtlCol="0">
-              <a:spAutoFit/>
-            </a:bodyPr>
-            <a:lstStyle/>
-            <a:p>
-              <a:pPr algn="ctr"/>
-              <a:r>
-                <a:rPr lang="de-CH" sz="1100" u="dashLong" dirty="0" smtClean="0">
-                  <a:solidFill>
-                    <a:schemeClr val="tx2"/>
-                  </a:solidFill>
-                </a:rPr>
-                <a:t>&lt;</a:t>
-              </a:r>
-              <a:r>
-                <a:rPr lang="de-CH" sz="1100" u="dashLong" dirty="0" err="1" smtClean="0">
-                  <a:solidFill>
-                    <a:schemeClr val="tx2"/>
-                  </a:solidFill>
-                </a:rPr>
-                <a:t>id</a:t>
-              </a:r>
-              <a:r>
-                <a:rPr lang="de-CH" sz="1100" u="dashLong" dirty="0" smtClean="0">
-                  <a:solidFill>
-                    <a:schemeClr val="tx2"/>
-                  </a:solidFill>
-                </a:rPr>
-                <a:t>&gt;</a:t>
-              </a:r>
-            </a:p>
-            <a:p>
-              <a:pPr algn="ctr"/>
-              <a:r>
-                <a:rPr lang="de-CH" sz="1100" u="dashLong" dirty="0" smtClean="0">
-                  <a:solidFill>
-                    <a:schemeClr val="tx2"/>
-                  </a:solidFill>
-                </a:rPr>
-                <a:t>&lt;</a:t>
-              </a:r>
-              <a:r>
-                <a:rPr lang="de-CH" sz="1100" u="dashLong" dirty="0" err="1" smtClean="0">
-                  <a:solidFill>
-                    <a:schemeClr val="tx2"/>
-                  </a:solidFill>
-                </a:rPr>
-                <a:t>conclusion</a:t>
-              </a:r>
-              <a:r>
-                <a:rPr lang="de-CH" sz="1100" u="dashLong" dirty="0" smtClean="0">
-                  <a:solidFill>
-                    <a:schemeClr val="tx2"/>
-                  </a:solidFill>
-                </a:rPr>
-                <a:t>&gt;</a:t>
-              </a:r>
-            </a:p>
-            <a:p>
-              <a:pPr algn="ctr"/>
-              <a:endParaRPr lang="de-CH" sz="1100" u="dashLong" dirty="0">
-                <a:solidFill>
-                  <a:schemeClr val="tx2"/>
-                </a:solidFill>
-              </a:endParaRPr>
-            </a:p>
-            <a:p>
-              <a:pPr algn="ctr"/>
-              <a:r>
-                <a:rPr lang="de-CH" sz="1100" u="dashLong" dirty="0" smtClean="0">
-                  <a:solidFill>
-                    <a:schemeClr val="tx2"/>
-                  </a:solidFill>
-                </a:rPr>
-                <a:t>&lt;</a:t>
-              </a:r>
-              <a:r>
-                <a:rPr lang="de-CH" sz="1100" u="dashLong" dirty="0" err="1" smtClean="0">
-                  <a:solidFill>
-                    <a:schemeClr val="tx2"/>
-                  </a:solidFill>
-                </a:rPr>
-                <a:t>list</a:t>
-              </a:r>
-              <a:r>
-                <a:rPr lang="de-CH" sz="1100" u="dashLong" dirty="0" smtClean="0">
-                  <a:solidFill>
-                    <a:schemeClr val="tx2"/>
-                  </a:solidFill>
-                </a:rPr>
-                <a:t> </a:t>
-              </a:r>
-              <a:r>
-                <a:rPr lang="de-CH" sz="1100" u="dashLong" dirty="0" err="1" smtClean="0">
-                  <a:solidFill>
-                    <a:schemeClr val="tx2"/>
-                  </a:solidFill>
-                </a:rPr>
-                <a:t>of</a:t>
-              </a:r>
-              <a:r>
-                <a:rPr lang="de-CH" sz="1100" u="dashLong" dirty="0" smtClean="0">
-                  <a:solidFill>
-                    <a:schemeClr val="tx2"/>
-                  </a:solidFill>
-                </a:rPr>
-                <a:t> </a:t>
-              </a:r>
-              <a:r>
-                <a:rPr lang="de-CH" sz="1100" u="dashLong" dirty="0" err="1" smtClean="0">
-                  <a:solidFill>
-                    <a:schemeClr val="tx2"/>
-                  </a:solidFill>
-                </a:rPr>
-                <a:t>conditions</a:t>
-              </a:r>
-              <a:r>
-                <a:rPr lang="de-CH" sz="1100" u="dashLong" dirty="0" smtClean="0">
-                  <a:solidFill>
-                    <a:schemeClr val="tx2"/>
-                  </a:solidFill>
-                </a:rPr>
-                <a:t> in </a:t>
-              </a:r>
-              <a:r>
-                <a:rPr lang="de-CH" sz="1100" u="dashLong" dirty="0" err="1" smtClean="0">
-                  <a:solidFill>
-                    <a:schemeClr val="tx2"/>
-                  </a:solidFill>
-                </a:rPr>
-                <a:t>family</a:t>
-              </a:r>
-              <a:r>
-                <a:rPr lang="de-CH" sz="1100" u="dashLong" dirty="0" smtClean="0">
-                  <a:solidFill>
-                    <a:schemeClr val="tx2"/>
-                  </a:solidFill>
-                </a:rPr>
-                <a:t>&gt;</a:t>
-              </a:r>
-              <a:endParaRPr lang="de-CH" sz="1100" u="dashLong" dirty="0">
-                <a:solidFill>
-                  <a:schemeClr val="tx2"/>
-                </a:solidFill>
-              </a:endParaRPr>
-            </a:p>
-          </p:txBody>
-        </p:sp>
-      </p:grpSp>
-      <p:grpSp>
-        <p:nvGrpSpPr>
-          <p:cNvPr id="49" name="Gruppieren 13"/>
-          <p:cNvGrpSpPr/>
-          <p:nvPr/>
-        </p:nvGrpSpPr>
-        <p:grpSpPr>
-          <a:xfrm>
-            <a:off x="2395286" y="4199509"/>
-            <a:ext cx="2125903" cy="994366"/>
-            <a:chOff x="3245794" y="2600325"/>
-            <a:chExt cx="2125903" cy="994366"/>
-          </a:xfrm>
-        </p:grpSpPr>
-        <p:sp>
-          <p:nvSpPr>
-            <p:cNvPr id="50" name="Ecken des Rechtecks auf der gleichen Seite schneiden 49"/>
-            <p:cNvSpPr/>
-            <p:nvPr/>
-          </p:nvSpPr>
-          <p:spPr>
-            <a:xfrm>
-              <a:off x="3245794" y="2600325"/>
-              <a:ext cx="2125903" cy="994366"/>
-            </a:xfrm>
-            <a:prstGeom prst="snip2SameRect">
-              <a:avLst/>
-            </a:prstGeom>
-            <a:solidFill>
-              <a:srgbClr val="CDFFCD"/>
-            </a:solidFill>
-            <a:ln w="12700">
-              <a:solidFill>
-                <a:srgbClr val="5C859D"/>
-              </a:solidFill>
-            </a:ln>
-          </p:spPr>
-          <p:style>
-            <a:lnRef idx="2">
-              <a:schemeClr val="accent1">
-                <a:shade val="50000"/>
-              </a:schemeClr>
-            </a:lnRef>
-            <a:fillRef idx="1">
-              <a:schemeClr val="accent1"/>
-            </a:fillRef>
-            <a:effectRef idx="0">
-              <a:schemeClr val="accent1"/>
-            </a:effectRef>
-            <a:fontRef idx="minor">
-              <a:schemeClr val="lt1"/>
-            </a:fontRef>
-          </p:style>
-          <p:txBody>
-            <a:bodyPr lIns="36000" tIns="36000" rIns="36000" bIns="36000" rtlCol="0" anchor="t">
-              <a:normAutofit/>
-            </a:bodyPr>
-            <a:lstStyle/>
-            <a:p>
-              <a:pPr algn="ctr"/>
-              <a:endParaRPr lang="de-CH" sz="1100" dirty="0" smtClean="0">
-                <a:solidFill>
-                  <a:schemeClr val="tx2"/>
-                </a:solidFill>
-              </a:endParaRPr>
-            </a:p>
-          </p:txBody>
-        </p:sp>
-        <p:sp>
-          <p:nvSpPr>
-            <p:cNvPr id="51" name="Textfeld 50"/>
-            <p:cNvSpPr txBox="1"/>
-            <p:nvPr/>
-          </p:nvSpPr>
-          <p:spPr>
-            <a:xfrm>
-              <a:off x="3353952" y="2600325"/>
-              <a:ext cx="1909603" cy="769441"/>
-            </a:xfrm>
-            <a:prstGeom prst="rect">
-              <a:avLst/>
-            </a:prstGeom>
-            <a:noFill/>
-          </p:spPr>
-          <p:txBody>
-            <a:bodyPr wrap="none" rtlCol="0">
-              <a:spAutoFit/>
-            </a:bodyPr>
-            <a:lstStyle/>
-            <a:p>
-              <a:pPr algn="ctr"/>
-              <a:r>
-                <a:rPr lang="de-CH" sz="1100" u="dashLong" dirty="0" smtClean="0">
-                  <a:solidFill>
-                    <a:schemeClr val="tx2"/>
-                  </a:solidFill>
-                </a:rPr>
-                <a:t>&lt;</a:t>
-              </a:r>
-              <a:r>
-                <a:rPr lang="de-CH" sz="1100" u="dashLong" dirty="0" err="1" smtClean="0">
-                  <a:solidFill>
-                    <a:schemeClr val="tx2"/>
-                  </a:solidFill>
-                </a:rPr>
-                <a:t>id</a:t>
-              </a:r>
-              <a:r>
-                <a:rPr lang="de-CH" sz="1100" u="dashLong" dirty="0" smtClean="0">
-                  <a:solidFill>
-                    <a:schemeClr val="tx2"/>
-                  </a:solidFill>
-                </a:rPr>
-                <a:t>&gt;</a:t>
-              </a:r>
-            </a:p>
-            <a:p>
-              <a:pPr algn="ctr"/>
-              <a:r>
-                <a:rPr lang="de-CH" sz="1100" u="dashLong" dirty="0" smtClean="0">
-                  <a:solidFill>
-                    <a:schemeClr val="tx2"/>
-                  </a:solidFill>
-                </a:rPr>
-                <a:t>&lt;</a:t>
-              </a:r>
-              <a:r>
-                <a:rPr lang="de-CH" sz="1100" u="dashLong" dirty="0" err="1" smtClean="0">
-                  <a:solidFill>
-                    <a:schemeClr val="tx2"/>
-                  </a:solidFill>
-                </a:rPr>
-                <a:t>conclusion</a:t>
-              </a:r>
-              <a:r>
-                <a:rPr lang="de-CH" sz="1100" u="dashLong" dirty="0" smtClean="0">
-                  <a:solidFill>
-                    <a:schemeClr val="tx2"/>
-                  </a:solidFill>
-                </a:rPr>
-                <a:t>&gt;</a:t>
-              </a:r>
-            </a:p>
-            <a:p>
-              <a:pPr algn="ctr"/>
-              <a:endParaRPr lang="de-CH" sz="1100" u="dashLong" dirty="0">
-                <a:solidFill>
-                  <a:schemeClr val="tx2"/>
-                </a:solidFill>
-              </a:endParaRPr>
-            </a:p>
-            <a:p>
-              <a:pPr algn="ctr"/>
-              <a:r>
-                <a:rPr lang="de-CH" sz="1100" u="dashLong" dirty="0" smtClean="0">
-                  <a:solidFill>
-                    <a:schemeClr val="tx2"/>
-                  </a:solidFill>
-                </a:rPr>
-                <a:t>&lt;</a:t>
-              </a:r>
-              <a:r>
-                <a:rPr lang="de-CH" sz="1100" u="dashLong" dirty="0" err="1" smtClean="0">
-                  <a:solidFill>
-                    <a:schemeClr val="tx2"/>
-                  </a:solidFill>
-                </a:rPr>
-                <a:t>list</a:t>
-              </a:r>
-              <a:r>
-                <a:rPr lang="de-CH" sz="1100" u="dashLong" dirty="0" smtClean="0">
-                  <a:solidFill>
-                    <a:schemeClr val="tx2"/>
-                  </a:solidFill>
-                </a:rPr>
-                <a:t> </a:t>
-              </a:r>
-              <a:r>
-                <a:rPr lang="de-CH" sz="1100" u="dashLong" dirty="0" err="1" smtClean="0">
-                  <a:solidFill>
-                    <a:schemeClr val="tx2"/>
-                  </a:solidFill>
-                </a:rPr>
-                <a:t>of</a:t>
-              </a:r>
-              <a:r>
-                <a:rPr lang="de-CH" sz="1100" u="dashLong" dirty="0" smtClean="0">
-                  <a:solidFill>
-                    <a:schemeClr val="tx2"/>
-                  </a:solidFill>
-                </a:rPr>
-                <a:t> </a:t>
-              </a:r>
-              <a:r>
-                <a:rPr lang="de-CH" sz="1100" u="dashLong" dirty="0" err="1" smtClean="0">
-                  <a:solidFill>
-                    <a:schemeClr val="tx2"/>
-                  </a:solidFill>
-                </a:rPr>
-                <a:t>conditions</a:t>
-              </a:r>
-              <a:r>
-                <a:rPr lang="de-CH" sz="1100" u="dashLong" dirty="0" smtClean="0">
-                  <a:solidFill>
-                    <a:schemeClr val="tx2"/>
-                  </a:solidFill>
-                </a:rPr>
-                <a:t> in </a:t>
-              </a:r>
-              <a:r>
-                <a:rPr lang="de-CH" sz="1100" u="dashLong" dirty="0" err="1" smtClean="0">
-                  <a:solidFill>
-                    <a:schemeClr val="tx2"/>
-                  </a:solidFill>
-                </a:rPr>
-                <a:t>family</a:t>
-              </a:r>
-              <a:r>
-                <a:rPr lang="de-CH" sz="1100" u="dashLong" dirty="0" smtClean="0">
-                  <a:solidFill>
-                    <a:schemeClr val="tx2"/>
-                  </a:solidFill>
-                </a:rPr>
-                <a:t>&gt;</a:t>
-              </a:r>
-              <a:endParaRPr lang="de-CH" sz="1100" u="dashLong" dirty="0">
-                <a:solidFill>
-                  <a:schemeClr val="tx2"/>
-                </a:solidFill>
-              </a:endParaRPr>
-            </a:p>
-          </p:txBody>
-        </p:sp>
-      </p:grpSp>
-      <p:cxnSp>
-        <p:nvCxnSpPr>
-          <p:cNvPr id="52" name="Gewinkelte Verbindung 51"/>
-          <p:cNvCxnSpPr>
-            <a:stCxn id="62" idx="0"/>
-            <a:endCxn id="51" idx="0"/>
-          </p:cNvCxnSpPr>
-          <p:nvPr/>
-        </p:nvCxnSpPr>
-        <p:spPr>
-          <a:xfrm>
-            <a:off x="3139681" y="3429377"/>
-            <a:ext cx="318565" cy="770132"/>
-          </a:xfrm>
-          <a:prstGeom prst="bentConnector2">
-            <a:avLst/>
-          </a:prstGeom>
-          <a:ln>
-            <a:tailEnd type="arrow"/>
-          </a:ln>
-        </p:spPr>
-        <p:style>
-          <a:lnRef idx="2">
-            <a:schemeClr val="accent1"/>
-          </a:lnRef>
-          <a:fillRef idx="0">
-            <a:schemeClr val="accent1"/>
-          </a:fillRef>
-          <a:effectRef idx="1">
-            <a:schemeClr val="accent1"/>
-          </a:effectRef>
-          <a:fontRef idx="minor">
-            <a:schemeClr val="tx1"/>
-          </a:fontRef>
-        </p:style>
-      </p:cxnSp>
-      <p:cxnSp>
-        <p:nvCxnSpPr>
-          <p:cNvPr id="53" name="Gewinkelte Verbindung 52"/>
-          <p:cNvCxnSpPr>
-            <a:stCxn id="62" idx="2"/>
-            <a:endCxn id="48" idx="0"/>
-          </p:cNvCxnSpPr>
-          <p:nvPr/>
-        </p:nvCxnSpPr>
-        <p:spPr>
-          <a:xfrm rot="10800000" flipV="1">
-            <a:off x="955160" y="3429376"/>
-            <a:ext cx="187751" cy="798737"/>
-          </a:xfrm>
-          <a:prstGeom prst="bentConnector2">
-            <a:avLst/>
-          </a:prstGeom>
-          <a:ln>
-            <a:tailEnd type="arrow"/>
-          </a:ln>
-        </p:spPr>
-        <p:style>
-          <a:lnRef idx="2">
-            <a:schemeClr val="accent1"/>
-          </a:lnRef>
-          <a:fillRef idx="0">
-            <a:schemeClr val="accent1"/>
-          </a:fillRef>
-          <a:effectRef idx="1">
-            <a:schemeClr val="accent1"/>
-          </a:effectRef>
-          <a:fontRef idx="minor">
-            <a:schemeClr val="tx1"/>
-          </a:fontRef>
-        </p:style>
-      </p:cxnSp>
-    </p:spTree>
-    <p:extLst>
-      <p:ext uri="{BB962C8B-B14F-4D97-AF65-F5344CB8AC3E}">
-        <p14:creationId xmlns:p14="http://schemas.microsoft.com/office/powerpoint/2010/main" val="4071459216"/>
-      </p:ext>
-    </p:extLst>
-  </p:cSld>
-  <p:clrMapOvr>
-    <a:masterClrMapping/>
-  </p:clrMapOvr>
-  <p:transition xmlns:p14="http://schemas.microsoft.com/office/powerpoint/2010/main">
-    <p:fade/>
-  </p:transition>
-</p:sld>
-</file>
-
-<file path=ppt/slides/slide9.xml><?xml version="1.0" encoding="utf-8"?>
-<p:sld xmlns:a="http://schemas.openxmlformats.org/drawingml/2006/main" xmlns:r="http://schemas.openxmlformats.org/officeDocument/2006/relationships" xmlns:p="http://schemas.openxmlformats.org/presentationml/2006/main">
-  <p:cSld>
-    <p:spTree>
-      <p:nvGrpSpPr>
-        <p:cNvPr id="1" name=""/>
-        <p:cNvGrpSpPr/>
-        <p:nvPr/>
-      </p:nvGrpSpPr>
-      <p:grpSpPr>
-        <a:xfrm>
-          <a:off x="0" y="0"/>
-          <a:ext cx="0" cy="0"/>
-          <a:chOff x="0" y="0"/>
-          <a:chExt cx="0" cy="0"/>
-        </a:xfrm>
-      </p:grpSpPr>
-      <p:sp>
-        <p:nvSpPr>
-          <p:cNvPr id="8" name="Achteck 7"/>
-          <p:cNvSpPr>
-            <a:spLocks/>
-          </p:cNvSpPr>
-          <p:nvPr/>
-        </p:nvSpPr>
-        <p:spPr>
-          <a:xfrm>
-            <a:off x="2313643" y="499631"/>
-            <a:ext cx="747714" cy="748309"/>
-          </a:xfrm>
-          <a:prstGeom prst="octagon">
-            <a:avLst>
-              <a:gd name="adj" fmla="val 28913"/>
-            </a:avLst>
-          </a:prstGeom>
-          <a:solidFill>
-            <a:srgbClr val="CDFFFF"/>
-          </a:solidFill>
-          <a:ln w="12700">
-            <a:solidFill>
-              <a:srgbClr val="5C859D"/>
-            </a:solidFill>
-          </a:ln>
-        </p:spPr>
-        <p:style>
-          <a:lnRef idx="2">
-            <a:schemeClr val="accent1">
-              <a:shade val="50000"/>
-            </a:schemeClr>
-          </a:lnRef>
-          <a:fillRef idx="1">
-            <a:schemeClr val="accent1"/>
-          </a:fillRef>
-          <a:effectRef idx="0">
-            <a:schemeClr val="accent1"/>
-          </a:effectRef>
-          <a:fontRef idx="minor">
-            <a:schemeClr val="lt1"/>
-          </a:fontRef>
-        </p:style>
-        <p:txBody>
-          <a:bodyPr lIns="0" tIns="36000" rIns="0" bIns="36000" rtlCol="0" anchor="ctr">
-            <a:normAutofit/>
-          </a:bodyPr>
-          <a:lstStyle/>
-          <a:p>
-            <a:pPr algn="ctr"/>
-            <a:r>
-              <a:rPr lang="de-CH" sz="1050" dirty="0" smtClean="0">
-                <a:solidFill>
-                  <a:schemeClr val="tx2"/>
-                </a:solidFill>
-              </a:rPr>
-              <a:t>&lt;</a:t>
-            </a:r>
-            <a:r>
-              <a:rPr lang="de-CH" sz="1050" dirty="0" err="1" smtClean="0">
-                <a:solidFill>
-                  <a:schemeClr val="tx2"/>
-                </a:solidFill>
-              </a:rPr>
-              <a:t>id</a:t>
-            </a:r>
-            <a:r>
-              <a:rPr lang="de-CH" sz="1050" dirty="0" smtClean="0">
-                <a:solidFill>
-                  <a:schemeClr val="tx2"/>
-                </a:solidFill>
-              </a:rPr>
-              <a:t>&gt;</a:t>
-            </a:r>
-          </a:p>
-          <a:p>
-            <a:pPr algn="ctr"/>
-            <a:r>
-              <a:rPr lang="de-CH" sz="1050" dirty="0" smtClean="0">
-                <a:solidFill>
-                  <a:schemeClr val="tx2"/>
-                </a:solidFill>
-              </a:rPr>
-              <a:t>&lt;</a:t>
-            </a:r>
-            <a:r>
-              <a:rPr lang="de-CH" sz="1050" dirty="0" err="1" smtClean="0">
-                <a:solidFill>
-                  <a:schemeClr val="tx2"/>
-                </a:solidFill>
-              </a:rPr>
-              <a:t>name</a:t>
-            </a:r>
-            <a:r>
-              <a:rPr lang="de-CH" sz="1050" dirty="0" smtClean="0">
-                <a:solidFill>
-                  <a:schemeClr val="tx2"/>
-                </a:solidFill>
-              </a:rPr>
-              <a:t>&gt;</a:t>
-            </a:r>
-          </a:p>
-        </p:txBody>
-      </p:sp>
-      <p:sp>
-        <p:nvSpPr>
-          <p:cNvPr id="9" name="Rechteck 8"/>
-          <p:cNvSpPr/>
-          <p:nvPr/>
-        </p:nvSpPr>
-        <p:spPr>
-          <a:xfrm>
-            <a:off x="314076" y="450600"/>
-            <a:ext cx="8384416" cy="5830495"/>
-          </a:xfrm>
-          <a:prstGeom prst="rect">
-            <a:avLst/>
-          </a:prstGeom>
-          <a:noFill/>
-          <a:effectLst/>
-        </p:spPr>
-        <p:style>
-          <a:lnRef idx="1">
-            <a:schemeClr val="accent1"/>
-          </a:lnRef>
-          <a:fillRef idx="3">
-            <a:schemeClr val="accent1"/>
-          </a:fillRef>
-          <a:effectRef idx="2">
-            <a:schemeClr val="accent1"/>
-          </a:effectRef>
-          <a:fontRef idx="minor">
-            <a:schemeClr val="lt1"/>
-          </a:fontRef>
-        </p:style>
-        <p:txBody>
-          <a:bodyPr rtlCol="0" anchor="ctr"/>
-          <a:lstStyle/>
-          <a:p>
-            <a:pPr algn="ctr"/>
-            <a:endParaRPr lang="de-DE"/>
-          </a:p>
-        </p:txBody>
-      </p:sp>
-      <p:sp>
-        <p:nvSpPr>
-          <p:cNvPr id="11" name="Rechteck 10"/>
-          <p:cNvSpPr/>
-          <p:nvPr/>
-        </p:nvSpPr>
-        <p:spPr>
-          <a:xfrm>
-            <a:off x="487604" y="1304777"/>
-            <a:ext cx="6860481" cy="4457445"/>
-          </a:xfrm>
-          <a:prstGeom prst="rect">
-            <a:avLst/>
-          </a:prstGeom>
-          <a:solidFill>
-            <a:srgbClr val="FFFF00"/>
-          </a:solidFill>
-          <a:effectLst/>
-        </p:spPr>
-        <p:style>
-          <a:lnRef idx="1">
-            <a:schemeClr val="accent1"/>
-          </a:lnRef>
-          <a:fillRef idx="3">
-            <a:schemeClr val="accent1"/>
-          </a:fillRef>
-          <a:effectRef idx="2">
-            <a:schemeClr val="accent1"/>
-          </a:effectRef>
-          <a:fontRef idx="minor">
-            <a:schemeClr val="lt1"/>
-          </a:fontRef>
-        </p:style>
-        <p:txBody>
-          <a:bodyPr rtlCol="0" anchor="ctr"/>
-          <a:lstStyle/>
-          <a:p>
-            <a:pPr algn="ctr"/>
-            <a:endParaRPr lang="de-DE"/>
-          </a:p>
-        </p:txBody>
-      </p:sp>
-      <p:grpSp>
-        <p:nvGrpSpPr>
-          <p:cNvPr id="39" name="Gruppierung 38"/>
-          <p:cNvGrpSpPr/>
-          <p:nvPr/>
-        </p:nvGrpSpPr>
-        <p:grpSpPr>
-          <a:xfrm>
-            <a:off x="1877363" y="1380392"/>
-            <a:ext cx="1508933" cy="758313"/>
-            <a:chOff x="863781" y="1971450"/>
-            <a:chExt cx="2468144" cy="1240363"/>
-          </a:xfrm>
-        </p:grpSpPr>
-        <p:sp>
-          <p:nvSpPr>
-            <p:cNvPr id="10" name="Rechteck 9"/>
-            <p:cNvSpPr/>
-            <p:nvPr/>
-          </p:nvSpPr>
-          <p:spPr>
-            <a:xfrm>
-              <a:off x="863781" y="1971450"/>
-              <a:ext cx="2468144" cy="1240363"/>
-            </a:xfrm>
-            <a:prstGeom prst="rect">
-              <a:avLst/>
-            </a:prstGeom>
-            <a:solidFill>
-              <a:srgbClr val="FFD1D3"/>
-            </a:solidFill>
-            <a:effectLst/>
-          </p:spPr>
-          <p:style>
-            <a:lnRef idx="1">
-              <a:schemeClr val="accent1"/>
-            </a:lnRef>
-            <a:fillRef idx="3">
-              <a:schemeClr val="accent1"/>
-            </a:fillRef>
-            <a:effectRef idx="2">
-              <a:schemeClr val="accent1"/>
-            </a:effectRef>
-            <a:fontRef idx="minor">
-              <a:schemeClr val="lt1"/>
-            </a:fontRef>
-          </p:style>
-          <p:txBody>
-            <a:bodyPr rtlCol="0" anchor="ctr"/>
-            <a:lstStyle/>
-            <a:p>
-              <a:pPr algn="ctr"/>
-              <a:endParaRPr lang="de-DE"/>
-            </a:p>
-          </p:txBody>
-        </p:sp>
-        <p:sp>
-          <p:nvSpPr>
-            <p:cNvPr id="3" name="Ecken des Rechtecks auf der gleichen Seite schneiden 2"/>
-            <p:cNvSpPr/>
-            <p:nvPr/>
-          </p:nvSpPr>
-          <p:spPr>
-            <a:xfrm>
-              <a:off x="1008891" y="2076198"/>
-              <a:ext cx="2125903" cy="994366"/>
-            </a:xfrm>
-            <a:prstGeom prst="snip2SameRect">
-              <a:avLst/>
-            </a:prstGeom>
-            <a:solidFill>
-              <a:srgbClr val="CDFFCD"/>
-            </a:solidFill>
-            <a:ln w="12700">
-              <a:solidFill>
-                <a:srgbClr val="5C859D"/>
-              </a:solidFill>
-            </a:ln>
-          </p:spPr>
-          <p:style>
-            <a:lnRef idx="2">
-              <a:schemeClr val="accent1">
-                <a:shade val="50000"/>
-              </a:schemeClr>
-            </a:lnRef>
-            <a:fillRef idx="1">
-              <a:schemeClr val="accent1"/>
-            </a:fillRef>
-            <a:effectRef idx="0">
-              <a:schemeClr val="accent1"/>
-            </a:effectRef>
-            <a:fontRef idx="minor">
-              <a:schemeClr val="lt1"/>
-            </a:fontRef>
-          </p:style>
-          <p:txBody>
-            <a:bodyPr lIns="36000" tIns="36000" rIns="36000" bIns="36000" rtlCol="0" anchor="t">
-              <a:normAutofit/>
-            </a:bodyPr>
-            <a:lstStyle/>
-            <a:p>
-              <a:pPr algn="ctr"/>
-              <a:endParaRPr lang="de-CH" sz="1100" dirty="0" smtClean="0">
-                <a:solidFill>
-                  <a:schemeClr val="tx2"/>
-                </a:solidFill>
-              </a:endParaRPr>
-            </a:p>
-          </p:txBody>
-        </p:sp>
-        <p:sp>
-          <p:nvSpPr>
-            <p:cNvPr id="4" name="Textfeld 3"/>
-            <p:cNvSpPr txBox="1"/>
-            <p:nvPr/>
-          </p:nvSpPr>
-          <p:spPr>
-            <a:xfrm>
-              <a:off x="933205" y="2076198"/>
-              <a:ext cx="2277292" cy="981681"/>
-            </a:xfrm>
-            <a:prstGeom prst="rect">
-              <a:avLst/>
-            </a:prstGeom>
-            <a:noFill/>
-          </p:spPr>
-          <p:txBody>
-            <a:bodyPr wrap="none" rtlCol="0">
-              <a:spAutoFit/>
-            </a:bodyPr>
-            <a:lstStyle/>
-            <a:p>
-              <a:pPr algn="ctr"/>
-              <a:r>
-                <a:rPr lang="de-CH" sz="1100" u="dashLong" dirty="0" smtClean="0">
-                  <a:solidFill>
-                    <a:schemeClr val="tx2"/>
-                  </a:solidFill>
-                </a:rPr>
-                <a:t>&lt;</a:t>
-              </a:r>
-              <a:r>
-                <a:rPr lang="de-CH" sz="1100" u="dashLong" dirty="0" err="1" smtClean="0">
-                  <a:solidFill>
-                    <a:schemeClr val="tx2"/>
-                  </a:solidFill>
-                </a:rPr>
-                <a:t>id</a:t>
-              </a:r>
-              <a:r>
-                <a:rPr lang="de-CH" sz="1100" u="dashLong" dirty="0" smtClean="0">
-                  <a:solidFill>
-                    <a:schemeClr val="tx2"/>
-                  </a:solidFill>
-                </a:rPr>
-                <a:t>&gt;</a:t>
-              </a:r>
-            </a:p>
-            <a:p>
-              <a:pPr algn="ctr"/>
-              <a:r>
-                <a:rPr lang="de-CH" sz="1100" u="dashLong" dirty="0" smtClean="0">
-                  <a:solidFill>
-                    <a:schemeClr val="tx2"/>
-                  </a:solidFill>
-                </a:rPr>
-                <a:t>&lt;</a:t>
-              </a:r>
-              <a:r>
-                <a:rPr lang="de-CH" sz="1100" u="dashLong" dirty="0" err="1" smtClean="0">
-                  <a:solidFill>
-                    <a:schemeClr val="tx2"/>
-                  </a:solidFill>
-                </a:rPr>
-                <a:t>conclusion</a:t>
-              </a:r>
-              <a:r>
-                <a:rPr lang="de-CH" sz="1100" u="dashLong" dirty="0" smtClean="0">
-                  <a:solidFill>
-                    <a:schemeClr val="tx2"/>
-                  </a:solidFill>
-                </a:rPr>
-                <a:t>&gt;</a:t>
-              </a:r>
-              <a:endParaRPr lang="de-CH" sz="1100" u="dashLong" dirty="0">
-                <a:solidFill>
-                  <a:schemeClr val="tx2"/>
-                </a:solidFill>
-              </a:endParaRPr>
-            </a:p>
-            <a:p>
-              <a:pPr algn="ctr"/>
-              <a:r>
-                <a:rPr lang="de-CH" sz="1100" u="dashLong" dirty="0" smtClean="0">
-                  <a:solidFill>
-                    <a:schemeClr val="tx2"/>
-                  </a:solidFill>
-                </a:rPr>
-                <a:t>&lt;</a:t>
-              </a:r>
-              <a:r>
-                <a:rPr lang="de-CH" sz="1100" u="dashLong" dirty="0" err="1" smtClean="0">
-                  <a:solidFill>
-                    <a:schemeClr val="tx2"/>
-                  </a:solidFill>
-                </a:rPr>
-                <a:t>list</a:t>
-              </a:r>
-              <a:r>
-                <a:rPr lang="de-CH" sz="1100" u="dashLong" dirty="0" smtClean="0">
-                  <a:solidFill>
-                    <a:schemeClr val="tx2"/>
-                  </a:solidFill>
-                </a:rPr>
-                <a:t> </a:t>
-              </a:r>
-              <a:r>
-                <a:rPr lang="de-CH" sz="1100" u="dashLong" dirty="0" err="1" smtClean="0">
-                  <a:solidFill>
-                    <a:schemeClr val="tx2"/>
-                  </a:solidFill>
-                </a:rPr>
-                <a:t>of</a:t>
-              </a:r>
-              <a:r>
-                <a:rPr lang="de-CH" sz="1100" u="dashLong" dirty="0" smtClean="0">
-                  <a:solidFill>
-                    <a:schemeClr val="tx2"/>
-                  </a:solidFill>
-                </a:rPr>
-                <a:t> </a:t>
-              </a:r>
-              <a:r>
-                <a:rPr lang="de-CH" sz="1100" u="dashLong" dirty="0" err="1" smtClean="0">
-                  <a:solidFill>
-                    <a:schemeClr val="tx2"/>
-                  </a:solidFill>
-                </a:rPr>
-                <a:t>conditions</a:t>
-              </a:r>
-              <a:r>
-                <a:rPr lang="de-CH" sz="1100" u="dashLong" dirty="0" smtClean="0">
-                  <a:solidFill>
-                    <a:schemeClr val="tx2"/>
-                  </a:solidFill>
-                </a:rPr>
-                <a:t>&gt;</a:t>
-              </a:r>
-              <a:endParaRPr lang="de-CH" sz="1100" u="dashLong" dirty="0">
-                <a:solidFill>
-                  <a:schemeClr val="tx2"/>
-                </a:solidFill>
-              </a:endParaRPr>
-            </a:p>
-          </p:txBody>
-        </p:sp>
-      </p:grpSp>
-      <p:sp>
-        <p:nvSpPr>
-          <p:cNvPr id="15" name="Rechteck 14"/>
-          <p:cNvSpPr/>
-          <p:nvPr/>
-        </p:nvSpPr>
-        <p:spPr>
-          <a:xfrm>
-            <a:off x="531135" y="2216527"/>
-            <a:ext cx="6760851" cy="3381840"/>
-          </a:xfrm>
-          <a:prstGeom prst="rect">
-            <a:avLst/>
-          </a:prstGeom>
-          <a:solidFill>
-            <a:schemeClr val="accent4">
-              <a:lumMod val="10000"/>
-              <a:lumOff val="90000"/>
-            </a:schemeClr>
-          </a:solidFill>
-          <a:effectLst/>
-        </p:spPr>
-        <p:style>
-          <a:lnRef idx="1">
-            <a:schemeClr val="accent1"/>
-          </a:lnRef>
-          <a:fillRef idx="3">
-            <a:schemeClr val="accent1"/>
-          </a:fillRef>
-          <a:effectRef idx="2">
-            <a:schemeClr val="accent1"/>
-          </a:effectRef>
-          <a:fontRef idx="minor">
-            <a:schemeClr val="lt1"/>
-          </a:fontRef>
-        </p:style>
-        <p:txBody>
-          <a:bodyPr rtlCol="0" anchor="ctr"/>
-          <a:lstStyle/>
-          <a:p>
-            <a:pPr algn="ctr"/>
-            <a:endParaRPr lang="de-DE"/>
-          </a:p>
-        </p:txBody>
-      </p:sp>
-      <p:grpSp>
-        <p:nvGrpSpPr>
-          <p:cNvPr id="38" name="Gruppierung 37"/>
-          <p:cNvGrpSpPr/>
-          <p:nvPr/>
-        </p:nvGrpSpPr>
-        <p:grpSpPr>
-          <a:xfrm>
-            <a:off x="714397" y="2308354"/>
-            <a:ext cx="1576210" cy="1214272"/>
-            <a:chOff x="968877" y="3489306"/>
-            <a:chExt cx="2578188" cy="1986170"/>
-          </a:xfrm>
-        </p:grpSpPr>
-        <p:sp>
-          <p:nvSpPr>
-            <p:cNvPr id="21" name="Rechteck 20"/>
-            <p:cNvSpPr/>
-            <p:nvPr/>
-          </p:nvSpPr>
-          <p:spPr>
-            <a:xfrm>
-              <a:off x="968877" y="3489306"/>
-              <a:ext cx="2578188" cy="1986170"/>
-            </a:xfrm>
-            <a:prstGeom prst="rect">
-              <a:avLst/>
-            </a:prstGeom>
-            <a:solidFill>
-              <a:srgbClr val="FFFF00"/>
-            </a:solidFill>
-            <a:effectLst/>
-          </p:spPr>
-          <p:style>
-            <a:lnRef idx="1">
-              <a:schemeClr val="accent1"/>
-            </a:lnRef>
-            <a:fillRef idx="3">
-              <a:schemeClr val="accent1"/>
-            </a:fillRef>
-            <a:effectRef idx="2">
-              <a:schemeClr val="accent1"/>
-            </a:effectRef>
-            <a:fontRef idx="minor">
-              <a:schemeClr val="lt1"/>
-            </a:fontRef>
-          </p:style>
-          <p:txBody>
-            <a:bodyPr rtlCol="0" anchor="ctr"/>
-            <a:lstStyle/>
-            <a:p>
-              <a:pPr algn="ctr"/>
-              <a:endParaRPr lang="de-DE"/>
-            </a:p>
-          </p:txBody>
-        </p:sp>
-        <p:grpSp>
-          <p:nvGrpSpPr>
-            <p:cNvPr id="37" name="Gruppierung 36"/>
-            <p:cNvGrpSpPr/>
-            <p:nvPr/>
-          </p:nvGrpSpPr>
-          <p:grpSpPr>
-            <a:xfrm>
-              <a:off x="981103" y="3543924"/>
-              <a:ext cx="2516878" cy="1240363"/>
-              <a:chOff x="981103" y="3543924"/>
-              <a:chExt cx="2516878" cy="1240363"/>
-            </a:xfrm>
-          </p:grpSpPr>
-          <p:sp>
-            <p:nvSpPr>
-              <p:cNvPr id="30" name="Rechteck 29"/>
-              <p:cNvSpPr/>
-              <p:nvPr/>
-            </p:nvSpPr>
-            <p:spPr>
-              <a:xfrm>
-                <a:off x="1029837" y="3543924"/>
-                <a:ext cx="2468144" cy="1240363"/>
-              </a:xfrm>
-              <a:prstGeom prst="rect">
-                <a:avLst/>
-              </a:prstGeom>
-              <a:solidFill>
-                <a:srgbClr val="FFD1D3"/>
-              </a:solidFill>
-              <a:effectLst/>
-            </p:spPr>
-            <p:style>
-              <a:lnRef idx="1">
-                <a:schemeClr val="accent1"/>
-              </a:lnRef>
-              <a:fillRef idx="3">
-                <a:schemeClr val="accent1"/>
-              </a:fillRef>
-              <a:effectRef idx="2">
-                <a:schemeClr val="accent1"/>
-              </a:effectRef>
-              <a:fontRef idx="minor">
-                <a:schemeClr val="lt1"/>
-              </a:fontRef>
-            </p:style>
-            <p:txBody>
-              <a:bodyPr rtlCol="0" anchor="ctr"/>
-              <a:lstStyle/>
-              <a:p>
-                <a:pPr algn="ctr"/>
-                <a:endParaRPr lang="de-DE"/>
-              </a:p>
-            </p:txBody>
-          </p:sp>
-          <p:sp>
-            <p:nvSpPr>
-              <p:cNvPr id="19" name="Ecken des Rechtecks auf der gleichen Seite schneiden 18"/>
-              <p:cNvSpPr/>
-              <p:nvPr/>
-            </p:nvSpPr>
-            <p:spPr>
-              <a:xfrm>
-                <a:off x="1147636" y="3635018"/>
-                <a:ext cx="2125903" cy="994366"/>
-              </a:xfrm>
-              <a:prstGeom prst="snip2SameRect">
-                <a:avLst/>
-              </a:prstGeom>
-              <a:solidFill>
-                <a:srgbClr val="CDFFCD"/>
-              </a:solidFill>
-              <a:ln w="12700">
-                <a:solidFill>
-                  <a:srgbClr val="5C859D"/>
-                </a:solidFill>
-              </a:ln>
-            </p:spPr>
-            <p:style>
-              <a:lnRef idx="2">
-                <a:schemeClr val="accent1">
-                  <a:shade val="50000"/>
-                </a:schemeClr>
-              </a:lnRef>
-              <a:fillRef idx="1">
-                <a:schemeClr val="accent1"/>
-              </a:fillRef>
-              <a:effectRef idx="0">
-                <a:schemeClr val="accent1"/>
-              </a:effectRef>
-              <a:fontRef idx="minor">
-                <a:schemeClr val="lt1"/>
-              </a:fontRef>
-            </p:style>
-            <p:txBody>
-              <a:bodyPr lIns="36000" tIns="36000" rIns="36000" bIns="36000" rtlCol="0" anchor="t">
-                <a:normAutofit/>
-              </a:bodyPr>
-              <a:lstStyle/>
-              <a:p>
-                <a:pPr algn="ctr"/>
-                <a:endParaRPr lang="de-CH" sz="1100" dirty="0" smtClean="0">
-                  <a:solidFill>
-                    <a:schemeClr val="tx2"/>
-                  </a:solidFill>
-                </a:endParaRPr>
-              </a:p>
-            </p:txBody>
-          </p:sp>
-          <p:sp>
-            <p:nvSpPr>
-              <p:cNvPr id="20" name="Textfeld 19"/>
-              <p:cNvSpPr txBox="1"/>
-              <p:nvPr/>
-            </p:nvSpPr>
-            <p:spPr>
-              <a:xfrm>
-                <a:off x="981103" y="3594055"/>
-                <a:ext cx="2213186" cy="981681"/>
-              </a:xfrm>
-              <a:prstGeom prst="rect">
-                <a:avLst/>
-              </a:prstGeom>
-              <a:noFill/>
-            </p:spPr>
-            <p:txBody>
-              <a:bodyPr wrap="none" rtlCol="0">
-                <a:spAutoFit/>
-              </a:bodyPr>
-              <a:lstStyle/>
-              <a:p>
-                <a:pPr algn="ctr"/>
-                <a:r>
-                  <a:rPr lang="de-CH" sz="1100" u="dashLong" dirty="0">
-                    <a:solidFill>
-                      <a:schemeClr val="tx2"/>
-                    </a:solidFill>
-                  </a:rPr>
-                  <a:t>&lt;</a:t>
-                </a:r>
-                <a:r>
-                  <a:rPr lang="de-CH" sz="1100" u="dashLong" dirty="0" err="1">
-                    <a:solidFill>
-                      <a:schemeClr val="tx2"/>
-                    </a:solidFill>
-                  </a:rPr>
-                  <a:t>id</a:t>
-                </a:r>
-                <a:r>
-                  <a:rPr lang="de-CH" sz="1100" u="dashLong" dirty="0">
-                    <a:solidFill>
-                      <a:schemeClr val="tx2"/>
-                    </a:solidFill>
-                  </a:rPr>
-                  <a:t>&gt;</a:t>
-                </a:r>
-              </a:p>
-              <a:p>
-                <a:pPr algn="ctr"/>
-                <a:r>
-                  <a:rPr lang="de-CH" sz="1100" u="dashLong" dirty="0">
-                    <a:solidFill>
-                      <a:schemeClr val="tx2"/>
-                    </a:solidFill>
-                  </a:rPr>
-                  <a:t>&lt;</a:t>
-                </a:r>
-                <a:r>
-                  <a:rPr lang="de-CH" sz="1100" u="dashLong" dirty="0" err="1">
-                    <a:solidFill>
-                      <a:schemeClr val="tx2"/>
-                    </a:solidFill>
-                  </a:rPr>
-                  <a:t>conclusion</a:t>
-                </a:r>
-                <a:r>
-                  <a:rPr lang="de-CH" sz="1100" u="dashLong" dirty="0">
-                    <a:solidFill>
-                      <a:schemeClr val="tx2"/>
-                    </a:solidFill>
-                  </a:rPr>
-                  <a:t>&gt;</a:t>
-                </a:r>
-              </a:p>
-              <a:p>
-                <a:pPr algn="ctr"/>
-                <a:r>
-                  <a:rPr lang="de-CH" sz="1100" u="dashLong" dirty="0">
-                    <a:solidFill>
-                      <a:schemeClr val="tx2"/>
-                    </a:solidFill>
-                  </a:rPr>
-                  <a:t>&lt;</a:t>
-                </a:r>
-                <a:r>
-                  <a:rPr lang="de-CH" sz="1100" u="dashLong" dirty="0" err="1">
-                    <a:solidFill>
-                      <a:schemeClr val="tx2"/>
-                    </a:solidFill>
-                  </a:rPr>
-                  <a:t>list</a:t>
-                </a:r>
-                <a:r>
-                  <a:rPr lang="de-CH" sz="1100" u="dashLong" dirty="0">
-                    <a:solidFill>
-                      <a:schemeClr val="tx2"/>
-                    </a:solidFill>
-                  </a:rPr>
-                  <a:t> </a:t>
-                </a:r>
-                <a:r>
-                  <a:rPr lang="de-CH" sz="1100" u="dashLong" dirty="0" err="1">
-                    <a:solidFill>
-                      <a:schemeClr val="tx2"/>
-                    </a:solidFill>
-                  </a:rPr>
-                  <a:t>of</a:t>
-                </a:r>
-                <a:r>
-                  <a:rPr lang="de-CH" sz="1100" u="dashLong" dirty="0">
-                    <a:solidFill>
-                      <a:schemeClr val="tx2"/>
-                    </a:solidFill>
-                  </a:rPr>
-                  <a:t> </a:t>
-                </a:r>
-                <a:r>
-                  <a:rPr lang="de-CH" sz="1100" u="dashLong" dirty="0" err="1">
-                    <a:solidFill>
-                      <a:schemeClr val="tx2"/>
-                    </a:solidFill>
-                  </a:rPr>
-                  <a:t>conditions</a:t>
-                </a:r>
-                <a:r>
-                  <a:rPr lang="de-CH" sz="1100" u="dashLong" dirty="0">
-                    <a:solidFill>
-                      <a:schemeClr val="tx2"/>
-                    </a:solidFill>
-                  </a:rPr>
-                  <a:t>&gt;</a:t>
-                </a:r>
-                <a:endParaRPr lang="de-CH" sz="1100" u="dashLong" dirty="0">
-                  <a:solidFill>
-                    <a:schemeClr val="tx2"/>
-                  </a:solidFill>
-                </a:endParaRPr>
-              </a:p>
-            </p:txBody>
-          </p:sp>
-        </p:grpSp>
-        <p:sp>
-          <p:nvSpPr>
-            <p:cNvPr id="22" name="Rechteck 21"/>
-            <p:cNvSpPr/>
-            <p:nvPr/>
-          </p:nvSpPr>
-          <p:spPr>
-            <a:xfrm>
-              <a:off x="1043492" y="4915639"/>
-              <a:ext cx="2438636" cy="373866"/>
-            </a:xfrm>
-            <a:prstGeom prst="rect">
-              <a:avLst/>
-            </a:prstGeom>
-            <a:solidFill>
-              <a:schemeClr val="accent4">
-                <a:lumMod val="10000"/>
-                <a:lumOff val="90000"/>
-              </a:schemeClr>
-            </a:solidFill>
-            <a:effectLst/>
-          </p:spPr>
-          <p:style>
-            <a:lnRef idx="1">
-              <a:schemeClr val="accent1"/>
-            </a:lnRef>
-            <a:fillRef idx="3">
-              <a:schemeClr val="accent1"/>
-            </a:fillRef>
-            <a:effectRef idx="2">
-              <a:schemeClr val="accent1"/>
-            </a:effectRef>
-            <a:fontRef idx="minor">
-              <a:schemeClr val="lt1"/>
-            </a:fontRef>
-          </p:style>
-          <p:txBody>
-            <a:bodyPr rtlCol="0" anchor="ctr"/>
-            <a:lstStyle/>
-            <a:p>
-              <a:pPr algn="ctr"/>
-              <a:endParaRPr lang="de-DE"/>
-            </a:p>
-          </p:txBody>
-        </p:sp>
-      </p:grpSp>
-      <p:grpSp>
-        <p:nvGrpSpPr>
-          <p:cNvPr id="40" name="Gruppierung 39"/>
-          <p:cNvGrpSpPr/>
-          <p:nvPr/>
-        </p:nvGrpSpPr>
-        <p:grpSpPr>
-          <a:xfrm>
-            <a:off x="2710173" y="2309698"/>
-            <a:ext cx="4104950" cy="3056541"/>
-            <a:chOff x="981166" y="3489304"/>
-            <a:chExt cx="6714418" cy="4999547"/>
-          </a:xfrm>
-        </p:grpSpPr>
-        <p:sp>
-          <p:nvSpPr>
-            <p:cNvPr id="41" name="Rechteck 40"/>
-            <p:cNvSpPr/>
-            <p:nvPr/>
-          </p:nvSpPr>
-          <p:spPr>
-            <a:xfrm>
-              <a:off x="981166" y="3489304"/>
-              <a:ext cx="6714418" cy="4999547"/>
-            </a:xfrm>
-            <a:prstGeom prst="rect">
-              <a:avLst/>
-            </a:prstGeom>
-            <a:solidFill>
-              <a:srgbClr val="FFFF00"/>
-            </a:solidFill>
-            <a:effectLst/>
-          </p:spPr>
-          <p:style>
-            <a:lnRef idx="1">
-              <a:schemeClr val="accent1"/>
-            </a:lnRef>
-            <a:fillRef idx="3">
-              <a:schemeClr val="accent1"/>
-            </a:fillRef>
-            <a:effectRef idx="2">
-              <a:schemeClr val="accent1"/>
-            </a:effectRef>
-            <a:fontRef idx="minor">
-              <a:schemeClr val="lt1"/>
-            </a:fontRef>
-          </p:style>
-          <p:txBody>
-            <a:bodyPr rtlCol="0" anchor="ctr"/>
-            <a:lstStyle/>
-            <a:p>
-              <a:pPr algn="ctr"/>
-              <a:endParaRPr lang="de-DE"/>
-            </a:p>
-          </p:txBody>
-        </p:sp>
-        <p:sp>
-          <p:nvSpPr>
-            <p:cNvPr id="43" name="Rechteck 42"/>
-            <p:cNvSpPr/>
-            <p:nvPr/>
-          </p:nvSpPr>
-          <p:spPr>
-            <a:xfrm>
-              <a:off x="1043492" y="4915639"/>
-              <a:ext cx="6583323" cy="2791504"/>
-            </a:xfrm>
-            <a:prstGeom prst="rect">
-              <a:avLst/>
-            </a:prstGeom>
-            <a:solidFill>
-              <a:schemeClr val="accent4">
-                <a:lumMod val="10000"/>
-                <a:lumOff val="90000"/>
-              </a:schemeClr>
-            </a:solidFill>
-            <a:effectLst/>
-          </p:spPr>
-          <p:style>
-            <a:lnRef idx="1">
-              <a:schemeClr val="accent1"/>
-            </a:lnRef>
-            <a:fillRef idx="3">
-              <a:schemeClr val="accent1"/>
-            </a:fillRef>
-            <a:effectRef idx="2">
-              <a:schemeClr val="accent1"/>
-            </a:effectRef>
-            <a:fontRef idx="minor">
-              <a:schemeClr val="lt1"/>
-            </a:fontRef>
-          </p:style>
-          <p:txBody>
-            <a:bodyPr rtlCol="0" anchor="ctr"/>
-            <a:lstStyle/>
-            <a:p>
-              <a:pPr algn="ctr"/>
-              <a:endParaRPr lang="de-DE"/>
-            </a:p>
-          </p:txBody>
-        </p:sp>
-      </p:grpSp>
-      <p:grpSp>
-        <p:nvGrpSpPr>
-          <p:cNvPr id="48" name="Gruppierung 47"/>
-          <p:cNvGrpSpPr/>
-          <p:nvPr/>
-        </p:nvGrpSpPr>
-        <p:grpSpPr>
-          <a:xfrm>
-            <a:off x="2993664" y="3375610"/>
-            <a:ext cx="1587549" cy="1214272"/>
-            <a:chOff x="963355" y="3489306"/>
-            <a:chExt cx="2596735" cy="1986170"/>
-          </a:xfrm>
-        </p:grpSpPr>
-        <p:sp>
-          <p:nvSpPr>
-            <p:cNvPr id="49" name="Rechteck 48"/>
-            <p:cNvSpPr/>
-            <p:nvPr/>
-          </p:nvSpPr>
-          <p:spPr>
-            <a:xfrm>
-              <a:off x="963355" y="3489306"/>
-              <a:ext cx="2596735" cy="1986170"/>
-            </a:xfrm>
-            <a:prstGeom prst="rect">
-              <a:avLst/>
-            </a:prstGeom>
-            <a:solidFill>
-              <a:srgbClr val="FFFF00"/>
-            </a:solidFill>
-            <a:effectLst/>
-          </p:spPr>
-          <p:style>
-            <a:lnRef idx="1">
-              <a:schemeClr val="accent1"/>
-            </a:lnRef>
-            <a:fillRef idx="3">
-              <a:schemeClr val="accent1"/>
-            </a:fillRef>
-            <a:effectRef idx="2">
-              <a:schemeClr val="accent1"/>
-            </a:effectRef>
-            <a:fontRef idx="minor">
-              <a:schemeClr val="lt1"/>
-            </a:fontRef>
-          </p:style>
-          <p:txBody>
-            <a:bodyPr rtlCol="0" anchor="ctr"/>
-            <a:lstStyle/>
-            <a:p>
-              <a:pPr algn="ctr"/>
-              <a:endParaRPr lang="de-DE"/>
-            </a:p>
-          </p:txBody>
-        </p:sp>
-        <p:grpSp>
-          <p:nvGrpSpPr>
-            <p:cNvPr id="50" name="Gruppierung 49"/>
-            <p:cNvGrpSpPr/>
-            <p:nvPr/>
-          </p:nvGrpSpPr>
-          <p:grpSpPr>
-            <a:xfrm>
-              <a:off x="981103" y="3543924"/>
-              <a:ext cx="2516878" cy="1240363"/>
-              <a:chOff x="981103" y="3543924"/>
-              <a:chExt cx="2516878" cy="1240363"/>
-            </a:xfrm>
-          </p:grpSpPr>
-          <p:sp>
-            <p:nvSpPr>
-              <p:cNvPr id="52" name="Rechteck 51"/>
-              <p:cNvSpPr/>
-              <p:nvPr/>
-            </p:nvSpPr>
-            <p:spPr>
-              <a:xfrm>
-                <a:off x="1029837" y="3543924"/>
-                <a:ext cx="2468144" cy="1240363"/>
-              </a:xfrm>
-              <a:prstGeom prst="rect">
-                <a:avLst/>
-              </a:prstGeom>
-              <a:solidFill>
-                <a:srgbClr val="FFD1D3"/>
-              </a:solidFill>
-              <a:effectLst/>
-            </p:spPr>
-            <p:style>
-              <a:lnRef idx="1">
-                <a:schemeClr val="accent1"/>
-              </a:lnRef>
-              <a:fillRef idx="3">
-                <a:schemeClr val="accent1"/>
-              </a:fillRef>
-              <a:effectRef idx="2">
-                <a:schemeClr val="accent1"/>
-              </a:effectRef>
-              <a:fontRef idx="minor">
-                <a:schemeClr val="lt1"/>
-              </a:fontRef>
-            </p:style>
-            <p:txBody>
-              <a:bodyPr rtlCol="0" anchor="ctr"/>
-              <a:lstStyle/>
-              <a:p>
-                <a:pPr algn="ctr"/>
-                <a:endParaRPr lang="de-DE"/>
-              </a:p>
-            </p:txBody>
-          </p:sp>
-          <p:sp>
-            <p:nvSpPr>
-              <p:cNvPr id="53" name="Ecken des Rechtecks auf der gleichen Seite schneiden 52"/>
-              <p:cNvSpPr/>
-              <p:nvPr/>
-            </p:nvSpPr>
-            <p:spPr>
-              <a:xfrm>
-                <a:off x="1147636" y="3635018"/>
-                <a:ext cx="2125903" cy="994366"/>
-              </a:xfrm>
-              <a:prstGeom prst="snip2SameRect">
-                <a:avLst/>
-              </a:prstGeom>
-              <a:solidFill>
-                <a:srgbClr val="CDFFCD"/>
-              </a:solidFill>
-              <a:ln w="12700">
-                <a:solidFill>
-                  <a:srgbClr val="5C859D"/>
-                </a:solidFill>
-              </a:ln>
-            </p:spPr>
-            <p:style>
-              <a:lnRef idx="2">
-                <a:schemeClr val="accent1">
-                  <a:shade val="50000"/>
-                </a:schemeClr>
-              </a:lnRef>
-              <a:fillRef idx="1">
-                <a:schemeClr val="accent1"/>
-              </a:fillRef>
-              <a:effectRef idx="0">
-                <a:schemeClr val="accent1"/>
-              </a:effectRef>
-              <a:fontRef idx="minor">
-                <a:schemeClr val="lt1"/>
-              </a:fontRef>
-            </p:style>
-            <p:txBody>
-              <a:bodyPr lIns="36000" tIns="36000" rIns="36000" bIns="36000" rtlCol="0" anchor="t">
-                <a:normAutofit/>
-              </a:bodyPr>
-              <a:lstStyle/>
-              <a:p>
-                <a:pPr algn="ctr"/>
-                <a:endParaRPr lang="de-CH" sz="1100" dirty="0" smtClean="0">
-                  <a:solidFill>
-                    <a:schemeClr val="tx2"/>
-                  </a:solidFill>
-                </a:endParaRPr>
-              </a:p>
-            </p:txBody>
-          </p:sp>
-          <p:sp>
-            <p:nvSpPr>
-              <p:cNvPr id="54" name="Textfeld 53"/>
-              <p:cNvSpPr txBox="1"/>
-              <p:nvPr/>
-            </p:nvSpPr>
-            <p:spPr>
-              <a:xfrm>
-                <a:off x="981103" y="3594055"/>
-                <a:ext cx="2213186" cy="981681"/>
-              </a:xfrm>
-              <a:prstGeom prst="rect">
-                <a:avLst/>
-              </a:prstGeom>
-              <a:noFill/>
-            </p:spPr>
-            <p:txBody>
-              <a:bodyPr wrap="none" rtlCol="0">
-                <a:spAutoFit/>
-              </a:bodyPr>
-              <a:lstStyle/>
-              <a:p>
-                <a:pPr algn="ctr"/>
-                <a:r>
-                  <a:rPr lang="de-CH" sz="1100" u="dashLong" dirty="0">
-                    <a:solidFill>
-                      <a:schemeClr val="tx2"/>
-                    </a:solidFill>
-                  </a:rPr>
-                  <a:t>&lt;</a:t>
-                </a:r>
-                <a:r>
-                  <a:rPr lang="de-CH" sz="1100" u="dashLong" dirty="0" err="1">
-                    <a:solidFill>
-                      <a:schemeClr val="tx2"/>
-                    </a:solidFill>
-                  </a:rPr>
-                  <a:t>id</a:t>
-                </a:r>
-                <a:r>
-                  <a:rPr lang="de-CH" sz="1100" u="dashLong" dirty="0">
-                    <a:solidFill>
-                      <a:schemeClr val="tx2"/>
-                    </a:solidFill>
-                  </a:rPr>
-                  <a:t>&gt;</a:t>
-                </a:r>
-              </a:p>
-              <a:p>
-                <a:pPr algn="ctr"/>
-                <a:r>
-                  <a:rPr lang="de-CH" sz="1100" u="dashLong" dirty="0">
-                    <a:solidFill>
-                      <a:schemeClr val="tx2"/>
-                    </a:solidFill>
-                  </a:rPr>
-                  <a:t>&lt;</a:t>
-                </a:r>
-                <a:r>
-                  <a:rPr lang="de-CH" sz="1100" u="dashLong" dirty="0" err="1">
-                    <a:solidFill>
-                      <a:schemeClr val="tx2"/>
-                    </a:solidFill>
-                  </a:rPr>
-                  <a:t>conclusion</a:t>
-                </a:r>
-                <a:r>
-                  <a:rPr lang="de-CH" sz="1100" u="dashLong" dirty="0">
-                    <a:solidFill>
-                      <a:schemeClr val="tx2"/>
-                    </a:solidFill>
-                  </a:rPr>
-                  <a:t>&gt;</a:t>
-                </a:r>
-              </a:p>
-              <a:p>
-                <a:pPr algn="ctr"/>
-                <a:r>
-                  <a:rPr lang="de-CH" sz="1100" u="dashLong" dirty="0">
-                    <a:solidFill>
-                      <a:schemeClr val="tx2"/>
-                    </a:solidFill>
-                  </a:rPr>
-                  <a:t>&lt;</a:t>
-                </a:r>
-                <a:r>
-                  <a:rPr lang="de-CH" sz="1100" u="dashLong" dirty="0" err="1">
-                    <a:solidFill>
-                      <a:schemeClr val="tx2"/>
-                    </a:solidFill>
-                  </a:rPr>
-                  <a:t>list</a:t>
-                </a:r>
-                <a:r>
-                  <a:rPr lang="de-CH" sz="1100" u="dashLong" dirty="0">
-                    <a:solidFill>
-                      <a:schemeClr val="tx2"/>
-                    </a:solidFill>
-                  </a:rPr>
-                  <a:t> </a:t>
-                </a:r>
-                <a:r>
-                  <a:rPr lang="de-CH" sz="1100" u="dashLong" dirty="0" err="1">
-                    <a:solidFill>
-                      <a:schemeClr val="tx2"/>
-                    </a:solidFill>
-                  </a:rPr>
-                  <a:t>of</a:t>
-                </a:r>
-                <a:r>
-                  <a:rPr lang="de-CH" sz="1100" u="dashLong" dirty="0">
-                    <a:solidFill>
-                      <a:schemeClr val="tx2"/>
-                    </a:solidFill>
-                  </a:rPr>
-                  <a:t> </a:t>
-                </a:r>
-                <a:r>
-                  <a:rPr lang="de-CH" sz="1100" u="dashLong" dirty="0" err="1">
-                    <a:solidFill>
-                      <a:schemeClr val="tx2"/>
-                    </a:solidFill>
-                  </a:rPr>
-                  <a:t>conditions</a:t>
-                </a:r>
-                <a:r>
-                  <a:rPr lang="de-CH" sz="1100" u="dashLong" dirty="0">
-                    <a:solidFill>
-                      <a:schemeClr val="tx2"/>
-                    </a:solidFill>
-                  </a:rPr>
-                  <a:t>&gt;</a:t>
-                </a:r>
-                <a:endParaRPr lang="de-CH" sz="1100" u="dashLong" dirty="0">
-                  <a:solidFill>
-                    <a:schemeClr val="tx2"/>
-                  </a:solidFill>
-                </a:endParaRPr>
-              </a:p>
-            </p:txBody>
-          </p:sp>
-        </p:grpSp>
-        <p:sp>
-          <p:nvSpPr>
-            <p:cNvPr id="51" name="Rechteck 50"/>
-            <p:cNvSpPr/>
-            <p:nvPr/>
-          </p:nvSpPr>
-          <p:spPr>
-            <a:xfrm>
-              <a:off x="1043492" y="4915639"/>
-              <a:ext cx="2438636" cy="373866"/>
-            </a:xfrm>
-            <a:prstGeom prst="rect">
-              <a:avLst/>
-            </a:prstGeom>
-            <a:solidFill>
-              <a:schemeClr val="accent4">
-                <a:lumMod val="10000"/>
-                <a:lumOff val="90000"/>
-              </a:schemeClr>
-            </a:solidFill>
-            <a:effectLst/>
-          </p:spPr>
-          <p:style>
-            <a:lnRef idx="1">
-              <a:schemeClr val="accent1"/>
-            </a:lnRef>
-            <a:fillRef idx="3">
-              <a:schemeClr val="accent1"/>
-            </a:fillRef>
-            <a:effectRef idx="2">
-              <a:schemeClr val="accent1"/>
-            </a:effectRef>
-            <a:fontRef idx="minor">
-              <a:schemeClr val="lt1"/>
-            </a:fontRef>
-          </p:style>
-          <p:txBody>
-            <a:bodyPr rtlCol="0" anchor="ctr"/>
-            <a:lstStyle/>
-            <a:p>
-              <a:pPr algn="ctr"/>
-              <a:endParaRPr lang="de-DE"/>
-            </a:p>
-          </p:txBody>
-        </p:sp>
-      </p:grpSp>
-      <p:grpSp>
-        <p:nvGrpSpPr>
-          <p:cNvPr id="55" name="Gruppierung 54"/>
-          <p:cNvGrpSpPr/>
-          <p:nvPr/>
-        </p:nvGrpSpPr>
-        <p:grpSpPr>
-          <a:xfrm>
-            <a:off x="4898723" y="3375610"/>
-            <a:ext cx="1598889" cy="1214272"/>
-            <a:chOff x="952399" y="3489306"/>
-            <a:chExt cx="2615284" cy="1986170"/>
-          </a:xfrm>
-        </p:grpSpPr>
-        <p:sp>
-          <p:nvSpPr>
-            <p:cNvPr id="56" name="Rechteck 55"/>
-            <p:cNvSpPr/>
-            <p:nvPr/>
-          </p:nvSpPr>
-          <p:spPr>
-            <a:xfrm>
-              <a:off x="952399" y="3489306"/>
-              <a:ext cx="2615284" cy="1986170"/>
-            </a:xfrm>
-            <a:prstGeom prst="rect">
-              <a:avLst/>
-            </a:prstGeom>
-            <a:solidFill>
-              <a:srgbClr val="FFFF00"/>
-            </a:solidFill>
-            <a:effectLst/>
-          </p:spPr>
-          <p:style>
-            <a:lnRef idx="1">
-              <a:schemeClr val="accent1"/>
-            </a:lnRef>
-            <a:fillRef idx="3">
-              <a:schemeClr val="accent1"/>
-            </a:fillRef>
-            <a:effectRef idx="2">
-              <a:schemeClr val="accent1"/>
-            </a:effectRef>
-            <a:fontRef idx="minor">
-              <a:schemeClr val="lt1"/>
-            </a:fontRef>
-          </p:style>
-          <p:txBody>
-            <a:bodyPr rtlCol="0" anchor="ctr"/>
-            <a:lstStyle/>
-            <a:p>
-              <a:pPr algn="ctr"/>
-              <a:endParaRPr lang="de-DE"/>
-            </a:p>
-          </p:txBody>
-        </p:sp>
-        <p:grpSp>
-          <p:nvGrpSpPr>
-            <p:cNvPr id="57" name="Gruppierung 56"/>
-            <p:cNvGrpSpPr/>
-            <p:nvPr/>
-          </p:nvGrpSpPr>
-          <p:grpSpPr>
-            <a:xfrm>
-              <a:off x="981103" y="3543924"/>
-              <a:ext cx="2516878" cy="1240363"/>
-              <a:chOff x="981103" y="3543924"/>
-              <a:chExt cx="2516878" cy="1240363"/>
-            </a:xfrm>
-          </p:grpSpPr>
-          <p:sp>
-            <p:nvSpPr>
-              <p:cNvPr id="59" name="Rechteck 58"/>
-              <p:cNvSpPr/>
-              <p:nvPr/>
-            </p:nvSpPr>
-            <p:spPr>
-              <a:xfrm>
-                <a:off x="1029837" y="3543924"/>
-                <a:ext cx="2468144" cy="1240363"/>
-              </a:xfrm>
-              <a:prstGeom prst="rect">
-                <a:avLst/>
-              </a:prstGeom>
-              <a:solidFill>
-                <a:srgbClr val="FFD1D3"/>
-              </a:solidFill>
-              <a:effectLst/>
-            </p:spPr>
-            <p:style>
-              <a:lnRef idx="1">
-                <a:schemeClr val="accent1"/>
-              </a:lnRef>
-              <a:fillRef idx="3">
-                <a:schemeClr val="accent1"/>
-              </a:fillRef>
-              <a:effectRef idx="2">
-                <a:schemeClr val="accent1"/>
-              </a:effectRef>
-              <a:fontRef idx="minor">
-                <a:schemeClr val="lt1"/>
-              </a:fontRef>
-            </p:style>
-            <p:txBody>
-              <a:bodyPr rtlCol="0" anchor="ctr"/>
-              <a:lstStyle/>
-              <a:p>
-                <a:pPr algn="ctr"/>
-                <a:endParaRPr lang="de-DE"/>
-              </a:p>
-            </p:txBody>
-          </p:sp>
-          <p:sp>
-            <p:nvSpPr>
-              <p:cNvPr id="60" name="Ecken des Rechtecks auf der gleichen Seite schneiden 59"/>
-              <p:cNvSpPr/>
-              <p:nvPr/>
-            </p:nvSpPr>
-            <p:spPr>
-              <a:xfrm>
-                <a:off x="1147636" y="3635018"/>
-                <a:ext cx="2125903" cy="994366"/>
-              </a:xfrm>
-              <a:prstGeom prst="snip2SameRect">
-                <a:avLst/>
-              </a:prstGeom>
-              <a:solidFill>
-                <a:srgbClr val="CDFFCD"/>
-              </a:solidFill>
-              <a:ln w="12700">
-                <a:solidFill>
-                  <a:srgbClr val="5C859D"/>
-                </a:solidFill>
-              </a:ln>
-            </p:spPr>
-            <p:style>
-              <a:lnRef idx="2">
-                <a:schemeClr val="accent1">
-                  <a:shade val="50000"/>
-                </a:schemeClr>
-              </a:lnRef>
-              <a:fillRef idx="1">
-                <a:schemeClr val="accent1"/>
-              </a:fillRef>
-              <a:effectRef idx="0">
-                <a:schemeClr val="accent1"/>
-              </a:effectRef>
-              <a:fontRef idx="minor">
-                <a:schemeClr val="lt1"/>
-              </a:fontRef>
-            </p:style>
-            <p:txBody>
-              <a:bodyPr lIns="36000" tIns="36000" rIns="36000" bIns="36000" rtlCol="0" anchor="t">
-                <a:normAutofit/>
-              </a:bodyPr>
-              <a:lstStyle/>
-              <a:p>
-                <a:pPr algn="ctr"/>
-                <a:endParaRPr lang="de-CH" sz="1100" dirty="0" smtClean="0">
-                  <a:solidFill>
-                    <a:schemeClr val="tx2"/>
-                  </a:solidFill>
-                </a:endParaRPr>
-              </a:p>
-            </p:txBody>
-          </p:sp>
-          <p:sp>
-            <p:nvSpPr>
-              <p:cNvPr id="61" name="Textfeld 60"/>
-              <p:cNvSpPr txBox="1"/>
-              <p:nvPr/>
-            </p:nvSpPr>
-            <p:spPr>
-              <a:xfrm>
-                <a:off x="981103" y="3594055"/>
-                <a:ext cx="2213186" cy="981681"/>
-              </a:xfrm>
-              <a:prstGeom prst="rect">
-                <a:avLst/>
-              </a:prstGeom>
-              <a:noFill/>
-            </p:spPr>
-            <p:txBody>
-              <a:bodyPr wrap="none" rtlCol="0">
-                <a:spAutoFit/>
-              </a:bodyPr>
-              <a:lstStyle/>
-              <a:p>
-                <a:pPr algn="ctr"/>
-                <a:r>
-                  <a:rPr lang="de-CH" sz="1100" u="dashLong" dirty="0">
-                    <a:solidFill>
-                      <a:schemeClr val="tx2"/>
-                    </a:solidFill>
-                  </a:rPr>
-                  <a:t>&lt;</a:t>
-                </a:r>
-                <a:r>
-                  <a:rPr lang="de-CH" sz="1100" u="dashLong" dirty="0" err="1">
-                    <a:solidFill>
-                      <a:schemeClr val="tx2"/>
-                    </a:solidFill>
-                  </a:rPr>
-                  <a:t>id</a:t>
-                </a:r>
-                <a:r>
-                  <a:rPr lang="de-CH" sz="1100" u="dashLong" dirty="0">
-                    <a:solidFill>
-                      <a:schemeClr val="tx2"/>
-                    </a:solidFill>
-                  </a:rPr>
-                  <a:t>&gt;</a:t>
-                </a:r>
-              </a:p>
-              <a:p>
-                <a:pPr algn="ctr"/>
-                <a:r>
-                  <a:rPr lang="de-CH" sz="1100" u="dashLong" dirty="0">
-                    <a:solidFill>
-                      <a:schemeClr val="tx2"/>
-                    </a:solidFill>
-                  </a:rPr>
-                  <a:t>&lt;</a:t>
-                </a:r>
-                <a:r>
-                  <a:rPr lang="de-CH" sz="1100" u="dashLong" dirty="0" err="1">
-                    <a:solidFill>
-                      <a:schemeClr val="tx2"/>
-                    </a:solidFill>
-                  </a:rPr>
-                  <a:t>conclusion</a:t>
-                </a:r>
-                <a:r>
-                  <a:rPr lang="de-CH" sz="1100" u="dashLong" dirty="0">
-                    <a:solidFill>
-                      <a:schemeClr val="tx2"/>
-                    </a:solidFill>
-                  </a:rPr>
-                  <a:t>&gt;</a:t>
-                </a:r>
-              </a:p>
-              <a:p>
-                <a:pPr algn="ctr"/>
-                <a:r>
-                  <a:rPr lang="de-CH" sz="1100" u="dashLong" dirty="0">
-                    <a:solidFill>
-                      <a:schemeClr val="tx2"/>
-                    </a:solidFill>
-                  </a:rPr>
-                  <a:t>&lt;</a:t>
-                </a:r>
-                <a:r>
-                  <a:rPr lang="de-CH" sz="1100" u="dashLong" dirty="0" err="1">
-                    <a:solidFill>
-                      <a:schemeClr val="tx2"/>
-                    </a:solidFill>
-                  </a:rPr>
-                  <a:t>list</a:t>
-                </a:r>
-                <a:r>
-                  <a:rPr lang="de-CH" sz="1100" u="dashLong" dirty="0">
-                    <a:solidFill>
-                      <a:schemeClr val="tx2"/>
-                    </a:solidFill>
-                  </a:rPr>
-                  <a:t> </a:t>
-                </a:r>
-                <a:r>
-                  <a:rPr lang="de-CH" sz="1100" u="dashLong" dirty="0" err="1">
-                    <a:solidFill>
-                      <a:schemeClr val="tx2"/>
-                    </a:solidFill>
-                  </a:rPr>
-                  <a:t>of</a:t>
-                </a:r>
-                <a:r>
-                  <a:rPr lang="de-CH" sz="1100" u="dashLong" dirty="0">
-                    <a:solidFill>
-                      <a:schemeClr val="tx2"/>
-                    </a:solidFill>
-                  </a:rPr>
-                  <a:t> </a:t>
-                </a:r>
-                <a:r>
-                  <a:rPr lang="de-CH" sz="1100" u="dashLong" dirty="0" err="1">
-                    <a:solidFill>
-                      <a:schemeClr val="tx2"/>
-                    </a:solidFill>
-                  </a:rPr>
-                  <a:t>conditions</a:t>
-                </a:r>
-                <a:r>
-                  <a:rPr lang="de-CH" sz="1100" u="dashLong" dirty="0">
-                    <a:solidFill>
-                      <a:schemeClr val="tx2"/>
-                    </a:solidFill>
-                  </a:rPr>
-                  <a:t>&gt;</a:t>
-                </a:r>
-                <a:endParaRPr lang="de-CH" sz="1100" u="dashLong" dirty="0">
-                  <a:solidFill>
-                    <a:schemeClr val="tx2"/>
-                  </a:solidFill>
-                </a:endParaRPr>
-              </a:p>
-            </p:txBody>
-          </p:sp>
-        </p:grpSp>
-        <p:sp>
-          <p:nvSpPr>
-            <p:cNvPr id="58" name="Rechteck 57"/>
-            <p:cNvSpPr/>
-            <p:nvPr/>
-          </p:nvSpPr>
-          <p:spPr>
-            <a:xfrm>
-              <a:off x="1043492" y="4915639"/>
-              <a:ext cx="2438636" cy="373866"/>
-            </a:xfrm>
-            <a:prstGeom prst="rect">
-              <a:avLst/>
-            </a:prstGeom>
-            <a:solidFill>
-              <a:schemeClr val="accent4">
-                <a:lumMod val="10000"/>
-                <a:lumOff val="90000"/>
-              </a:schemeClr>
-            </a:solidFill>
-            <a:effectLst/>
-          </p:spPr>
-          <p:style>
-            <a:lnRef idx="1">
-              <a:schemeClr val="accent1"/>
-            </a:lnRef>
-            <a:fillRef idx="3">
-              <a:schemeClr val="accent1"/>
-            </a:fillRef>
-            <a:effectRef idx="2">
-              <a:schemeClr val="accent1"/>
-            </a:effectRef>
-            <a:fontRef idx="minor">
-              <a:schemeClr val="lt1"/>
-            </a:fontRef>
-          </p:style>
-          <p:txBody>
-            <a:bodyPr rtlCol="0" anchor="ctr"/>
-            <a:lstStyle/>
-            <a:p>
-              <a:pPr algn="ctr"/>
-              <a:endParaRPr lang="de-DE"/>
-            </a:p>
-          </p:txBody>
-        </p:sp>
-      </p:grpSp>
-      <p:grpSp>
-        <p:nvGrpSpPr>
-          <p:cNvPr id="62" name="Gruppierung 61"/>
-          <p:cNvGrpSpPr/>
-          <p:nvPr/>
-        </p:nvGrpSpPr>
-        <p:grpSpPr>
-          <a:xfrm>
-            <a:off x="3976368" y="2369549"/>
-            <a:ext cx="1508933" cy="758313"/>
-            <a:chOff x="863781" y="1971450"/>
-            <a:chExt cx="2468144" cy="1240363"/>
-          </a:xfrm>
-        </p:grpSpPr>
-        <p:sp>
-          <p:nvSpPr>
-            <p:cNvPr id="63" name="Rechteck 62"/>
-            <p:cNvSpPr/>
-            <p:nvPr/>
-          </p:nvSpPr>
-          <p:spPr>
-            <a:xfrm>
-              <a:off x="863781" y="1971450"/>
-              <a:ext cx="2468144" cy="1240363"/>
-            </a:xfrm>
-            <a:prstGeom prst="rect">
-              <a:avLst/>
-            </a:prstGeom>
-            <a:solidFill>
-              <a:srgbClr val="FFD1D3"/>
-            </a:solidFill>
-            <a:effectLst/>
-          </p:spPr>
-          <p:style>
-            <a:lnRef idx="1">
-              <a:schemeClr val="accent1"/>
-            </a:lnRef>
-            <a:fillRef idx="3">
-              <a:schemeClr val="accent1"/>
-            </a:fillRef>
-            <a:effectRef idx="2">
-              <a:schemeClr val="accent1"/>
-            </a:effectRef>
-            <a:fontRef idx="minor">
-              <a:schemeClr val="lt1"/>
-            </a:fontRef>
-          </p:style>
-          <p:txBody>
-            <a:bodyPr rtlCol="0" anchor="ctr"/>
-            <a:lstStyle/>
-            <a:p>
-              <a:pPr algn="ctr"/>
-              <a:endParaRPr lang="de-DE"/>
-            </a:p>
-          </p:txBody>
-        </p:sp>
-        <p:sp>
-          <p:nvSpPr>
-            <p:cNvPr id="64" name="Ecken des Rechtecks auf der gleichen Seite schneiden 63"/>
-            <p:cNvSpPr/>
-            <p:nvPr/>
-          </p:nvSpPr>
-          <p:spPr>
-            <a:xfrm>
-              <a:off x="1008891" y="2076198"/>
-              <a:ext cx="2125903" cy="994366"/>
-            </a:xfrm>
-            <a:prstGeom prst="snip2SameRect">
-              <a:avLst/>
-            </a:prstGeom>
-            <a:solidFill>
-              <a:srgbClr val="CDFFCD"/>
-            </a:solidFill>
-            <a:ln w="12700">
-              <a:solidFill>
-                <a:srgbClr val="5C859D"/>
-              </a:solidFill>
-            </a:ln>
-          </p:spPr>
-          <p:style>
-            <a:lnRef idx="2">
-              <a:schemeClr val="accent1">
-                <a:shade val="50000"/>
-              </a:schemeClr>
-            </a:lnRef>
-            <a:fillRef idx="1">
-              <a:schemeClr val="accent1"/>
-            </a:fillRef>
-            <a:effectRef idx="0">
-              <a:schemeClr val="accent1"/>
-            </a:effectRef>
-            <a:fontRef idx="minor">
-              <a:schemeClr val="lt1"/>
-            </a:fontRef>
-          </p:style>
-          <p:txBody>
-            <a:bodyPr lIns="36000" tIns="36000" rIns="36000" bIns="36000" rtlCol="0" anchor="t">
-              <a:normAutofit/>
-            </a:bodyPr>
-            <a:lstStyle/>
-            <a:p>
-              <a:pPr algn="ctr"/>
-              <a:endParaRPr lang="de-CH" sz="1100" dirty="0" smtClean="0">
-                <a:solidFill>
-                  <a:schemeClr val="tx2"/>
-                </a:solidFill>
-              </a:endParaRPr>
-            </a:p>
-          </p:txBody>
-        </p:sp>
-        <p:sp>
-          <p:nvSpPr>
-            <p:cNvPr id="65" name="Textfeld 64"/>
-            <p:cNvSpPr txBox="1"/>
-            <p:nvPr/>
-          </p:nvSpPr>
-          <p:spPr>
-            <a:xfrm>
-              <a:off x="965257" y="2076198"/>
-              <a:ext cx="2213186" cy="981681"/>
-            </a:xfrm>
-            <a:prstGeom prst="rect">
-              <a:avLst/>
-            </a:prstGeom>
-            <a:noFill/>
-          </p:spPr>
-          <p:txBody>
-            <a:bodyPr wrap="none" rtlCol="0">
-              <a:spAutoFit/>
-            </a:bodyPr>
-            <a:lstStyle/>
-            <a:p>
-              <a:pPr algn="ctr"/>
-              <a:r>
-                <a:rPr lang="de-CH" sz="1100" u="dashLong" dirty="0">
-                  <a:solidFill>
-                    <a:schemeClr val="tx2"/>
-                  </a:solidFill>
-                </a:rPr>
-                <a:t>&lt;</a:t>
-              </a:r>
-              <a:r>
-                <a:rPr lang="de-CH" sz="1100" u="dashLong" dirty="0" err="1">
-                  <a:solidFill>
-                    <a:schemeClr val="tx2"/>
-                  </a:solidFill>
-                </a:rPr>
-                <a:t>id</a:t>
-              </a:r>
-              <a:r>
-                <a:rPr lang="de-CH" sz="1100" u="dashLong" dirty="0">
-                  <a:solidFill>
-                    <a:schemeClr val="tx2"/>
-                  </a:solidFill>
-                </a:rPr>
-                <a:t>&gt;</a:t>
-              </a:r>
-            </a:p>
-            <a:p>
-              <a:pPr algn="ctr"/>
-              <a:r>
-                <a:rPr lang="de-CH" sz="1100" u="dashLong" dirty="0">
-                  <a:solidFill>
-                    <a:schemeClr val="tx2"/>
-                  </a:solidFill>
-                </a:rPr>
-                <a:t>&lt;</a:t>
-              </a:r>
-              <a:r>
-                <a:rPr lang="de-CH" sz="1100" u="dashLong" dirty="0" err="1">
-                  <a:solidFill>
-                    <a:schemeClr val="tx2"/>
-                  </a:solidFill>
-                </a:rPr>
-                <a:t>conclusion</a:t>
-              </a:r>
-              <a:r>
-                <a:rPr lang="de-CH" sz="1100" u="dashLong" dirty="0">
-                  <a:solidFill>
-                    <a:schemeClr val="tx2"/>
-                  </a:solidFill>
-                </a:rPr>
-                <a:t>&gt;</a:t>
-              </a:r>
-            </a:p>
-            <a:p>
-              <a:pPr algn="ctr"/>
-              <a:r>
-                <a:rPr lang="de-CH" sz="1100" u="dashLong" dirty="0">
-                  <a:solidFill>
-                    <a:schemeClr val="tx2"/>
-                  </a:solidFill>
-                </a:rPr>
-                <a:t>&lt;</a:t>
-              </a:r>
-              <a:r>
-                <a:rPr lang="de-CH" sz="1100" u="dashLong" dirty="0" err="1">
-                  <a:solidFill>
-                    <a:schemeClr val="tx2"/>
-                  </a:solidFill>
-                </a:rPr>
-                <a:t>list</a:t>
-              </a:r>
-              <a:r>
-                <a:rPr lang="de-CH" sz="1100" u="dashLong" dirty="0">
-                  <a:solidFill>
-                    <a:schemeClr val="tx2"/>
-                  </a:solidFill>
-                </a:rPr>
-                <a:t> </a:t>
-              </a:r>
-              <a:r>
-                <a:rPr lang="de-CH" sz="1100" u="dashLong" dirty="0" err="1">
-                  <a:solidFill>
-                    <a:schemeClr val="tx2"/>
-                  </a:solidFill>
-                </a:rPr>
-                <a:t>of</a:t>
-              </a:r>
-              <a:r>
-                <a:rPr lang="de-CH" sz="1100" u="dashLong" dirty="0">
-                  <a:solidFill>
-                    <a:schemeClr val="tx2"/>
-                  </a:solidFill>
-                </a:rPr>
-                <a:t> </a:t>
-              </a:r>
-              <a:r>
-                <a:rPr lang="de-CH" sz="1100" u="dashLong" dirty="0" err="1">
-                  <a:solidFill>
-                    <a:schemeClr val="tx2"/>
-                  </a:solidFill>
-                </a:rPr>
-                <a:t>conditions</a:t>
-              </a:r>
-              <a:r>
-                <a:rPr lang="de-CH" sz="1100" u="dashLong" dirty="0">
-                  <a:solidFill>
-                    <a:schemeClr val="tx2"/>
-                  </a:solidFill>
-                </a:rPr>
-                <a:t>&gt;</a:t>
-              </a:r>
-              <a:endParaRPr lang="de-CH" sz="1100" u="dashLong" dirty="0">
-                <a:solidFill>
-                  <a:schemeClr val="tx2"/>
-                </a:solidFill>
-              </a:endParaRPr>
-            </a:p>
-          </p:txBody>
-        </p:sp>
-      </p:grpSp>
-    </p:spTree>
-    <p:extLst>
-      <p:ext uri="{BB962C8B-B14F-4D97-AF65-F5344CB8AC3E}">
-        <p14:creationId xmlns:p14="http://schemas.microsoft.com/office/powerpoint/2010/main" val="2681390773"/>
       </p:ext>
     </p:extLst>
   </p:cSld>
